--- a/Triumph/FnmsIntro.pptx
+++ b/Triumph/FnmsIntro.pptx
@@ -5,23 +5,24 @@
     <p:sldMasterId id="2147483660" r:id="rId4"/>
   </p:sldMasterIdLst>
   <p:notesMasterIdLst>
-    <p:notesMasterId r:id="rId19"/>
+    <p:notesMasterId r:id="rId20"/>
   </p:notesMasterIdLst>
   <p:sldIdLst>
     <p:sldId id="275" r:id="rId5"/>
     <p:sldId id="4118" r:id="rId6"/>
-    <p:sldId id="2076136564" r:id="rId7"/>
-    <p:sldId id="2076136573" r:id="rId8"/>
-    <p:sldId id="342" r:id="rId9"/>
-    <p:sldId id="4121" r:id="rId10"/>
-    <p:sldId id="4122" r:id="rId11"/>
-    <p:sldId id="4123" r:id="rId12"/>
-    <p:sldId id="4124" r:id="rId13"/>
-    <p:sldId id="4125" r:id="rId14"/>
-    <p:sldId id="2076136581" r:id="rId15"/>
-    <p:sldId id="293" r:id="rId16"/>
-    <p:sldId id="2076136563" r:id="rId17"/>
-    <p:sldId id="292" r:id="rId18"/>
+    <p:sldId id="2076136611" r:id="rId7"/>
+    <p:sldId id="2076136610" r:id="rId8"/>
+    <p:sldId id="2076136573" r:id="rId9"/>
+    <p:sldId id="342" r:id="rId10"/>
+    <p:sldId id="4121" r:id="rId11"/>
+    <p:sldId id="4122" r:id="rId12"/>
+    <p:sldId id="4123" r:id="rId13"/>
+    <p:sldId id="4124" r:id="rId14"/>
+    <p:sldId id="4125" r:id="rId15"/>
+    <p:sldId id="2076136581" r:id="rId16"/>
+    <p:sldId id="293" r:id="rId17"/>
+    <p:sldId id="2076136563" r:id="rId18"/>
+    <p:sldId id="292" r:id="rId19"/>
   </p:sldIdLst>
   <p:sldSz cx="9144000" cy="5143500" type="screen16x9"/>
   <p:notesSz cx="6858000" cy="9144000"/>
@@ -242,7 +243,7 @@
           </a:lstStyle>
           <a:p>
             <a:fld id="{ED583E89-FAC3-DE4E-8154-16F71F6F848A}" type="datetimeFigureOut">
-              <a:t>9/8/2020</a:t>
+              <a:t>7/8/2021</a:t>
             </a:fld>
             <a:endParaRPr lang="en-NO"/>
           </a:p>
@@ -643,7 +644,7 @@
     </p:spTree>
     <p:extLst>
       <p:ext uri="{BB962C8B-B14F-4D97-AF65-F5344CB8AC3E}">
-        <p14:creationId xmlns:p14="http://schemas.microsoft.com/office/powerpoint/2010/main" val="983329864"/>
+        <p14:creationId xmlns:p14="http://schemas.microsoft.com/office/powerpoint/2010/main" val="3871782691"/>
       </p:ext>
     </p:extLst>
   </p:cSld>
@@ -697,7 +698,7 @@
           <a:bodyPr/>
           <a:lstStyle/>
           <a:p>
-            <a:endParaRPr lang="en-AU" dirty="0"/>
+            <a:endParaRPr lang="en-GB" baseline="0" dirty="0"/>
           </a:p>
         </p:txBody>
       </p:sp>
@@ -708,7 +709,7 @@
             <a:spLocks noGrp="1"/>
           </p:cNvSpPr>
           <p:nvPr>
-            <p:ph type="sldNum" sz="quarter" idx="5"/>
+            <p:ph type="sldNum" sz="quarter" idx="10"/>
           </p:nvPr>
         </p:nvSpPr>
         <p:spPr/>
@@ -716,18 +717,78 @@
           <a:bodyPr/>
           <a:lstStyle/>
           <a:p>
-            <a:fld id="{F26BF5A1-76D7-574C-B1D5-32FA17C92657}" type="slidenum">
-              <a:rPr lang="en-GB" smtClean="0"/>
-              <a:t>5</a:t>
+            <a:pPr marL="0" marR="0" lvl="0" indent="0" algn="r" defTabSz="932910" rtl="0" eaLnBrk="1" fontAlgn="auto" latinLnBrk="0" hangingPunct="1">
+              <a:lnSpc>
+                <a:spcPct val="100000"/>
+              </a:lnSpc>
+              <a:spcBef>
+                <a:spcPts val="0"/>
+              </a:spcBef>
+              <a:spcAft>
+                <a:spcPts val="0"/>
+              </a:spcAft>
+              <a:buClrTx/>
+              <a:buSzTx/>
+              <a:buFontTx/>
+              <a:buNone/>
+              <a:tabLst/>
+              <a:defRPr/>
+            </a:pPr>
+            <a:fld id="{074299CD-3469-7241-AD37-C0E01E3A61D2}" type="slidenum">
+              <a:rPr kumimoji="0" lang="en-US" sz="1200" b="0" i="0" u="none" strike="noStrike" kern="1200" cap="none" spc="0" normalizeH="0" baseline="0" noProof="0">
+                <a:ln>
+                  <a:noFill/>
+                </a:ln>
+                <a:solidFill>
+                  <a:srgbClr val="293E40"/>
+                </a:solidFill>
+                <a:effectLst/>
+                <a:uLnTx/>
+                <a:uFillTx/>
+                <a:latin typeface="Century Gothic" panose="020F0302020204030204"/>
+                <a:ea typeface="+mn-ea"/>
+                <a:cs typeface="+mn-cs"/>
+              </a:rPr>
+              <a:pPr marL="0" marR="0" lvl="0" indent="0" algn="r" defTabSz="932910" rtl="0" eaLnBrk="1" fontAlgn="auto" latinLnBrk="0" hangingPunct="1">
+                <a:lnSpc>
+                  <a:spcPct val="100000"/>
+                </a:lnSpc>
+                <a:spcBef>
+                  <a:spcPts val="0"/>
+                </a:spcBef>
+                <a:spcAft>
+                  <a:spcPts val="0"/>
+                </a:spcAft>
+                <a:buClrTx/>
+                <a:buSzTx/>
+                <a:buFontTx/>
+                <a:buNone/>
+                <a:tabLst/>
+                <a:defRPr/>
+              </a:pPr>
+              <a:t>4</a:t>
             </a:fld>
-            <a:endParaRPr lang="en-GB"/>
+            <a:endParaRPr kumimoji="0" lang="en-US" sz="1200" b="0" i="0" u="none" strike="noStrike" kern="1200" cap="none" spc="0" normalizeH="0" baseline="0" noProof="0">
+              <a:ln>
+                <a:noFill/>
+              </a:ln>
+              <a:solidFill>
+                <a:srgbClr val="293E40"/>
+              </a:solidFill>
+              <a:effectLst/>
+              <a:uLnTx/>
+              <a:uFillTx/>
+              <a:latin typeface="Century Gothic" panose="020F0302020204030204"/>
+              <a:ea typeface="+mn-ea"/>
+              <a:cs typeface="+mn-cs"/>
+            </a:endParaRPr>
           </a:p>
         </p:txBody>
       </p:sp>
     </p:spTree>
     <p:extLst>
       <p:ext uri="{BB962C8B-B14F-4D97-AF65-F5344CB8AC3E}">
-        <p14:creationId xmlns:p14="http://schemas.microsoft.com/office/powerpoint/2010/main" val="1929503805"/>
+        <p14:creationId xmlns:p14="http://schemas.microsoft.com/office/powerpoint/2010/main" val="1781644179"/>
       </p:ext>
     </p:extLst>
   </p:cSld>
@@ -811,7 +872,7 @@
     </p:spTree>
     <p:extLst>
       <p:ext uri="{BB962C8B-B14F-4D97-AF65-F5344CB8AC3E}">
-        <p14:creationId xmlns:p14="http://schemas.microsoft.com/office/powerpoint/2010/main" val="1103162142"/>
+        <p14:creationId xmlns:p14="http://schemas.microsoft.com/office/powerpoint/2010/main" val="1929503805"/>
       </p:ext>
     </p:extLst>
   </p:cSld>
@@ -895,7 +956,7 @@
     </p:spTree>
     <p:extLst>
       <p:ext uri="{BB962C8B-B14F-4D97-AF65-F5344CB8AC3E}">
-        <p14:creationId xmlns:p14="http://schemas.microsoft.com/office/powerpoint/2010/main" val="3435925534"/>
+        <p14:creationId xmlns:p14="http://schemas.microsoft.com/office/powerpoint/2010/main" val="1103162142"/>
       </p:ext>
     </p:extLst>
   </p:cSld>
@@ -979,7 +1040,7 @@
     </p:spTree>
     <p:extLst>
       <p:ext uri="{BB962C8B-B14F-4D97-AF65-F5344CB8AC3E}">
-        <p14:creationId xmlns:p14="http://schemas.microsoft.com/office/powerpoint/2010/main" val="405839717"/>
+        <p14:creationId xmlns:p14="http://schemas.microsoft.com/office/powerpoint/2010/main" val="3435925534"/>
       </p:ext>
     </p:extLst>
   </p:cSld>
@@ -1063,7 +1124,7 @@
     </p:spTree>
     <p:extLst>
       <p:ext uri="{BB962C8B-B14F-4D97-AF65-F5344CB8AC3E}">
-        <p14:creationId xmlns:p14="http://schemas.microsoft.com/office/powerpoint/2010/main" val="4244424448"/>
+        <p14:creationId xmlns:p14="http://schemas.microsoft.com/office/powerpoint/2010/main" val="405839717"/>
       </p:ext>
     </p:extLst>
   </p:cSld>
@@ -1147,6 +1208,90 @@
     </p:spTree>
     <p:extLst>
       <p:ext uri="{BB962C8B-B14F-4D97-AF65-F5344CB8AC3E}">
+        <p14:creationId xmlns:p14="http://schemas.microsoft.com/office/powerpoint/2010/main" val="4244424448"/>
+      </p:ext>
+    </p:extLst>
+  </p:cSld>
+  <p:clrMapOvr>
+    <a:masterClrMapping/>
+  </p:clrMapOvr>
+</p:notes>
+</file>
+
+<file path=ppt/notesSlides/notesSlide8.xml><?xml version="1.0" encoding="utf-8"?>
+<p:notes xmlns:a="http://schemas.openxmlformats.org/drawingml/2006/main" xmlns:r="http://schemas.openxmlformats.org/officeDocument/2006/relationships" xmlns:p="http://schemas.openxmlformats.org/presentationml/2006/main">
+  <p:cSld>
+    <p:spTree>
+      <p:nvGrpSpPr>
+        <p:cNvPr id="1" name=""/>
+        <p:cNvGrpSpPr/>
+        <p:nvPr/>
+      </p:nvGrpSpPr>
+      <p:grpSpPr>
+        <a:xfrm>
+          <a:off x="0" y="0"/>
+          <a:ext cx="0" cy="0"/>
+          <a:chOff x="0" y="0"/>
+          <a:chExt cx="0" cy="0"/>
+        </a:xfrm>
+      </p:grpSpPr>
+      <p:sp>
+        <p:nvSpPr>
+          <p:cNvPr id="2" name="Slide Image Placeholder 1"/>
+          <p:cNvSpPr>
+            <a:spLocks noGrp="1" noRot="1" noChangeAspect="1"/>
+          </p:cNvSpPr>
+          <p:nvPr>
+            <p:ph type="sldImg"/>
+          </p:nvPr>
+        </p:nvSpPr>
+        <p:spPr/>
+      </p:sp>
+      <p:sp>
+        <p:nvSpPr>
+          <p:cNvPr id="3" name="Notes Placeholder 2"/>
+          <p:cNvSpPr>
+            <a:spLocks noGrp="1"/>
+          </p:cNvSpPr>
+          <p:nvPr>
+            <p:ph type="body" idx="1"/>
+          </p:nvPr>
+        </p:nvSpPr>
+        <p:spPr/>
+        <p:txBody>
+          <a:bodyPr/>
+          <a:lstStyle/>
+          <a:p>
+            <a:endParaRPr lang="en-AU" dirty="0"/>
+          </a:p>
+        </p:txBody>
+      </p:sp>
+      <p:sp>
+        <p:nvSpPr>
+          <p:cNvPr id="4" name="Slide Number Placeholder 3"/>
+          <p:cNvSpPr>
+            <a:spLocks noGrp="1"/>
+          </p:cNvSpPr>
+          <p:nvPr>
+            <p:ph type="sldNum" sz="quarter" idx="5"/>
+          </p:nvPr>
+        </p:nvSpPr>
+        <p:spPr/>
+        <p:txBody>
+          <a:bodyPr/>
+          <a:lstStyle/>
+          <a:p>
+            <a:fld id="{F26BF5A1-76D7-574C-B1D5-32FA17C92657}" type="slidenum">
+              <a:rPr lang="en-GB" smtClean="0"/>
+              <a:t>11</a:t>
+            </a:fld>
+            <a:endParaRPr lang="en-GB"/>
+          </a:p>
+        </p:txBody>
+      </p:sp>
+    </p:spTree>
+    <p:extLst>
+      <p:ext uri="{BB962C8B-B14F-4D97-AF65-F5344CB8AC3E}">
         <p14:creationId xmlns:p14="http://schemas.microsoft.com/office/powerpoint/2010/main" val="3085363350"/>
       </p:ext>
     </p:extLst>
@@ -1157,7 +1302,7 @@
 </p:notes>
 </file>
 
-<file path=ppt/notesSlides/notesSlide8.xml><?xml version="1.0" encoding="utf-8"?>
+<file path=ppt/notesSlides/notesSlide9.xml><?xml version="1.0" encoding="utf-8"?>
 <p:notes xmlns:a="http://schemas.openxmlformats.org/drawingml/2006/main" xmlns:r="http://schemas.openxmlformats.org/officeDocument/2006/relationships" xmlns:p="http://schemas.openxmlformats.org/presentationml/2006/main">
   <p:cSld>
     <p:spTree>
@@ -1369,7 +1514,7 @@
           <a:p>
             <a:fld id="{F26BF5A1-76D7-574C-B1D5-32FA17C92657}" type="slidenum">
               <a:rPr lang="en-GB" smtClean="0"/>
-              <a:t>11</a:t>
+              <a:t>12</a:t>
             </a:fld>
             <a:endParaRPr lang="en-GB"/>
           </a:p>
@@ -1759,7 +1904,7 @@
             <a:fld id="{876722F9-92F6-F441-8868-C450CCF37167}" type="datetime1">
               <a:rPr lang="nb-NO" smtClean="0"/>
               <a:pPr/>
-              <a:t>08.09.2020</a:t>
+              <a:t>08.07.2021</a:t>
             </a:fld>
             <a:endParaRPr lang="en-US"/>
           </a:p>
@@ -2059,7 +2204,7 @@
             <a:fld id="{876722F9-92F6-F441-8868-C450CCF37167}" type="datetime1">
               <a:rPr lang="nb-NO" smtClean="0"/>
               <a:pPr/>
-              <a:t>08.09.2020</a:t>
+              <a:t>08.07.2021</a:t>
             </a:fld>
             <a:endParaRPr lang="en-US"/>
           </a:p>
@@ -2359,7 +2504,7 @@
             <a:fld id="{876722F9-92F6-F441-8868-C450CCF37167}" type="datetime1">
               <a:rPr lang="nb-NO" smtClean="0"/>
               <a:pPr/>
-              <a:t>08.09.2020</a:t>
+              <a:t>08.07.2021</a:t>
             </a:fld>
             <a:endParaRPr lang="en-US"/>
           </a:p>
@@ -4242,7 +4387,7 @@
           </p:cNvGraphicFramePr>
           <p:nvPr userDrawn="1">
             <p:custDataLst>
-              <p:tags r:id="rId2"/>
+              <p:tags r:id="rId1"/>
             </p:custDataLst>
           </p:nvPr>
         </p:nvGraphicFramePr>
@@ -4254,12 +4399,12 @@
           <a:graphicData uri="http://schemas.openxmlformats.org/presentationml/2006/ole">
             <mc:AlternateContent xmlns:mc="http://schemas.openxmlformats.org/markup-compatibility/2006">
               <mc:Choice xmlns:v="urn:schemas-microsoft-com:vml" Requires="v">
-                <p:oleObj spid="_x0000_s3218" name="think-cell Slide" r:id="rId5" imgW="415" imgH="416" progId="TCLayout.ActiveDocument.1">
+                <p:oleObj name="think-cell Slide" r:id="rId4" imgW="415" imgH="416" progId="TCLayout.ActiveDocument.1">
                   <p:embed/>
                 </p:oleObj>
               </mc:Choice>
               <mc:Fallback>
-                <p:oleObj name="think-cell Slide" r:id="rId5" imgW="415" imgH="416" progId="TCLayout.ActiveDocument.1">
+                <p:oleObj name="think-cell Slide" r:id="rId4" imgW="415" imgH="416" progId="TCLayout.ActiveDocument.1">
                   <p:embed/>
                   <p:pic>
                     <p:nvPicPr>
@@ -4274,7 +4419,7 @@
                       <p:nvPr/>
                     </p:nvPicPr>
                     <p:blipFill>
-                      <a:blip r:embed="rId6"/>
+                      <a:blip r:embed="rId5"/>
                       <a:stretch>
                         <a:fillRect/>
                       </a:stretch>
@@ -4307,7 +4452,7 @@
           <p:cNvSpPr/>
           <p:nvPr userDrawn="1">
             <p:custDataLst>
-              <p:tags r:id="rId3"/>
+              <p:tags r:id="rId2"/>
             </p:custDataLst>
           </p:nvPr>
         </p:nvSpPr>
@@ -4446,7 +4591,7 @@
           <p:nvPr userDrawn="1"/>
         </p:nvPicPr>
         <p:blipFill>
-          <a:blip r:embed="rId7" r:link="rId8">
+          <a:blip r:embed="rId6" r:link="rId7">
             <a:extLst>
               <a:ext uri="{28A0092B-C50C-407E-A947-70E740481C1C}">
                 <a14:useLocalDpi xmlns:a14="http://schemas.microsoft.com/office/drawing/2010/main" val="0"/>
@@ -4524,7 +4669,7 @@
           <a:lstStyle/>
           <a:p>
             <a:fld id="{856A57D0-CBB9-954F-A603-A247C7B90B97}" type="datetime1">
-              <a:t>9/8/2020</a:t>
+              <a:t>7/8/2021</a:t>
             </a:fld>
             <a:endParaRPr lang="en-US"/>
           </a:p>
@@ -5179,7 +5324,7 @@
           </a:lstStyle>
           <a:p>
             <a:fld id="{5DCC52BC-A0BA-194D-8BEE-D45633F34F21}" type="datetime1">
-              <a:t>9/8/2020</a:t>
+              <a:t>7/8/2021</a:t>
             </a:fld>
             <a:endParaRPr lang="en-US"/>
           </a:p>
@@ -5353,7 +5498,7 @@
           <a:p>
             <a:fld id="{8279C77B-1660-4407-9746-491E10D3B5CC}" type="datetimeFigureOut">
               <a:rPr lang="en-GB" smtClean="0"/>
-              <a:t>08/09/2020</a:t>
+              <a:t>08/07/2021</a:t>
             </a:fld>
             <a:endParaRPr lang="en-GB"/>
           </a:p>
@@ -7241,7 +7386,7 @@
             <a:fld id="{876722F9-92F6-F441-8868-C450CCF37167}" type="datetime1">
               <a:rPr lang="nb-NO" smtClean="0"/>
               <a:pPr/>
-              <a:t>08.09.2020</a:t>
+              <a:t>08.07.2021</a:t>
             </a:fld>
             <a:endParaRPr lang="en-US"/>
           </a:p>
@@ -8094,6 +8239,196 @@
 </file>
 
 <file path=ppt/slides/slide10.xml><?xml version="1.0" encoding="utf-8"?>
+<p:sld xmlns:a="http://schemas.openxmlformats.org/drawingml/2006/main" xmlns:r="http://schemas.openxmlformats.org/officeDocument/2006/relationships" xmlns:p="http://schemas.openxmlformats.org/presentationml/2006/main">
+  <p:cSld>
+    <p:spTree>
+      <p:nvGrpSpPr>
+        <p:cNvPr id="1" name=""/>
+        <p:cNvGrpSpPr/>
+        <p:nvPr/>
+      </p:nvGrpSpPr>
+      <p:grpSpPr>
+        <a:xfrm>
+          <a:off x="0" y="0"/>
+          <a:ext cx="0" cy="0"/>
+          <a:chOff x="0" y="0"/>
+          <a:chExt cx="0" cy="0"/>
+        </a:xfrm>
+      </p:grpSpPr>
+      <p:sp>
+        <p:nvSpPr>
+          <p:cNvPr id="2" name="Title 1"/>
+          <p:cNvSpPr>
+            <a:spLocks noGrp="1"/>
+          </p:cNvSpPr>
+          <p:nvPr>
+            <p:ph type="title"/>
+          </p:nvPr>
+        </p:nvSpPr>
+        <p:spPr>
+          <a:xfrm>
+            <a:off x="538716" y="82067"/>
+            <a:ext cx="6991583" cy="491400"/>
+          </a:xfrm>
+        </p:spPr>
+        <p:txBody>
+          <a:bodyPr>
+            <a:normAutofit/>
+          </a:bodyPr>
+          <a:lstStyle/>
+          <a:p>
+            <a:pPr algn="l"/>
+            <a:r>
+              <a:rPr lang="en-US" sz="2700" dirty="0"/>
+              <a:t>FNMS – On Premises Component Architecture</a:t>
+            </a:r>
+            <a:endParaRPr lang="en-GB" sz="2700" dirty="0"/>
+          </a:p>
+        </p:txBody>
+      </p:sp>
+      <p:sp>
+        <p:nvSpPr>
+          <p:cNvPr id="96" name="Title 1">
+            <a:extLst>
+              <a:ext uri="{FF2B5EF4-FFF2-40B4-BE49-F238E27FC236}">
+                <a16:creationId xmlns:a16="http://schemas.microsoft.com/office/drawing/2014/main" id="{724B0FFE-7379-4B5A-BBE8-699849FB9A21}"/>
+              </a:ext>
+            </a:extLst>
+          </p:cNvPr>
+          <p:cNvSpPr txBox="1">
+            <a:spLocks/>
+          </p:cNvSpPr>
+          <p:nvPr/>
+        </p:nvSpPr>
+        <p:spPr>
+          <a:xfrm>
+            <a:off x="0" y="0"/>
+            <a:ext cx="0" cy="0"/>
+          </a:xfrm>
+        </p:spPr>
+        <p:txBody>
+          <a:bodyPr>
+            <a:normAutofit fontScale="25000" lnSpcReduction="20000"/>
+          </a:bodyPr>
+          <a:lstStyle>
+            <a:lvl1pPr algn="ctr" defTabSz="914400" rtl="0" eaLnBrk="1" latinLnBrk="0" hangingPunct="1">
+              <a:spcBef>
+                <a:spcPct val="0"/>
+              </a:spcBef>
+              <a:buNone/>
+              <a:defRPr sz="4400" kern="1200">
+                <a:solidFill>
+                  <a:schemeClr val="tx1"/>
+                </a:solidFill>
+                <a:latin typeface="+mj-lt"/>
+                <a:ea typeface="+mj-ea"/>
+                <a:cs typeface="+mj-cs"/>
+              </a:defRPr>
+            </a:lvl1pPr>
+          </a:lstStyle>
+          <a:p>
+            <a:r>
+              <a:rPr lang="en-US"/>
+              <a:t>Business Process, Data &amp; Tools Integration</a:t>
+            </a:r>
+            <a:endParaRPr lang="en-US" dirty="0"/>
+          </a:p>
+        </p:txBody>
+      </p:sp>
+      <p:sp>
+        <p:nvSpPr>
+          <p:cNvPr id="70" name="Title 1">
+            <a:extLst>
+              <a:ext uri="{FF2B5EF4-FFF2-40B4-BE49-F238E27FC236}">
+                <a16:creationId xmlns:a16="http://schemas.microsoft.com/office/drawing/2014/main" id="{A50381F3-B77D-4F8D-A346-795FD3D4D8EE}"/>
+              </a:ext>
+            </a:extLst>
+          </p:cNvPr>
+          <p:cNvSpPr txBox="1">
+            <a:spLocks/>
+          </p:cNvSpPr>
+          <p:nvPr/>
+        </p:nvSpPr>
+        <p:spPr>
+          <a:xfrm>
+            <a:off x="0" y="0"/>
+            <a:ext cx="0" cy="0"/>
+          </a:xfrm>
+        </p:spPr>
+        <p:txBody>
+          <a:bodyPr/>
+          <a:lstStyle>
+            <a:lvl1pPr algn="ctr" defTabSz="914400" rtl="0" eaLnBrk="1" latinLnBrk="0" hangingPunct="1">
+              <a:spcBef>
+                <a:spcPct val="0"/>
+              </a:spcBef>
+              <a:buNone/>
+              <a:defRPr sz="4400" kern="1200">
+                <a:solidFill>
+                  <a:schemeClr val="tx1"/>
+                </a:solidFill>
+                <a:latin typeface="+mj-lt"/>
+                <a:ea typeface="+mj-ea"/>
+                <a:cs typeface="+mj-cs"/>
+              </a:defRPr>
+            </a:lvl1pPr>
+          </a:lstStyle>
+          <a:p>
+            <a:pPr algn="l"/>
+            <a:r>
+              <a:rPr lang="en-US"/>
+              <a:t>Data and Where it Resides in FNMS UI</a:t>
+            </a:r>
+            <a:endParaRPr lang="en-US" dirty="0"/>
+          </a:p>
+        </p:txBody>
+      </p:sp>
+      <p:pic>
+        <p:nvPicPr>
+          <p:cNvPr id="28" name="Content Placeholder 2">
+            <a:extLst>
+              <a:ext uri="{FF2B5EF4-FFF2-40B4-BE49-F238E27FC236}">
+                <a16:creationId xmlns:a16="http://schemas.microsoft.com/office/drawing/2014/main" id="{FE11179C-9AF5-47F6-BD6E-50495C8C5ECB}"/>
+              </a:ext>
+            </a:extLst>
+          </p:cNvPr>
+          <p:cNvPicPr>
+            <a:picLocks noGrp="1" noChangeAspect="1"/>
+          </p:cNvPicPr>
+          <p:nvPr>
+            <p:ph idx="1"/>
+          </p:nvPr>
+        </p:nvPicPr>
+        <p:blipFill>
+          <a:blip r:embed="rId3"/>
+          <a:stretch>
+            <a:fillRect/>
+          </a:stretch>
+        </p:blipFill>
+        <p:spPr>
+          <a:xfrm>
+            <a:off x="1466881" y="989661"/>
+            <a:ext cx="6616258" cy="3685352"/>
+          </a:xfrm>
+          <a:prstGeom prst="rect">
+            <a:avLst/>
+          </a:prstGeom>
+        </p:spPr>
+      </p:pic>
+    </p:spTree>
+    <p:extLst>
+      <p:ext uri="{BB962C8B-B14F-4D97-AF65-F5344CB8AC3E}">
+        <p14:creationId xmlns:p14="http://schemas.microsoft.com/office/powerpoint/2010/main" val="2400066353"/>
+      </p:ext>
+    </p:extLst>
+  </p:cSld>
+  <p:clrMapOvr>
+    <a:masterClrMapping/>
+  </p:clrMapOvr>
+</p:sld>
+</file>
+
+<file path=ppt/slides/slide11.xml><?xml version="1.0" encoding="utf-8"?>
 <p:sld xmlns:a="http://schemas.openxmlformats.org/drawingml/2006/main" xmlns:r="http://schemas.openxmlformats.org/officeDocument/2006/relationships" xmlns:p="http://schemas.openxmlformats.org/presentationml/2006/main">
   <p:cSld>
     <p:spTree>
@@ -9903,7 +10238,7 @@
 </p:sld>
 </file>
 
-<file path=ppt/slides/slide11.xml><?xml version="1.0" encoding="utf-8"?>
+<file path=ppt/slides/slide12.xml><?xml version="1.0" encoding="utf-8"?>
 <p:sld xmlns:a="http://schemas.openxmlformats.org/drawingml/2006/main" xmlns:r="http://schemas.openxmlformats.org/officeDocument/2006/relationships" xmlns:p="http://schemas.openxmlformats.org/presentationml/2006/main">
   <p:cSld>
     <p:spTree>
@@ -14022,7 +14357,7 @@
 </p:sld>
 </file>
 
-<file path=ppt/slides/slide12.xml><?xml version="1.0" encoding="utf-8"?>
+<file path=ppt/slides/slide13.xml><?xml version="1.0" encoding="utf-8"?>
 <p:sld xmlns:a="http://schemas.openxmlformats.org/drawingml/2006/main" xmlns:r="http://schemas.openxmlformats.org/officeDocument/2006/relationships" xmlns:p="http://schemas.openxmlformats.org/presentationml/2006/main">
   <p:cSld>
     <p:spTree>
@@ -14203,7 +14538,7 @@
 </p:sld>
 </file>
 
-<file path=ppt/slides/slide13.xml><?xml version="1.0" encoding="utf-8"?>
+<file path=ppt/slides/slide14.xml><?xml version="1.0" encoding="utf-8"?>
 <p:sld xmlns:a="http://schemas.openxmlformats.org/drawingml/2006/main" xmlns:r="http://schemas.openxmlformats.org/officeDocument/2006/relationships" xmlns:p="http://schemas.openxmlformats.org/presentationml/2006/main">
   <p:cSld>
     <p:spTree>
@@ -14297,7 +14632,7 @@
 </p:sld>
 </file>
 
-<file path=ppt/slides/slide14.xml><?xml version="1.0" encoding="utf-8"?>
+<file path=ppt/slides/slide15.xml><?xml version="1.0" encoding="utf-8"?>
 <p:sld xmlns:a="http://schemas.openxmlformats.org/drawingml/2006/main" xmlns:r="http://schemas.openxmlformats.org/officeDocument/2006/relationships" xmlns:p="http://schemas.openxmlformats.org/presentationml/2006/main">
   <p:cSld>
     <p:spTree>
@@ -14759,7 +15094,7 @@
         <p:spPr>
           <a:xfrm>
             <a:off x="190054" y="326681"/>
-            <a:ext cx="3668440" cy="430887"/>
+            <a:ext cx="1910459" cy="430887"/>
           </a:xfrm>
           <a:prstGeom prst="rect">
             <a:avLst/>
@@ -14784,7 +15119,7 @@
                 <a:latin typeface="Arial"/>
                 <a:cs typeface="Arial"/>
               </a:rPr>
-              <a:t>Solution Architecture</a:t>
+              <a:t>Slide Index</a:t>
             </a:r>
             <a:endParaRPr sz="2800" b="1" dirty="0">
               <a:solidFill>
@@ -14810,8 +15145,8 @@
         </p:nvSpPr>
         <p:spPr>
           <a:xfrm>
-            <a:off x="412846" y="1173340"/>
-            <a:ext cx="3625326" cy="3816429"/>
+            <a:off x="412846" y="1008240"/>
+            <a:ext cx="3625326" cy="3477875"/>
           </a:xfrm>
           <a:prstGeom prst="rect">
             <a:avLst/>
@@ -14823,18 +15158,21 @@
           </a:bodyPr>
           <a:lstStyle/>
           <a:p>
-            <a:pPr marL="342900" indent="-342900">
+            <a:pPr marL="360000" indent="-342900">
               <a:lnSpc>
                 <a:spcPct val="100000"/>
               </a:lnSpc>
+              <a:spcBef>
+                <a:spcPts val="200"/>
+              </a:spcBef>
               <a:spcAft>
-                <a:spcPts val="600"/>
+                <a:spcPts val="400"/>
               </a:spcAft>
               <a:buFont typeface="+mj-lt"/>
-              <a:buAutoNum type="arabicPeriod"/>
+              <a:buAutoNum type="arabicPeriod" startAt="3"/>
             </a:pPr>
             <a:r>
-              <a:rPr lang="en-US" sz="1800" spc="10" dirty="0">
+              <a:rPr lang="en-US" sz="1600" spc="10" dirty="0">
                 <a:solidFill>
                   <a:srgbClr val="094E5D"/>
                 </a:solidFill>
@@ -14845,18 +15183,46 @@
             </a:r>
           </a:p>
           <a:p>
-            <a:pPr marL="342900" indent="-342900">
+            <a:pPr marL="360000" indent="-342900">
               <a:lnSpc>
                 <a:spcPct val="100000"/>
               </a:lnSpc>
+              <a:spcBef>
+                <a:spcPts val="200"/>
+              </a:spcBef>
               <a:spcAft>
-                <a:spcPts val="600"/>
+                <a:spcPts val="400"/>
               </a:spcAft>
               <a:buFont typeface="+mj-lt"/>
-              <a:buAutoNum type="arabicPeriod"/>
+              <a:buAutoNum type="arabicPeriod" startAt="3"/>
             </a:pPr>
             <a:r>
-              <a:rPr lang="en-US" sz="1800" spc="10" dirty="0">
+              <a:rPr lang="en-US" sz="1600" spc="10" dirty="0">
+                <a:solidFill>
+                  <a:srgbClr val="094E5D"/>
+                </a:solidFill>
+                <a:latin typeface="Arial"/>
+                <a:cs typeface="Arial"/>
+              </a:rPr>
+              <a:t>SAM Services Architecture</a:t>
+            </a:r>
+          </a:p>
+          <a:p>
+            <a:pPr marL="360000" indent="-342900">
+              <a:lnSpc>
+                <a:spcPct val="100000"/>
+              </a:lnSpc>
+              <a:spcBef>
+                <a:spcPts val="200"/>
+              </a:spcBef>
+              <a:spcAft>
+                <a:spcPts val="400"/>
+              </a:spcAft>
+              <a:buFont typeface="+mj-lt"/>
+              <a:buAutoNum type="arabicPeriod" startAt="3"/>
+            </a:pPr>
+            <a:r>
+              <a:rPr lang="en-US" sz="1600" spc="10" dirty="0">
                 <a:solidFill>
                   <a:srgbClr val="094E5D"/>
                 </a:solidFill>
@@ -14867,18 +15233,21 @@
             </a:r>
           </a:p>
           <a:p>
-            <a:pPr marL="342900" indent="-342900">
+            <a:pPr marL="360000" indent="-342900">
               <a:lnSpc>
                 <a:spcPct val="100000"/>
               </a:lnSpc>
+              <a:spcBef>
+                <a:spcPts val="200"/>
+              </a:spcBef>
               <a:spcAft>
-                <a:spcPts val="600"/>
+                <a:spcPts val="400"/>
               </a:spcAft>
               <a:buFont typeface="+mj-lt"/>
-              <a:buAutoNum type="arabicPeriod"/>
+              <a:buAutoNum type="arabicPeriod" startAt="3"/>
             </a:pPr>
             <a:r>
-              <a:rPr lang="en-US" sz="1800" spc="10" dirty="0">
+              <a:rPr lang="en-US" sz="1600" spc="10" dirty="0">
                 <a:solidFill>
                   <a:srgbClr val="094E5D"/>
                 </a:solidFill>
@@ -14889,18 +15258,21 @@
             </a:r>
           </a:p>
           <a:p>
-            <a:pPr marL="342900" indent="-342900">
+            <a:pPr marL="360000" indent="-342900">
               <a:lnSpc>
                 <a:spcPct val="100000"/>
               </a:lnSpc>
+              <a:spcBef>
+                <a:spcPts val="200"/>
+              </a:spcBef>
               <a:spcAft>
-                <a:spcPts val="600"/>
+                <a:spcPts val="400"/>
               </a:spcAft>
               <a:buFont typeface="+mj-lt"/>
-              <a:buAutoNum type="arabicPeriod"/>
+              <a:buAutoNum type="arabicPeriod" startAt="3"/>
             </a:pPr>
             <a:r>
-              <a:rPr lang="en-US" sz="1800" spc="10" dirty="0">
+              <a:rPr lang="en-US" sz="1600" spc="10" dirty="0">
                 <a:solidFill>
                   <a:srgbClr val="094E5D"/>
                 </a:solidFill>
@@ -14911,18 +15283,21 @@
             </a:r>
           </a:p>
           <a:p>
-            <a:pPr marL="342900" indent="-342900">
+            <a:pPr marL="360000" indent="-342900">
               <a:lnSpc>
                 <a:spcPct val="100000"/>
               </a:lnSpc>
+              <a:spcBef>
+                <a:spcPts val="200"/>
+              </a:spcBef>
               <a:spcAft>
-                <a:spcPts val="600"/>
+                <a:spcPts val="400"/>
               </a:spcAft>
               <a:buFont typeface="+mj-lt"/>
-              <a:buAutoNum type="arabicPeriod"/>
+              <a:buAutoNum type="arabicPeriod" startAt="3"/>
             </a:pPr>
             <a:r>
-              <a:rPr lang="en-US" sz="1800" spc="10" dirty="0">
+              <a:rPr lang="en-US" sz="1600" spc="10" dirty="0">
                 <a:solidFill>
                   <a:srgbClr val="094E5D"/>
                 </a:solidFill>
@@ -14933,18 +15308,21 @@
             </a:r>
           </a:p>
           <a:p>
-            <a:pPr marL="342900" indent="-342900">
+            <a:pPr marL="360000" indent="-342900">
               <a:lnSpc>
                 <a:spcPct val="100000"/>
               </a:lnSpc>
+              <a:spcBef>
+                <a:spcPts val="200"/>
+              </a:spcBef>
               <a:spcAft>
-                <a:spcPts val="600"/>
+                <a:spcPts val="400"/>
               </a:spcAft>
               <a:buFont typeface="+mj-lt"/>
-              <a:buAutoNum type="arabicPeriod"/>
+              <a:buAutoNum type="arabicPeriod" startAt="3"/>
             </a:pPr>
             <a:r>
-              <a:rPr lang="en-US" sz="1800" spc="10" dirty="0">
+              <a:rPr lang="en-US" sz="1600" spc="10" dirty="0">
                 <a:solidFill>
                   <a:srgbClr val="094E5D"/>
                 </a:solidFill>
@@ -14955,18 +15333,21 @@
             </a:r>
           </a:p>
           <a:p>
-            <a:pPr marL="342900" indent="-342900">
+            <a:pPr marL="360000" indent="-342900">
               <a:lnSpc>
                 <a:spcPct val="100000"/>
               </a:lnSpc>
+              <a:spcBef>
+                <a:spcPts val="200"/>
+              </a:spcBef>
               <a:spcAft>
-                <a:spcPts val="600"/>
+                <a:spcPts val="400"/>
               </a:spcAft>
               <a:buFont typeface="+mj-lt"/>
-              <a:buAutoNum type="arabicPeriod"/>
+              <a:buAutoNum type="arabicPeriod" startAt="3"/>
             </a:pPr>
             <a:r>
-              <a:rPr lang="en-US" sz="1800" spc="10" dirty="0">
+              <a:rPr lang="en-US" sz="1600" spc="10" dirty="0">
                 <a:solidFill>
                   <a:srgbClr val="094E5D"/>
                 </a:solidFill>
@@ -14977,18 +15358,21 @@
             </a:r>
           </a:p>
           <a:p>
-            <a:pPr marL="342900" indent="-342900">
+            <a:pPr marL="360000" indent="-342900">
               <a:lnSpc>
                 <a:spcPct val="100000"/>
               </a:lnSpc>
+              <a:spcBef>
+                <a:spcPts val="200"/>
+              </a:spcBef>
               <a:spcAft>
-                <a:spcPts val="600"/>
+                <a:spcPts val="400"/>
               </a:spcAft>
               <a:buFont typeface="+mj-lt"/>
-              <a:buAutoNum type="arabicPeriod"/>
+              <a:buAutoNum type="arabicPeriod" startAt="3"/>
             </a:pPr>
             <a:r>
-              <a:rPr lang="en-US" sz="1800" spc="10" dirty="0">
+              <a:rPr lang="en-US" sz="1600" spc="10" dirty="0">
                 <a:solidFill>
                   <a:srgbClr val="094E5D"/>
                 </a:solidFill>
@@ -14999,18 +15383,21 @@
             </a:r>
           </a:p>
           <a:p>
-            <a:pPr marL="342900" indent="-342900">
+            <a:pPr marL="360000" indent="-342900">
               <a:lnSpc>
                 <a:spcPct val="100000"/>
               </a:lnSpc>
+              <a:spcBef>
+                <a:spcPts val="200"/>
+              </a:spcBef>
               <a:spcAft>
-                <a:spcPts val="600"/>
+                <a:spcPts val="400"/>
               </a:spcAft>
               <a:buFont typeface="+mj-lt"/>
-              <a:buAutoNum type="arabicPeriod"/>
+              <a:buAutoNum type="arabicPeriod" startAt="3"/>
             </a:pPr>
             <a:r>
-              <a:rPr lang="en-US" sz="1800" spc="10" dirty="0">
+              <a:rPr lang="en-US" sz="1600" spc="10" dirty="0">
                 <a:solidFill>
                   <a:srgbClr val="094E5D"/>
                 </a:solidFill>
@@ -15021,42 +15408,29 @@
             </a:r>
           </a:p>
           <a:p>
-            <a:pPr marL="342900" indent="-342900">
+            <a:pPr marL="360000" indent="-342900">
               <a:lnSpc>
                 <a:spcPct val="100000"/>
               </a:lnSpc>
+              <a:spcBef>
+                <a:spcPts val="200"/>
+              </a:spcBef>
               <a:spcAft>
-                <a:spcPts val="600"/>
+                <a:spcPts val="400"/>
               </a:spcAft>
               <a:buFont typeface="+mj-lt"/>
-              <a:buAutoNum type="arabicPeriod"/>
+              <a:buAutoNum type="arabicPeriod" startAt="3"/>
             </a:pPr>
-            <a:endParaRPr lang="en-US" sz="1800" spc="10" dirty="0">
-              <a:solidFill>
-                <a:srgbClr val="094E5D"/>
-              </a:solidFill>
-              <a:latin typeface="Arial"/>
-              <a:cs typeface="Arial"/>
-            </a:endParaRPr>
-          </a:p>
-          <a:p>
-            <a:pPr marL="342900" indent="-342900">
-              <a:lnSpc>
-                <a:spcPct val="100000"/>
-              </a:lnSpc>
-              <a:spcAft>
-                <a:spcPts val="600"/>
-              </a:spcAft>
-              <a:buFont typeface="+mj-lt"/>
-              <a:buAutoNum type="arabicPeriod"/>
-            </a:pPr>
-            <a:endParaRPr lang="en-US" sz="1800" spc="10" dirty="0">
-              <a:solidFill>
-                <a:srgbClr val="094E5D"/>
-              </a:solidFill>
-              <a:latin typeface="Arial"/>
-              <a:cs typeface="Arial"/>
-            </a:endParaRPr>
+            <a:r>
+              <a:rPr lang="en-US" sz="1600" spc="10" dirty="0">
+                <a:solidFill>
+                  <a:srgbClr val="094E5D"/>
+                </a:solidFill>
+                <a:latin typeface="Arial"/>
+                <a:cs typeface="Arial"/>
+              </a:rPr>
+              <a:t>Questions</a:t>
+            </a:r>
           </a:p>
         </p:txBody>
       </p:sp>
@@ -15164,10 +15538,7 @@
                   <a:noFill/>
                 </a:ln>
                 <a:solidFill>
-                  <a:schemeClr val="accent6">
-                    <a:lumMod val="90000"/>
-                    <a:lumOff val="10000"/>
-                  </a:schemeClr>
+                  <a:srgbClr val="293E40"/>
                 </a:solidFill>
                 <a:effectLst/>
                 <a:uLnTx/>
@@ -15176,17 +15547,17 @@
                 <a:ea typeface="MS PGothic" charset="0"/>
                 <a:cs typeface="+mj-cs"/>
               </a:rPr>
-              <a:t>To start, lets look at the SAM Data Model</a:t>
+              <a:t>Understanding the SAM Data Model</a:t>
             </a:r>
           </a:p>
         </p:txBody>
       </p:sp>
       <p:grpSp>
         <p:nvGrpSpPr>
-          <p:cNvPr id="2" name="Group 1">
+          <p:cNvPr id="4" name="Group 3">
             <a:extLst>
               <a:ext uri="{FF2B5EF4-FFF2-40B4-BE49-F238E27FC236}">
-                <a16:creationId xmlns:a16="http://schemas.microsoft.com/office/drawing/2014/main" id="{B841C76B-019B-4C4A-84F6-FEFACBB12CF3}"/>
+                <a16:creationId xmlns:a16="http://schemas.microsoft.com/office/drawing/2014/main" id="{10E75E14-7AA4-420F-A3C6-3567B783E015}"/>
               </a:ext>
             </a:extLst>
           </p:cNvPr>
@@ -15195,10 +15566,10 @@
         </p:nvGrpSpPr>
         <p:grpSpPr>
           <a:xfrm>
-            <a:off x="770447" y="614523"/>
-            <a:ext cx="7555244" cy="4261005"/>
-            <a:chOff x="536079" y="763131"/>
-            <a:chExt cx="7555244" cy="4261005"/>
+            <a:off x="770447" y="609335"/>
+            <a:ext cx="7555244" cy="4266193"/>
+            <a:chOff x="770447" y="609335"/>
+            <a:chExt cx="7555244" cy="4266193"/>
           </a:xfrm>
         </p:grpSpPr>
         <p:cxnSp>
@@ -15217,8 +15588,8 @@
           </p:nvCxnSpPr>
           <p:spPr>
             <a:xfrm flipH="1" flipV="1">
-              <a:off x="4196004" y="2632671"/>
-              <a:ext cx="1282782" cy="21443"/>
+              <a:off x="2917300" y="2502870"/>
+              <a:ext cx="2795854" cy="2637"/>
             </a:xfrm>
             <a:prstGeom prst="line">
               <a:avLst/>
@@ -15262,7 +15633,7 @@
           </p:nvCxnSpPr>
           <p:spPr>
             <a:xfrm>
-              <a:off x="3392984" y="2136572"/>
+              <a:off x="3627352" y="1987964"/>
               <a:ext cx="147028" cy="137026"/>
             </a:xfrm>
             <a:prstGeom prst="line">
@@ -15307,7 +15678,7 @@
           </p:nvCxnSpPr>
           <p:spPr>
             <a:xfrm flipV="1">
-              <a:off x="3381685" y="2986783"/>
+              <a:off x="3616053" y="2838175"/>
               <a:ext cx="153100" cy="156813"/>
             </a:xfrm>
             <a:prstGeom prst="line">
@@ -15352,7 +15723,7 @@
           </p:nvCxnSpPr>
           <p:spPr>
             <a:xfrm flipV="1">
-              <a:off x="4134394" y="2152065"/>
+              <a:off x="4368762" y="2003457"/>
               <a:ext cx="172753" cy="179337"/>
             </a:xfrm>
             <a:prstGeom prst="line">
@@ -15397,71 +15768,8 @@
           </p:nvSpPr>
           <p:spPr>
             <a:xfrm rot="10800000">
-              <a:off x="6175156" y="2958218"/>
+              <a:off x="6409524" y="2809610"/>
               <a:ext cx="634309" cy="353269"/>
-            </a:xfrm>
-            <a:prstGeom prst="rightArrow">
-              <a:avLst/>
-            </a:prstGeom>
-            <a:solidFill>
-              <a:srgbClr val="E6E4D9"/>
-            </a:solidFill>
-            <a:ln>
-              <a:noFill/>
-            </a:ln>
-          </p:spPr>
-          <p:style>
-            <a:lnRef idx="2">
-              <a:schemeClr val="accent1">
-                <a:shade val="50000"/>
-              </a:schemeClr>
-            </a:lnRef>
-            <a:fillRef idx="1">
-              <a:schemeClr val="accent1"/>
-            </a:fillRef>
-            <a:effectRef idx="0">
-              <a:schemeClr val="accent1"/>
-            </a:effectRef>
-            <a:fontRef idx="minor">
-              <a:schemeClr val="lt1"/>
-            </a:fontRef>
-          </p:style>
-          <p:txBody>
-            <a:bodyPr rot="0" spcFirstLastPara="0" vertOverflow="overflow" horzOverflow="overflow" vert="horz" wrap="square" lIns="91440" tIns="45720" rIns="91440" bIns="45720" numCol="1" spcCol="0" rtlCol="0" fromWordArt="0" anchor="t" anchorCtr="0" forceAA="0" compatLnSpc="1">
-              <a:prstTxWarp prst="textNoShape">
-                <a:avLst/>
-              </a:prstTxWarp>
-              <a:noAutofit/>
-            </a:bodyPr>
-            <a:lstStyle/>
-            <a:p>
-              <a:pPr algn="ctr">
-                <a:spcBef>
-                  <a:spcPts val="900"/>
-                </a:spcBef>
-              </a:pPr>
-              <a:endParaRPr lang="en-AU" sz="2000" b="1"/>
-            </a:p>
-          </p:txBody>
-        </p:sp>
-        <p:sp>
-          <p:nvSpPr>
-            <p:cNvPr id="87" name="Arrow: Right 86">
-              <a:extLst>
-                <a:ext uri="{FF2B5EF4-FFF2-40B4-BE49-F238E27FC236}">
-                  <a16:creationId xmlns:a16="http://schemas.microsoft.com/office/drawing/2014/main" id="{D553A088-FD6E-425D-9454-6AFF0F48F4F0}"/>
-                </a:ext>
-              </a:extLst>
-            </p:cNvPr>
-            <p:cNvSpPr>
-              <a:spLocks noChangeAspect="1"/>
-            </p:cNvSpPr>
-            <p:nvPr/>
-          </p:nvSpPr>
-          <p:spPr>
-            <a:xfrm rot="5400000">
-              <a:off x="3655132" y="1355783"/>
-              <a:ext cx="629233" cy="391354"/>
             </a:xfrm>
             <a:prstGeom prst="rightArrow">
               <a:avLst/>
@@ -15523,215 +15831,7 @@
           </p:nvSpPr>
           <p:spPr>
             <a:xfrm>
-              <a:off x="2695811" y="1381865"/>
-              <a:ext cx="1028403" cy="1066832"/>
-            </a:xfrm>
-            <a:prstGeom prst="diamond">
-              <a:avLst/>
-            </a:prstGeom>
-            <a:solidFill>
-              <a:schemeClr val="tx2"/>
-            </a:solidFill>
-            <a:ln>
-              <a:noFill/>
-            </a:ln>
-          </p:spPr>
-          <p:style>
-            <a:lnRef idx="2">
-              <a:schemeClr val="accent1">
-                <a:shade val="50000"/>
-              </a:schemeClr>
-            </a:lnRef>
-            <a:fillRef idx="1">
-              <a:schemeClr val="accent1"/>
-            </a:fillRef>
-            <a:effectRef idx="0">
-              <a:schemeClr val="accent1"/>
-            </a:effectRef>
-            <a:fontRef idx="minor">
-              <a:schemeClr val="lt1"/>
-            </a:fontRef>
-          </p:style>
-          <p:txBody>
-            <a:bodyPr rot="0" spcFirstLastPara="0" vertOverflow="overflow" horzOverflow="overflow" vert="horz" wrap="none" lIns="91440" tIns="45720" rIns="91440" bIns="45720" numCol="1" spcCol="0" rtlCol="0" fromWordArt="0" anchor="ctr" anchorCtr="0" forceAA="0" compatLnSpc="1">
-              <a:prstTxWarp prst="textNoShape">
-                <a:avLst/>
-              </a:prstTxWarp>
-              <a:noAutofit/>
-            </a:bodyPr>
-            <a:lstStyle/>
-            <a:p>
-              <a:pPr marL="0" marR="0" lvl="0" indent="0" algn="ctr" defTabSz="914400" rtl="0" eaLnBrk="1" fontAlgn="auto" latinLnBrk="0" hangingPunct="1">
-                <a:lnSpc>
-                  <a:spcPct val="100000"/>
-                </a:lnSpc>
-                <a:spcBef>
-                  <a:spcPts val="900"/>
-                </a:spcBef>
-                <a:spcAft>
-                  <a:spcPts val="0"/>
-                </a:spcAft>
-                <a:buClrTx/>
-                <a:buSzTx/>
-                <a:buFontTx/>
-                <a:buNone/>
-                <a:tabLst/>
-                <a:defRPr/>
-              </a:pPr>
-              <a:r>
-                <a:rPr lang="en-US" sz="1000" b="1" dirty="0">
-                  <a:solidFill>
-                    <a:srgbClr val="FFFFFF"/>
-                  </a:solidFill>
-                </a:rPr>
-                <a:t>Contract</a:t>
-              </a:r>
-              <a:endParaRPr kumimoji="0" lang="en-US" sz="1000" b="1" i="0" u="none" strike="noStrike" kern="1200" cap="none" spc="0" normalizeH="0" baseline="0" noProof="0" dirty="0">
-                <a:ln>
-                  <a:noFill/>
-                </a:ln>
-                <a:solidFill>
-                  <a:srgbClr val="FFFFFF"/>
-                </a:solidFill>
-                <a:effectLst/>
-                <a:uLnTx/>
-                <a:uFillTx/>
-                <a:ea typeface="+mn-ea"/>
-                <a:cs typeface="+mn-cs"/>
-              </a:endParaRPr>
-            </a:p>
-          </p:txBody>
-        </p:sp>
-        <p:sp>
-          <p:nvSpPr>
-            <p:cNvPr id="91" name="Diamond 90">
-              <a:extLst>
-                <a:ext uri="{FF2B5EF4-FFF2-40B4-BE49-F238E27FC236}">
-                  <a16:creationId xmlns:a16="http://schemas.microsoft.com/office/drawing/2014/main" id="{160166F3-FCBA-4320-AF5A-7E8501708C14}"/>
-                </a:ext>
-              </a:extLst>
-            </p:cNvPr>
-            <p:cNvSpPr/>
-            <p:nvPr/>
-          </p:nvSpPr>
-          <p:spPr>
-            <a:xfrm>
-              <a:off x="2130606" y="2228283"/>
-              <a:ext cx="815166" cy="831961"/>
-            </a:xfrm>
-            <a:prstGeom prst="diamond">
-              <a:avLst/>
-            </a:prstGeom>
-            <a:solidFill>
-              <a:schemeClr val="tx2"/>
-            </a:solidFill>
-            <a:ln>
-              <a:noFill/>
-            </a:ln>
-          </p:spPr>
-          <p:style>
-            <a:lnRef idx="2">
-              <a:schemeClr val="accent1">
-                <a:shade val="50000"/>
-              </a:schemeClr>
-            </a:lnRef>
-            <a:fillRef idx="1">
-              <a:schemeClr val="accent1"/>
-            </a:fillRef>
-            <a:effectRef idx="0">
-              <a:schemeClr val="accent1"/>
-            </a:effectRef>
-            <a:fontRef idx="minor">
-              <a:schemeClr val="lt1"/>
-            </a:fontRef>
-          </p:style>
-          <p:txBody>
-            <a:bodyPr rot="0" spcFirstLastPara="0" vertOverflow="overflow" horzOverflow="overflow" vert="horz" wrap="none" lIns="91440" tIns="45720" rIns="91440" bIns="45720" numCol="1" spcCol="0" rtlCol="0" fromWordArt="0" anchor="ctr" anchorCtr="0" forceAA="0" compatLnSpc="1">
-              <a:prstTxWarp prst="textNoShape">
-                <a:avLst/>
-              </a:prstTxWarp>
-              <a:noAutofit/>
-            </a:bodyPr>
-            <a:lstStyle/>
-            <a:p>
-              <a:pPr algn="ctr" defTabSz="914400">
-                <a:spcBef>
-                  <a:spcPts val="900"/>
-                </a:spcBef>
-              </a:pPr>
-              <a:r>
-                <a:rPr lang="en-US" sz="1000" b="1" dirty="0">
-                  <a:solidFill>
-                    <a:srgbClr val="FFFFFF"/>
-                  </a:solidFill>
-                </a:rPr>
-                <a:t>Vendor</a:t>
-              </a:r>
-            </a:p>
-          </p:txBody>
-        </p:sp>
-        <p:cxnSp>
-          <p:nvCxnSpPr>
-            <p:cNvPr id="96" name="Straight Connector 95">
-              <a:extLst>
-                <a:ext uri="{FF2B5EF4-FFF2-40B4-BE49-F238E27FC236}">
-                  <a16:creationId xmlns:a16="http://schemas.microsoft.com/office/drawing/2014/main" id="{D3D8A56A-01A5-4F6B-BA8B-7562DCA29EFB}"/>
-                </a:ext>
-              </a:extLst>
-            </p:cNvPr>
-            <p:cNvCxnSpPr>
-              <a:cxnSpLocks/>
-            </p:cNvCxnSpPr>
-            <p:nvPr/>
-          </p:nvCxnSpPr>
-          <p:spPr>
-            <a:xfrm>
-              <a:off x="4178658" y="2962148"/>
-              <a:ext cx="190256" cy="176553"/>
-            </a:xfrm>
-            <a:prstGeom prst="line">
-              <a:avLst/>
-            </a:prstGeom>
-            <a:ln w="12700">
-              <a:solidFill>
-                <a:srgbClr val="094E5D">
-                  <a:alpha val="50000"/>
-                </a:srgbClr>
-              </a:solidFill>
-            </a:ln>
-          </p:spPr>
-          <p:style>
-            <a:lnRef idx="1">
-              <a:schemeClr val="accent1"/>
-            </a:lnRef>
-            <a:fillRef idx="0">
-              <a:schemeClr val="accent1"/>
-            </a:fillRef>
-            <a:effectRef idx="0">
-              <a:schemeClr val="accent1"/>
-            </a:effectRef>
-            <a:fontRef idx="minor">
-              <a:schemeClr val="tx1"/>
-            </a:fontRef>
-          </p:style>
-        </p:cxnSp>
-        <p:sp>
-          <p:nvSpPr>
-            <p:cNvPr id="101" name="Diamond 100">
-              <a:extLst>
-                <a:ext uri="{FF2B5EF4-FFF2-40B4-BE49-F238E27FC236}">
-                  <a16:creationId xmlns:a16="http://schemas.microsoft.com/office/drawing/2014/main" id="{A5FE0C42-ED5F-4707-ACB6-7FB63AF43484}"/>
-                </a:ext>
-              </a:extLst>
-            </p:cNvPr>
-            <p:cNvSpPr>
-              <a:spLocks noChangeAspect="1"/>
-            </p:cNvSpPr>
-            <p:nvPr/>
-          </p:nvSpPr>
-          <p:spPr>
-            <a:xfrm>
-              <a:off x="2658827" y="2803752"/>
+              <a:off x="2895708" y="1227243"/>
               <a:ext cx="1028403" cy="1066832"/>
             </a:xfrm>
             <a:prstGeom prst="diamond">
@@ -15812,6 +15912,119 @@
         </p:sp>
         <p:sp>
           <p:nvSpPr>
+            <p:cNvPr id="91" name="Diamond 90">
+              <a:extLst>
+                <a:ext uri="{FF2B5EF4-FFF2-40B4-BE49-F238E27FC236}">
+                  <a16:creationId xmlns:a16="http://schemas.microsoft.com/office/drawing/2014/main" id="{160166F3-FCBA-4320-AF5A-7E8501708C14}"/>
+                </a:ext>
+              </a:extLst>
+            </p:cNvPr>
+            <p:cNvSpPr/>
+            <p:nvPr/>
+          </p:nvSpPr>
+          <p:spPr>
+            <a:xfrm>
+              <a:off x="2364974" y="2079675"/>
+              <a:ext cx="815166" cy="831961"/>
+            </a:xfrm>
+            <a:prstGeom prst="diamond">
+              <a:avLst/>
+            </a:prstGeom>
+            <a:solidFill>
+              <a:schemeClr val="tx2"/>
+            </a:solidFill>
+            <a:ln>
+              <a:noFill/>
+            </a:ln>
+          </p:spPr>
+          <p:style>
+            <a:lnRef idx="2">
+              <a:schemeClr val="accent1">
+                <a:shade val="50000"/>
+              </a:schemeClr>
+            </a:lnRef>
+            <a:fillRef idx="1">
+              <a:schemeClr val="accent1"/>
+            </a:fillRef>
+            <a:effectRef idx="0">
+              <a:schemeClr val="accent1"/>
+            </a:effectRef>
+            <a:fontRef idx="minor">
+              <a:schemeClr val="lt1"/>
+            </a:fontRef>
+          </p:style>
+          <p:txBody>
+            <a:bodyPr rot="0" spcFirstLastPara="0" vertOverflow="overflow" horzOverflow="overflow" vert="horz" wrap="none" lIns="91440" tIns="45720" rIns="91440" bIns="45720" numCol="1" spcCol="0" rtlCol="0" fromWordArt="0" anchor="ctr" anchorCtr="0" forceAA="0" compatLnSpc="1">
+              <a:prstTxWarp prst="textNoShape">
+                <a:avLst/>
+              </a:prstTxWarp>
+              <a:noAutofit/>
+            </a:bodyPr>
+            <a:lstStyle/>
+            <a:p>
+              <a:pPr algn="ctr" defTabSz="914400">
+                <a:spcBef>
+                  <a:spcPts val="900"/>
+                </a:spcBef>
+              </a:pPr>
+              <a:r>
+                <a:rPr lang="en-US" sz="1000" b="1" dirty="0">
+                  <a:solidFill>
+                    <a:srgbClr val="FFFFFF"/>
+                  </a:solidFill>
+                </a:rPr>
+                <a:t>Contract</a:t>
+              </a:r>
+            </a:p>
+          </p:txBody>
+        </p:sp>
+        <p:cxnSp>
+          <p:nvCxnSpPr>
+            <p:cNvPr id="96" name="Straight Connector 95">
+              <a:extLst>
+                <a:ext uri="{FF2B5EF4-FFF2-40B4-BE49-F238E27FC236}">
+                  <a16:creationId xmlns:a16="http://schemas.microsoft.com/office/drawing/2014/main" id="{D3D8A56A-01A5-4F6B-BA8B-7562DCA29EFB}"/>
+                </a:ext>
+              </a:extLst>
+            </p:cNvPr>
+            <p:cNvCxnSpPr>
+              <a:cxnSpLocks/>
+            </p:cNvCxnSpPr>
+            <p:nvPr/>
+          </p:nvCxnSpPr>
+          <p:spPr>
+            <a:xfrm>
+              <a:off x="4413026" y="2813540"/>
+              <a:ext cx="190256" cy="176553"/>
+            </a:xfrm>
+            <a:prstGeom prst="line">
+              <a:avLst/>
+            </a:prstGeom>
+            <a:ln w="12700">
+              <a:solidFill>
+                <a:srgbClr val="094E5D">
+                  <a:alpha val="50000"/>
+                </a:srgbClr>
+              </a:solidFill>
+            </a:ln>
+          </p:spPr>
+          <p:style>
+            <a:lnRef idx="1">
+              <a:schemeClr val="accent1"/>
+            </a:lnRef>
+            <a:fillRef idx="0">
+              <a:schemeClr val="accent1"/>
+            </a:fillRef>
+            <a:effectRef idx="0">
+              <a:schemeClr val="accent1"/>
+            </a:effectRef>
+            <a:fontRef idx="minor">
+              <a:schemeClr val="tx1"/>
+            </a:fontRef>
+          </p:style>
+        </p:cxnSp>
+        <p:sp>
+          <p:nvSpPr>
             <p:cNvPr id="88" name="Diamond 87">
               <a:extLst>
                 <a:ext uri="{FF2B5EF4-FFF2-40B4-BE49-F238E27FC236}">
@@ -15826,7 +16039,7 @@
           </p:nvSpPr>
           <p:spPr>
             <a:xfrm>
-              <a:off x="3196269" y="1941784"/>
+              <a:off x="3430637" y="1793176"/>
               <a:ext cx="1319813" cy="1395461"/>
             </a:xfrm>
             <a:prstGeom prst="diamond">
@@ -15921,7 +16134,7 @@
           </p:nvSpPr>
           <p:spPr>
             <a:xfrm>
-              <a:off x="1717080" y="3367398"/>
+              <a:off x="1951448" y="3218790"/>
               <a:ext cx="1054870" cy="345792"/>
             </a:xfrm>
             <a:prstGeom prst="rightArrow">
@@ -15984,7 +16197,7 @@
           </p:nvSpPr>
           <p:spPr>
             <a:xfrm>
-              <a:off x="1708757" y="2254004"/>
+              <a:off x="1852931" y="2569452"/>
               <a:ext cx="545736" cy="345792"/>
             </a:xfrm>
             <a:prstGeom prst="rightArrow">
@@ -16047,7 +16260,7 @@
           </p:nvSpPr>
           <p:spPr>
             <a:xfrm rot="16200000">
-              <a:off x="3924775" y="4016877"/>
+              <a:off x="4159143" y="3868269"/>
               <a:ext cx="888280" cy="362723"/>
             </a:xfrm>
             <a:prstGeom prst="rightArrow">
@@ -16110,7 +16323,7 @@
           </p:nvSpPr>
           <p:spPr>
             <a:xfrm rot="10800000">
-              <a:off x="5685292" y="4102301"/>
+              <a:off x="5919660" y="3953693"/>
               <a:ext cx="1096475" cy="345792"/>
             </a:xfrm>
             <a:prstGeom prst="rightArrow">
@@ -16173,7 +16386,7 @@
           </p:nvSpPr>
           <p:spPr>
             <a:xfrm>
-              <a:off x="4014981" y="1382895"/>
+              <a:off x="4278309" y="1220179"/>
               <a:ext cx="1028403" cy="1066832"/>
             </a:xfrm>
             <a:prstGeom prst="diamond">
@@ -16265,7 +16478,7 @@
           </p:nvCxnSpPr>
           <p:spPr>
             <a:xfrm flipV="1">
-              <a:off x="4837395" y="2905233"/>
+              <a:off x="5071763" y="2756625"/>
               <a:ext cx="163971" cy="172852"/>
             </a:xfrm>
             <a:prstGeom prst="line">
@@ -16308,7 +16521,7 @@
           </p:nvSpPr>
           <p:spPr>
             <a:xfrm>
-              <a:off x="4726685" y="2177166"/>
+              <a:off x="4961053" y="2028558"/>
               <a:ext cx="958738" cy="939039"/>
             </a:xfrm>
             <a:prstGeom prst="diamond">
@@ -16403,7 +16616,7 @@
           </p:nvSpPr>
           <p:spPr>
             <a:xfrm>
-              <a:off x="4082303" y="2803921"/>
+              <a:off x="4316671" y="2655313"/>
               <a:ext cx="1024814" cy="1083554"/>
             </a:xfrm>
             <a:prstGeom prst="diamond">
@@ -16517,7 +16730,7 @@
           </p:nvSpPr>
           <p:spPr>
             <a:xfrm rot="18828172">
-              <a:off x="3125029" y="2213083"/>
+              <a:off x="3359397" y="2064475"/>
               <a:ext cx="1034453" cy="184666"/>
             </a:xfrm>
             <a:prstGeom prst="rect">
@@ -16598,7 +16811,7 @@
           </p:nvSpPr>
           <p:spPr>
             <a:xfrm rot="18828172">
-              <a:off x="3729224" y="2805682"/>
+              <a:off x="3963592" y="2657074"/>
               <a:ext cx="810341" cy="184666"/>
             </a:xfrm>
             <a:prstGeom prst="rect">
@@ -16681,7 +16894,7 @@
           </p:nvCxnSpPr>
           <p:spPr>
             <a:xfrm flipV="1">
-              <a:off x="2731086" y="2190082"/>
+              <a:off x="2965454" y="2041474"/>
               <a:ext cx="237950" cy="247846"/>
             </a:xfrm>
             <a:prstGeom prst="line">
@@ -16726,7 +16939,7 @@
           </p:nvSpPr>
           <p:spPr>
             <a:xfrm rot="10800000">
-              <a:off x="5567569" y="2273598"/>
+              <a:off x="5801937" y="2124990"/>
               <a:ext cx="1222226" cy="345792"/>
             </a:xfrm>
             <a:prstGeom prst="rightArrow">
@@ -16788,9 +17001,9 @@
             <p:nvPr/>
           </p:nvSpPr>
           <p:spPr>
-            <a:xfrm>
-              <a:off x="1708757" y="1537136"/>
-              <a:ext cx="1099245" cy="345792"/>
+            <a:xfrm rot="5400000">
+              <a:off x="2578274" y="1156643"/>
+              <a:ext cx="666517" cy="345792"/>
             </a:xfrm>
             <a:prstGeom prst="rightArrow">
               <a:avLst/>
@@ -16850,7 +17063,7 @@
           </p:nvSpPr>
           <p:spPr>
             <a:xfrm>
-              <a:off x="536079" y="3355781"/>
+              <a:off x="770447" y="3207173"/>
               <a:ext cx="1244981" cy="389926"/>
             </a:xfrm>
             <a:prstGeom prst="rect">
@@ -16907,7 +17120,7 @@
                   <a:ea typeface="+mn-ea"/>
                   <a:cs typeface="+mn-cs"/>
                 </a:rPr>
-                <a:t>Purchase data sources</a:t>
+                <a:t>SaaS data sources</a:t>
               </a:r>
             </a:p>
           </p:txBody>
@@ -16926,7 +17139,7 @@
           </p:nvSpPr>
           <p:spPr>
             <a:xfrm>
-              <a:off x="565806" y="2254004"/>
+              <a:off x="777965" y="2542293"/>
               <a:ext cx="1244981" cy="400110"/>
             </a:xfrm>
             <a:prstGeom prst="rect">
@@ -16983,7 +17196,7 @@
                   <a:ea typeface="+mn-ea"/>
                   <a:cs typeface="+mn-cs"/>
                 </a:rPr>
-                <a:t>Vendor data sources</a:t>
+                <a:t>Contract data sources</a:t>
               </a:r>
             </a:p>
           </p:txBody>
@@ -17002,7 +17215,7 @@
           </p:nvSpPr>
           <p:spPr>
             <a:xfrm>
-              <a:off x="3927785" y="4642379"/>
+              <a:off x="4162153" y="4493771"/>
               <a:ext cx="1244981" cy="381757"/>
             </a:xfrm>
             <a:prstGeom prst="rect">
@@ -17078,7 +17291,7 @@
           </p:nvSpPr>
           <p:spPr>
             <a:xfrm>
-              <a:off x="3437317" y="763131"/>
+              <a:off x="3929766" y="613582"/>
               <a:ext cx="1244981" cy="381757"/>
             </a:xfrm>
             <a:prstGeom prst="rect">
@@ -17154,7 +17367,7 @@
           </p:nvSpPr>
           <p:spPr>
             <a:xfrm>
-              <a:off x="6846342" y="4065302"/>
+              <a:off x="7080710" y="3916694"/>
               <a:ext cx="1244981" cy="389926"/>
             </a:xfrm>
             <a:prstGeom prst="rect">
@@ -17230,7 +17443,7 @@
           </p:nvSpPr>
           <p:spPr>
             <a:xfrm>
-              <a:off x="6846342" y="2231937"/>
+              <a:off x="7080710" y="2083329"/>
               <a:ext cx="1043371" cy="389926"/>
             </a:xfrm>
             <a:prstGeom prst="rect">
@@ -17306,7 +17519,7 @@
           </p:nvSpPr>
           <p:spPr>
             <a:xfrm>
-              <a:off x="6846342" y="2883122"/>
+              <a:off x="7080710" y="2734514"/>
               <a:ext cx="1244981" cy="389926"/>
             </a:xfrm>
             <a:prstGeom prst="rect">
@@ -17382,7 +17595,7 @@
           </p:nvSpPr>
           <p:spPr>
             <a:xfrm>
-              <a:off x="571937" y="1515171"/>
+              <a:off x="2342963" y="609335"/>
               <a:ext cx="1244981" cy="400110"/>
             </a:xfrm>
             <a:prstGeom prst="rect">
@@ -17439,365 +17652,772 @@
                   <a:ea typeface="+mn-ea"/>
                   <a:cs typeface="+mn-cs"/>
                 </a:rPr>
-                <a:t>Contract data sources</a:t>
+                <a:t>Purchase data sources</a:t>
               </a:r>
             </a:p>
           </p:txBody>
         </p:sp>
-      </p:grpSp>
-      <p:cxnSp>
-        <p:nvCxnSpPr>
-          <p:cNvPr id="46" name="Straight Connector 45">
-            <a:extLst>
-              <a:ext uri="{FF2B5EF4-FFF2-40B4-BE49-F238E27FC236}">
-                <a16:creationId xmlns:a16="http://schemas.microsoft.com/office/drawing/2014/main" id="{5736D97B-2EE8-44E4-B455-1E0DD925FB00}"/>
-              </a:ext>
-            </a:extLst>
-          </p:cNvPr>
-          <p:cNvCxnSpPr>
-            <a:cxnSpLocks/>
-          </p:cNvCxnSpPr>
-          <p:nvPr/>
-        </p:nvCxnSpPr>
-        <p:spPr>
-          <a:xfrm>
-            <a:off x="5074372" y="3458096"/>
-            <a:ext cx="190256" cy="176553"/>
-          </a:xfrm>
-          <a:prstGeom prst="line">
-            <a:avLst/>
-          </a:prstGeom>
-          <a:ln w="12700">
+        <p:cxnSp>
+          <p:nvCxnSpPr>
+            <p:cNvPr id="46" name="Straight Connector 45">
+              <a:extLst>
+                <a:ext uri="{FF2B5EF4-FFF2-40B4-BE49-F238E27FC236}">
+                  <a16:creationId xmlns:a16="http://schemas.microsoft.com/office/drawing/2014/main" id="{5736D97B-2EE8-44E4-B455-1E0DD925FB00}"/>
+                </a:ext>
+              </a:extLst>
+            </p:cNvPr>
+            <p:cNvCxnSpPr>
+              <a:cxnSpLocks/>
+            </p:cNvCxnSpPr>
+            <p:nvPr/>
+          </p:nvCxnSpPr>
+          <p:spPr>
+            <a:xfrm>
+              <a:off x="5074372" y="3458096"/>
+              <a:ext cx="190256" cy="176553"/>
+            </a:xfrm>
+            <a:prstGeom prst="line">
+              <a:avLst/>
+            </a:prstGeom>
+            <a:ln w="12700">
+              <a:solidFill>
+                <a:srgbClr val="094E5D">
+                  <a:alpha val="50000"/>
+                </a:srgbClr>
+              </a:solidFill>
+            </a:ln>
+          </p:spPr>
+          <p:style>
+            <a:lnRef idx="1">
+              <a:schemeClr val="accent1"/>
+            </a:lnRef>
+            <a:fillRef idx="0">
+              <a:schemeClr val="accent1"/>
+            </a:fillRef>
+            <a:effectRef idx="0">
+              <a:schemeClr val="accent1"/>
+            </a:effectRef>
+            <a:fontRef idx="minor">
+              <a:schemeClr val="tx1"/>
+            </a:fontRef>
+          </p:style>
+        </p:cxnSp>
+        <p:sp>
+          <p:nvSpPr>
+            <p:cNvPr id="52" name="Diamond 51">
+              <a:extLst>
+                <a:ext uri="{FF2B5EF4-FFF2-40B4-BE49-F238E27FC236}">
+                  <a16:creationId xmlns:a16="http://schemas.microsoft.com/office/drawing/2014/main" id="{F4159B6E-B7E9-48CE-90F9-DCBDD0D1A1DC}"/>
+                </a:ext>
+              </a:extLst>
+            </p:cNvPr>
+            <p:cNvSpPr/>
+            <p:nvPr/>
+          </p:nvSpPr>
+          <p:spPr>
+            <a:xfrm>
+              <a:off x="5722811" y="2779400"/>
+              <a:ext cx="815166" cy="831961"/>
+            </a:xfrm>
+            <a:prstGeom prst="diamond">
+              <a:avLst/>
+            </a:prstGeom>
             <a:solidFill>
-              <a:srgbClr val="094E5D">
-                <a:alpha val="50000"/>
-              </a:srgbClr>
+              <a:schemeClr val="tx2"/>
             </a:solidFill>
-          </a:ln>
-        </p:spPr>
-        <p:style>
-          <a:lnRef idx="1">
-            <a:schemeClr val="accent1"/>
-          </a:lnRef>
-          <a:fillRef idx="0">
-            <a:schemeClr val="accent1"/>
-          </a:fillRef>
-          <a:effectRef idx="0">
-            <a:schemeClr val="accent1"/>
-          </a:effectRef>
-          <a:fontRef idx="minor">
-            <a:schemeClr val="tx1"/>
-          </a:fontRef>
-        </p:style>
-      </p:cxnSp>
-      <p:cxnSp>
-        <p:nvCxnSpPr>
-          <p:cNvPr id="48" name="Straight Connector 47">
-            <a:extLst>
-              <a:ext uri="{FF2B5EF4-FFF2-40B4-BE49-F238E27FC236}">
-                <a16:creationId xmlns:a16="http://schemas.microsoft.com/office/drawing/2014/main" id="{B82284D0-15DE-495D-8607-FD18313D7E4C}"/>
-              </a:ext>
-            </a:extLst>
-          </p:cNvPr>
-          <p:cNvCxnSpPr>
-            <a:cxnSpLocks/>
-          </p:cNvCxnSpPr>
-          <p:nvPr/>
-        </p:nvCxnSpPr>
-        <p:spPr>
-          <a:xfrm>
-            <a:off x="2968286" y="2680894"/>
-            <a:ext cx="211854" cy="220922"/>
-          </a:xfrm>
-          <a:prstGeom prst="line">
-            <a:avLst/>
-          </a:prstGeom>
-          <a:ln w="12700">
+            <a:ln>
+              <a:noFill/>
+            </a:ln>
+          </p:spPr>
+          <p:style>
+            <a:lnRef idx="2">
+              <a:schemeClr val="accent1">
+                <a:shade val="50000"/>
+              </a:schemeClr>
+            </a:lnRef>
+            <a:fillRef idx="1">
+              <a:schemeClr val="accent1"/>
+            </a:fillRef>
+            <a:effectRef idx="0">
+              <a:schemeClr val="accent1"/>
+            </a:effectRef>
+            <a:fontRef idx="minor">
+              <a:schemeClr val="lt1"/>
+            </a:fontRef>
+          </p:style>
+          <p:txBody>
+            <a:bodyPr rot="0" spcFirstLastPara="0" vertOverflow="overflow" horzOverflow="overflow" vert="horz" wrap="none" lIns="91440" tIns="45720" rIns="91440" bIns="45720" numCol="1" spcCol="0" rtlCol="0" fromWordArt="0" anchor="ctr" anchorCtr="0" forceAA="0" compatLnSpc="1">
+              <a:prstTxWarp prst="textNoShape">
+                <a:avLst/>
+              </a:prstTxWarp>
+              <a:noAutofit/>
+            </a:bodyPr>
+            <a:lstStyle/>
+            <a:p>
+              <a:pPr algn="ctr" defTabSz="914400"/>
+              <a:r>
+                <a:rPr lang="en-US" sz="1000" b="1" dirty="0">
+                  <a:solidFill>
+                    <a:srgbClr val="FFFFFF"/>
+                  </a:solidFill>
+                </a:rPr>
+                <a:t>Enterprise</a:t>
+              </a:r>
+            </a:p>
+            <a:p>
+              <a:pPr algn="ctr" defTabSz="914400"/>
+              <a:r>
+                <a:rPr lang="en-US" sz="1000" b="1" dirty="0">
+                  <a:solidFill>
+                    <a:srgbClr val="FFFFFF"/>
+                  </a:solidFill>
+                </a:rPr>
+                <a:t>Group</a:t>
+              </a:r>
+            </a:p>
+          </p:txBody>
+        </p:sp>
+        <p:cxnSp>
+          <p:nvCxnSpPr>
+            <p:cNvPr id="53" name="Straight Connector 52">
+              <a:extLst>
+                <a:ext uri="{FF2B5EF4-FFF2-40B4-BE49-F238E27FC236}">
+                  <a16:creationId xmlns:a16="http://schemas.microsoft.com/office/drawing/2014/main" id="{345ED42F-2060-47E1-9771-BF71F2B76D95}"/>
+                </a:ext>
+              </a:extLst>
+            </p:cNvPr>
+            <p:cNvCxnSpPr>
+              <a:cxnSpLocks/>
+            </p:cNvCxnSpPr>
+            <p:nvPr/>
+          </p:nvCxnSpPr>
+          <p:spPr>
+            <a:xfrm>
+              <a:off x="5662692" y="2735403"/>
+              <a:ext cx="256969" cy="239831"/>
+            </a:xfrm>
+            <a:prstGeom prst="line">
+              <a:avLst/>
+            </a:prstGeom>
+            <a:ln w="12700">
+              <a:solidFill>
+                <a:srgbClr val="094E5D">
+                  <a:alpha val="50000"/>
+                </a:srgbClr>
+              </a:solidFill>
+            </a:ln>
+          </p:spPr>
+          <p:style>
+            <a:lnRef idx="1">
+              <a:schemeClr val="accent1"/>
+            </a:lnRef>
+            <a:fillRef idx="0">
+              <a:schemeClr val="accent1"/>
+            </a:fillRef>
+            <a:effectRef idx="0">
+              <a:schemeClr val="accent1"/>
+            </a:effectRef>
+            <a:fontRef idx="minor">
+              <a:schemeClr val="tx1"/>
+            </a:fontRef>
+          </p:style>
+        </p:cxnSp>
+        <p:cxnSp>
+          <p:nvCxnSpPr>
+            <p:cNvPr id="58" name="Straight Connector 57">
+              <a:extLst>
+                <a:ext uri="{FF2B5EF4-FFF2-40B4-BE49-F238E27FC236}">
+                  <a16:creationId xmlns:a16="http://schemas.microsoft.com/office/drawing/2014/main" id="{4094BDB5-02C9-4D6F-A2D0-74108F75BD0E}"/>
+                </a:ext>
+              </a:extLst>
+            </p:cNvPr>
+            <p:cNvCxnSpPr>
+              <a:cxnSpLocks/>
+              <a:stCxn id="52" idx="1"/>
+              <a:endCxn id="105" idx="3"/>
+            </p:cNvCxnSpPr>
+            <p:nvPr/>
+          </p:nvCxnSpPr>
+          <p:spPr>
+            <a:xfrm flipH="1">
+              <a:off x="5341485" y="3195381"/>
+              <a:ext cx="381326" cy="1709"/>
+            </a:xfrm>
+            <a:prstGeom prst="line">
+              <a:avLst/>
+            </a:prstGeom>
+            <a:ln w="12700">
+              <a:solidFill>
+                <a:srgbClr val="094E5D">
+                  <a:alpha val="50000"/>
+                </a:srgbClr>
+              </a:solidFill>
+            </a:ln>
+          </p:spPr>
+          <p:style>
+            <a:lnRef idx="1">
+              <a:schemeClr val="accent1"/>
+            </a:lnRef>
+            <a:fillRef idx="0">
+              <a:schemeClr val="accent1"/>
+            </a:fillRef>
+            <a:effectRef idx="0">
+              <a:schemeClr val="accent1"/>
+            </a:effectRef>
+            <a:fontRef idx="minor">
+              <a:schemeClr val="tx1"/>
+            </a:fontRef>
+          </p:style>
+        </p:cxnSp>
+        <p:sp>
+          <p:nvSpPr>
+            <p:cNvPr id="68" name="Diamond 67">
+              <a:extLst>
+                <a:ext uri="{FF2B5EF4-FFF2-40B4-BE49-F238E27FC236}">
+                  <a16:creationId xmlns:a16="http://schemas.microsoft.com/office/drawing/2014/main" id="{B65E5226-62D0-40AC-B3C1-B829B2BE58EB}"/>
+                </a:ext>
+              </a:extLst>
+            </p:cNvPr>
+            <p:cNvSpPr>
+              <a:spLocks noChangeAspect="1"/>
+            </p:cNvSpPr>
+            <p:nvPr/>
+          </p:nvSpPr>
+          <p:spPr>
+            <a:xfrm>
+              <a:off x="4989682" y="3367436"/>
+              <a:ext cx="1024814" cy="1083554"/>
+            </a:xfrm>
+            <a:prstGeom prst="diamond">
+              <a:avLst/>
+            </a:prstGeom>
             <a:solidFill>
-              <a:srgbClr val="094E5D">
-                <a:alpha val="50000"/>
-              </a:srgbClr>
+              <a:srgbClr val="094E5D"/>
             </a:solidFill>
-          </a:ln>
-        </p:spPr>
-        <p:style>
-          <a:lnRef idx="1">
-            <a:schemeClr val="accent1"/>
-          </a:lnRef>
-          <a:fillRef idx="0">
-            <a:schemeClr val="accent1"/>
-          </a:fillRef>
-          <a:effectRef idx="0">
-            <a:schemeClr val="accent1"/>
-          </a:effectRef>
-          <a:fontRef idx="minor">
-            <a:schemeClr val="tx1"/>
-          </a:fontRef>
-        </p:style>
-      </p:cxnSp>
-      <p:sp>
-        <p:nvSpPr>
-          <p:cNvPr id="52" name="Diamond 51">
-            <a:extLst>
-              <a:ext uri="{FF2B5EF4-FFF2-40B4-BE49-F238E27FC236}">
-                <a16:creationId xmlns:a16="http://schemas.microsoft.com/office/drawing/2014/main" id="{F4159B6E-B7E9-48CE-90F9-DCBDD0D1A1DC}"/>
-              </a:ext>
-            </a:extLst>
-          </p:cNvPr>
-          <p:cNvSpPr/>
-          <p:nvPr/>
-        </p:nvSpPr>
-        <p:spPr>
-          <a:xfrm>
-            <a:off x="5722811" y="2779400"/>
-            <a:ext cx="815166" cy="831961"/>
-          </a:xfrm>
-          <a:prstGeom prst="diamond">
-            <a:avLst/>
-          </a:prstGeom>
-          <a:solidFill>
-            <a:schemeClr val="tx2"/>
-          </a:solidFill>
-          <a:ln>
-            <a:noFill/>
-          </a:ln>
-        </p:spPr>
-        <p:style>
-          <a:lnRef idx="2">
-            <a:schemeClr val="accent1">
-              <a:shade val="50000"/>
-            </a:schemeClr>
-          </a:lnRef>
-          <a:fillRef idx="1">
-            <a:schemeClr val="accent1"/>
-          </a:fillRef>
-          <a:effectRef idx="0">
-            <a:schemeClr val="accent1"/>
-          </a:effectRef>
-          <a:fontRef idx="minor">
-            <a:schemeClr val="lt1"/>
-          </a:fontRef>
-        </p:style>
-        <p:txBody>
-          <a:bodyPr rot="0" spcFirstLastPara="0" vertOverflow="overflow" horzOverflow="overflow" vert="horz" wrap="none" lIns="91440" tIns="45720" rIns="91440" bIns="45720" numCol="1" spcCol="0" rtlCol="0" fromWordArt="0" anchor="ctr" anchorCtr="0" forceAA="0" compatLnSpc="1">
-            <a:prstTxWarp prst="textNoShape">
-              <a:avLst/>
-            </a:prstTxWarp>
-            <a:noAutofit/>
-          </a:bodyPr>
-          <a:lstStyle/>
-          <a:p>
-            <a:pPr algn="ctr" defTabSz="914400"/>
-            <a:r>
-              <a:rPr lang="en-US" sz="1000" b="1" dirty="0">
+            <a:ln>
+              <a:noFill/>
+            </a:ln>
+          </p:spPr>
+          <p:style>
+            <a:lnRef idx="2">
+              <a:schemeClr val="accent1">
+                <a:shade val="50000"/>
+              </a:schemeClr>
+            </a:lnRef>
+            <a:fillRef idx="1">
+              <a:schemeClr val="accent1"/>
+            </a:fillRef>
+            <a:effectRef idx="0">
+              <a:schemeClr val="accent1"/>
+            </a:effectRef>
+            <a:fontRef idx="minor">
+              <a:schemeClr val="lt1"/>
+            </a:fontRef>
+          </p:style>
+          <p:txBody>
+            <a:bodyPr rot="0" spcFirstLastPara="0" vertOverflow="overflow" horzOverflow="overflow" vert="horz" wrap="none" lIns="91440" tIns="45720" rIns="91440" bIns="45720" numCol="1" spcCol="0" rtlCol="0" fromWordArt="0" anchor="ctr" anchorCtr="0" forceAA="0" compatLnSpc="1">
+              <a:prstTxWarp prst="textNoShape">
+                <a:avLst/>
+              </a:prstTxWarp>
+              <a:noAutofit/>
+            </a:bodyPr>
+            <a:lstStyle/>
+            <a:p>
+              <a:pPr marL="0" marR="0" lvl="0" indent="0" algn="ctr" defTabSz="914400" rtl="0" eaLnBrk="1" fontAlgn="auto" latinLnBrk="0" hangingPunct="1">
+                <a:lnSpc>
+                  <a:spcPct val="100000"/>
+                </a:lnSpc>
+                <a:spcAft>
+                  <a:spcPts val="0"/>
+                </a:spcAft>
+                <a:buClrTx/>
+                <a:buSzTx/>
+                <a:buFontTx/>
+                <a:buNone/>
+                <a:tabLst/>
+                <a:defRPr/>
+              </a:pPr>
+              <a:r>
+                <a:rPr lang="en-US" sz="1000" b="1" dirty="0">
+                  <a:solidFill>
+                    <a:srgbClr val="FFFFFF"/>
+                  </a:solidFill>
+                </a:rPr>
+                <a:t>Asset</a:t>
+              </a:r>
+              <a:endParaRPr kumimoji="0" lang="en-US" sz="1000" b="1" i="0" u="none" strike="noStrike" kern="1200" cap="none" spc="0" normalizeH="0" baseline="0" noProof="0" dirty="0">
+                <a:ln>
+                  <a:noFill/>
+                </a:ln>
                 <a:solidFill>
                   <a:srgbClr val="FFFFFF"/>
                 </a:solidFill>
-              </a:rPr>
-              <a:t>Enterprise</a:t>
-            </a:r>
-          </a:p>
-          <a:p>
-            <a:pPr algn="ctr" defTabSz="914400"/>
-            <a:r>
-              <a:rPr lang="en-US" sz="1000" b="1" dirty="0">
+                <a:effectLst/>
+                <a:uLnTx/>
+                <a:uFillTx/>
+                <a:ea typeface="+mn-ea"/>
+                <a:cs typeface="+mn-cs"/>
+              </a:endParaRPr>
+            </a:p>
+          </p:txBody>
+        </p:sp>
+        <p:sp>
+          <p:nvSpPr>
+            <p:cNvPr id="42" name="Diamond 41">
+              <a:extLst>
+                <a:ext uri="{FF2B5EF4-FFF2-40B4-BE49-F238E27FC236}">
+                  <a16:creationId xmlns:a16="http://schemas.microsoft.com/office/drawing/2014/main" id="{2C7CFC44-0FFF-43B5-8977-D33F35782242}"/>
+                </a:ext>
+              </a:extLst>
+            </p:cNvPr>
+            <p:cNvSpPr/>
+            <p:nvPr/>
+          </p:nvSpPr>
+          <p:spPr>
+            <a:xfrm>
+              <a:off x="1773739" y="1354790"/>
+              <a:ext cx="815166" cy="831961"/>
+            </a:xfrm>
+            <a:prstGeom prst="diamond">
+              <a:avLst/>
+            </a:prstGeom>
+            <a:solidFill>
+              <a:schemeClr val="tx2"/>
+            </a:solidFill>
+            <a:ln>
+              <a:noFill/>
+            </a:ln>
+          </p:spPr>
+          <p:style>
+            <a:lnRef idx="2">
+              <a:schemeClr val="accent1">
+                <a:shade val="50000"/>
+              </a:schemeClr>
+            </a:lnRef>
+            <a:fillRef idx="1">
+              <a:schemeClr val="accent1"/>
+            </a:fillRef>
+            <a:effectRef idx="0">
+              <a:schemeClr val="accent1"/>
+            </a:effectRef>
+            <a:fontRef idx="minor">
+              <a:schemeClr val="lt1"/>
+            </a:fontRef>
+          </p:style>
+          <p:txBody>
+            <a:bodyPr rot="0" spcFirstLastPara="0" vertOverflow="overflow" horzOverflow="overflow" vert="horz" wrap="none" lIns="91440" tIns="45720" rIns="91440" bIns="45720" numCol="1" spcCol="0" rtlCol="0" fromWordArt="0" anchor="ctr" anchorCtr="0" forceAA="0" compatLnSpc="1">
+              <a:prstTxWarp prst="textNoShape">
+                <a:avLst/>
+              </a:prstTxWarp>
+              <a:noAutofit/>
+            </a:bodyPr>
+            <a:lstStyle/>
+            <a:p>
+              <a:pPr algn="ctr" defTabSz="914400">
+                <a:spcBef>
+                  <a:spcPts val="900"/>
+                </a:spcBef>
+              </a:pPr>
+              <a:r>
+                <a:rPr lang="en-US" sz="1000" b="1" dirty="0">
+                  <a:solidFill>
+                    <a:srgbClr val="FFFFFF"/>
+                  </a:solidFill>
+                </a:rPr>
+                <a:t>Vendor</a:t>
+              </a:r>
+            </a:p>
+          </p:txBody>
+        </p:sp>
+        <p:sp>
+          <p:nvSpPr>
+            <p:cNvPr id="44" name="Diamond 43">
+              <a:extLst>
+                <a:ext uri="{FF2B5EF4-FFF2-40B4-BE49-F238E27FC236}">
+                  <a16:creationId xmlns:a16="http://schemas.microsoft.com/office/drawing/2014/main" id="{046EA6E0-9CA7-45EB-AABC-404CC314F49A}"/>
+                </a:ext>
+              </a:extLst>
+            </p:cNvPr>
+            <p:cNvSpPr>
+              <a:spLocks noChangeAspect="1"/>
+            </p:cNvSpPr>
+            <p:nvPr/>
+          </p:nvSpPr>
+          <p:spPr>
+            <a:xfrm>
+              <a:off x="2888843" y="2646860"/>
+              <a:ext cx="1024814" cy="1083554"/>
+            </a:xfrm>
+            <a:prstGeom prst="diamond">
+              <a:avLst/>
+            </a:prstGeom>
+            <a:solidFill>
+              <a:srgbClr val="094E5D"/>
+            </a:solidFill>
+            <a:ln>
+              <a:noFill/>
+            </a:ln>
+          </p:spPr>
+          <p:style>
+            <a:lnRef idx="2">
+              <a:schemeClr val="accent1">
+                <a:shade val="50000"/>
+              </a:schemeClr>
+            </a:lnRef>
+            <a:fillRef idx="1">
+              <a:schemeClr val="accent1"/>
+            </a:fillRef>
+            <a:effectRef idx="0">
+              <a:schemeClr val="accent1"/>
+            </a:effectRef>
+            <a:fontRef idx="minor">
+              <a:schemeClr val="lt1"/>
+            </a:fontRef>
+          </p:style>
+          <p:txBody>
+            <a:bodyPr rot="0" spcFirstLastPara="0" vertOverflow="overflow" horzOverflow="overflow" vert="horz" wrap="none" lIns="91440" tIns="45720" rIns="91440" bIns="45720" numCol="1" spcCol="0" rtlCol="0" fromWordArt="0" anchor="ctr" anchorCtr="0" forceAA="0" compatLnSpc="1">
+              <a:prstTxWarp prst="textNoShape">
+                <a:avLst/>
+              </a:prstTxWarp>
+              <a:noAutofit/>
+            </a:bodyPr>
+            <a:lstStyle/>
+            <a:p>
+              <a:pPr marL="0" marR="0" lvl="0" indent="0" algn="ctr" defTabSz="914400" rtl="0" eaLnBrk="1" fontAlgn="auto" latinLnBrk="0" hangingPunct="1">
+                <a:lnSpc>
+                  <a:spcPct val="100000"/>
+                </a:lnSpc>
+                <a:spcAft>
+                  <a:spcPts val="0"/>
+                </a:spcAft>
+                <a:buClrTx/>
+                <a:buSzTx/>
+                <a:buFontTx/>
+                <a:buNone/>
+                <a:tabLst/>
+                <a:defRPr/>
+              </a:pPr>
+              <a:r>
+                <a:rPr lang="en-US" sz="1000" b="1" dirty="0">
+                  <a:solidFill>
+                    <a:srgbClr val="FFFFFF"/>
+                  </a:solidFill>
+                </a:rPr>
+                <a:t>SaaS Usage</a:t>
+              </a:r>
+              <a:endParaRPr kumimoji="0" lang="en-US" sz="1000" b="1" i="0" u="none" strike="noStrike" kern="1200" cap="none" spc="0" normalizeH="0" baseline="0" noProof="0" dirty="0">
+                <a:ln>
+                  <a:noFill/>
+                </a:ln>
                 <a:solidFill>
                   <a:srgbClr val="FFFFFF"/>
                 </a:solidFill>
-              </a:rPr>
-              <a:t>Group</a:t>
-            </a:r>
-          </a:p>
-        </p:txBody>
-      </p:sp>
-      <p:cxnSp>
-        <p:nvCxnSpPr>
-          <p:cNvPr id="53" name="Straight Connector 52">
-            <a:extLst>
-              <a:ext uri="{FF2B5EF4-FFF2-40B4-BE49-F238E27FC236}">
-                <a16:creationId xmlns:a16="http://schemas.microsoft.com/office/drawing/2014/main" id="{345ED42F-2060-47E1-9771-BF71F2B76D95}"/>
-              </a:ext>
-            </a:extLst>
-          </p:cNvPr>
-          <p:cNvCxnSpPr>
-            <a:cxnSpLocks/>
-          </p:cNvCxnSpPr>
-          <p:nvPr/>
-        </p:nvCxnSpPr>
-        <p:spPr>
-          <a:xfrm>
-            <a:off x="5662692" y="2735403"/>
-            <a:ext cx="256969" cy="239831"/>
-          </a:xfrm>
-          <a:prstGeom prst="line">
-            <a:avLst/>
-          </a:prstGeom>
-          <a:ln w="12700">
+                <a:effectLst/>
+                <a:uLnTx/>
+                <a:uFillTx/>
+                <a:ea typeface="+mn-ea"/>
+                <a:cs typeface="+mn-cs"/>
+              </a:endParaRPr>
+            </a:p>
+          </p:txBody>
+        </p:sp>
+        <p:cxnSp>
+          <p:nvCxnSpPr>
+            <p:cNvPr id="47" name="Straight Connector 46">
+              <a:extLst>
+                <a:ext uri="{FF2B5EF4-FFF2-40B4-BE49-F238E27FC236}">
+                  <a16:creationId xmlns:a16="http://schemas.microsoft.com/office/drawing/2014/main" id="{565686DE-FAB1-4854-A9C4-B492AA205D6E}"/>
+                </a:ext>
+              </a:extLst>
+            </p:cNvPr>
+            <p:cNvCxnSpPr>
+              <a:cxnSpLocks/>
+            </p:cNvCxnSpPr>
+            <p:nvPr/>
+          </p:nvCxnSpPr>
+          <p:spPr>
+            <a:xfrm flipH="1">
+              <a:off x="2541556" y="1763674"/>
+              <a:ext cx="381326" cy="1709"/>
+            </a:xfrm>
+            <a:prstGeom prst="line">
+              <a:avLst/>
+            </a:prstGeom>
+            <a:ln w="12700">
+              <a:solidFill>
+                <a:srgbClr val="094E5D">
+                  <a:alpha val="50000"/>
+                </a:srgbClr>
+              </a:solidFill>
+            </a:ln>
+          </p:spPr>
+          <p:style>
+            <a:lnRef idx="1">
+              <a:schemeClr val="accent1"/>
+            </a:lnRef>
+            <a:fillRef idx="0">
+              <a:schemeClr val="accent1"/>
+            </a:fillRef>
+            <a:effectRef idx="0">
+              <a:schemeClr val="accent1"/>
+            </a:effectRef>
+            <a:fontRef idx="minor">
+              <a:schemeClr val="tx1"/>
+            </a:fontRef>
+          </p:style>
+        </p:cxnSp>
+        <p:sp>
+          <p:nvSpPr>
+            <p:cNvPr id="49" name="Arrow: Right 48">
+              <a:extLst>
+                <a:ext uri="{FF2B5EF4-FFF2-40B4-BE49-F238E27FC236}">
+                  <a16:creationId xmlns:a16="http://schemas.microsoft.com/office/drawing/2014/main" id="{0F88C2ED-F0B6-42DD-B0AD-F724A93E274E}"/>
+                </a:ext>
+              </a:extLst>
+            </p:cNvPr>
+            <p:cNvSpPr>
+              <a:spLocks noChangeAspect="1"/>
+            </p:cNvSpPr>
+            <p:nvPr/>
+          </p:nvSpPr>
+          <p:spPr>
+            <a:xfrm>
+              <a:off x="1298575" y="1364200"/>
+              <a:ext cx="634309" cy="353269"/>
+            </a:xfrm>
+            <a:prstGeom prst="rightArrow">
+              <a:avLst/>
+            </a:prstGeom>
             <a:solidFill>
-              <a:srgbClr val="094E5D">
-                <a:alpha val="50000"/>
-              </a:srgbClr>
+              <a:srgbClr val="E6E4D9"/>
             </a:solidFill>
-          </a:ln>
-        </p:spPr>
-        <p:style>
-          <a:lnRef idx="1">
-            <a:schemeClr val="accent1"/>
-          </a:lnRef>
-          <a:fillRef idx="0">
-            <a:schemeClr val="accent1"/>
-          </a:fillRef>
-          <a:effectRef idx="0">
-            <a:schemeClr val="accent1"/>
-          </a:effectRef>
-          <a:fontRef idx="minor">
-            <a:schemeClr val="tx1"/>
-          </a:fontRef>
-        </p:style>
-      </p:cxnSp>
-      <p:cxnSp>
-        <p:nvCxnSpPr>
-          <p:cNvPr id="58" name="Straight Connector 57">
-            <a:extLst>
-              <a:ext uri="{FF2B5EF4-FFF2-40B4-BE49-F238E27FC236}">
-                <a16:creationId xmlns:a16="http://schemas.microsoft.com/office/drawing/2014/main" id="{4094BDB5-02C9-4D6F-A2D0-74108F75BD0E}"/>
-              </a:ext>
-            </a:extLst>
-          </p:cNvPr>
-          <p:cNvCxnSpPr>
-            <a:cxnSpLocks/>
-            <a:stCxn id="52" idx="1"/>
-            <a:endCxn id="105" idx="3"/>
-          </p:cNvCxnSpPr>
-          <p:nvPr/>
-        </p:nvCxnSpPr>
-        <p:spPr>
-          <a:xfrm flipH="1">
-            <a:off x="5341485" y="3195381"/>
-            <a:ext cx="381326" cy="1709"/>
-          </a:xfrm>
-          <a:prstGeom prst="line">
-            <a:avLst/>
-          </a:prstGeom>
-          <a:ln w="12700">
+            <a:ln>
+              <a:noFill/>
+            </a:ln>
+          </p:spPr>
+          <p:style>
+            <a:lnRef idx="2">
+              <a:schemeClr val="accent1">
+                <a:shade val="50000"/>
+              </a:schemeClr>
+            </a:lnRef>
+            <a:fillRef idx="1">
+              <a:schemeClr val="accent1"/>
+            </a:fillRef>
+            <a:effectRef idx="0">
+              <a:schemeClr val="accent1"/>
+            </a:effectRef>
+            <a:fontRef idx="minor">
+              <a:schemeClr val="lt1"/>
+            </a:fontRef>
+          </p:style>
+          <p:txBody>
+            <a:bodyPr rot="0" spcFirstLastPara="0" vertOverflow="overflow" horzOverflow="overflow" vert="horz" wrap="square" lIns="91440" tIns="45720" rIns="91440" bIns="45720" numCol="1" spcCol="0" rtlCol="0" fromWordArt="0" anchor="t" anchorCtr="0" forceAA="0" compatLnSpc="1">
+              <a:prstTxWarp prst="textNoShape">
+                <a:avLst/>
+              </a:prstTxWarp>
+              <a:noAutofit/>
+            </a:bodyPr>
+            <a:lstStyle/>
+            <a:p>
+              <a:pPr algn="ctr">
+                <a:spcBef>
+                  <a:spcPts val="900"/>
+                </a:spcBef>
+              </a:pPr>
+              <a:endParaRPr lang="en-AU" sz="2000" b="1"/>
+            </a:p>
+          </p:txBody>
+        </p:sp>
+        <p:cxnSp>
+          <p:nvCxnSpPr>
+            <p:cNvPr id="50" name="Straight Connector 49">
+              <a:extLst>
+                <a:ext uri="{FF2B5EF4-FFF2-40B4-BE49-F238E27FC236}">
+                  <a16:creationId xmlns:a16="http://schemas.microsoft.com/office/drawing/2014/main" id="{8BD90013-2585-4D85-8A27-BEEEB34BEDEA}"/>
+                </a:ext>
+              </a:extLst>
+            </p:cNvPr>
+            <p:cNvCxnSpPr>
+              <a:cxnSpLocks/>
+            </p:cNvCxnSpPr>
+            <p:nvPr/>
+          </p:nvCxnSpPr>
+          <p:spPr>
+            <a:xfrm>
+              <a:off x="2318050" y="2018563"/>
+              <a:ext cx="256969" cy="239831"/>
+            </a:xfrm>
+            <a:prstGeom prst="line">
+              <a:avLst/>
+            </a:prstGeom>
+            <a:ln w="12700">
+              <a:solidFill>
+                <a:srgbClr val="094E5D">
+                  <a:alpha val="50000"/>
+                </a:srgbClr>
+              </a:solidFill>
+            </a:ln>
+          </p:spPr>
+          <p:style>
+            <a:lnRef idx="1">
+              <a:schemeClr val="accent1"/>
+            </a:lnRef>
+            <a:fillRef idx="0">
+              <a:schemeClr val="accent1"/>
+            </a:fillRef>
+            <a:effectRef idx="0">
+              <a:schemeClr val="accent1"/>
+            </a:effectRef>
+            <a:fontRef idx="minor">
+              <a:schemeClr val="tx1"/>
+            </a:fontRef>
+          </p:style>
+        </p:cxnSp>
+        <p:sp>
+          <p:nvSpPr>
+            <p:cNvPr id="51" name="Rectangle 50">
+              <a:extLst>
+                <a:ext uri="{FF2B5EF4-FFF2-40B4-BE49-F238E27FC236}">
+                  <a16:creationId xmlns:a16="http://schemas.microsoft.com/office/drawing/2014/main" id="{4243F6E6-33DC-4826-9892-179435B38E86}"/>
+                </a:ext>
+              </a:extLst>
+            </p:cNvPr>
+            <p:cNvSpPr/>
+            <p:nvPr/>
+          </p:nvSpPr>
+          <p:spPr>
+            <a:xfrm>
+              <a:off x="804367" y="1005477"/>
+              <a:ext cx="1043371" cy="389926"/>
+            </a:xfrm>
+            <a:prstGeom prst="rect">
+              <a:avLst/>
+            </a:prstGeom>
+            <a:noFill/>
+            <a:ln/>
+            <a:effectLst/>
+          </p:spPr>
+          <p:style>
+            <a:lnRef idx="0">
+              <a:schemeClr val="dk1"/>
+            </a:lnRef>
+            <a:fillRef idx="3">
+              <a:schemeClr val="dk1"/>
+            </a:fillRef>
+            <a:effectRef idx="3">
+              <a:schemeClr val="dk1"/>
+            </a:effectRef>
+            <a:fontRef idx="minor">
+              <a:schemeClr val="lt1"/>
+            </a:fontRef>
+          </p:style>
+          <p:txBody>
+            <a:bodyPr rtlCol="0" anchor="ctr"/>
+            <a:lstStyle/>
+            <a:p>
+              <a:pPr marR="0" lvl="0" algn="l" defTabSz="342780" rtl="0" eaLnBrk="1" fontAlgn="auto" latinLnBrk="0" hangingPunct="1">
+                <a:lnSpc>
+                  <a:spcPct val="100000"/>
+                </a:lnSpc>
+                <a:spcBef>
+                  <a:spcPts val="0"/>
+                </a:spcBef>
+                <a:spcAft>
+                  <a:spcPts val="0"/>
+                </a:spcAft>
+                <a:buClrTx/>
+                <a:buSzTx/>
+                <a:tabLst/>
+                <a:defRPr/>
+              </a:pPr>
+              <a:r>
+                <a:rPr kumimoji="0" lang="en-US" sz="1050" b="1" i="0" u="none" strike="noStrike" kern="1200" cap="none" spc="0" normalizeH="0" baseline="0" noProof="0" dirty="0">
+                  <a:ln>
+                    <a:noFill/>
+                  </a:ln>
+                  <a:solidFill>
+                    <a:srgbClr val="094E5D"/>
+                  </a:solidFill>
+                  <a:effectLst/>
+                  <a:uLnTx/>
+                  <a:uFillTx/>
+                  <a:ea typeface="+mn-ea"/>
+                  <a:cs typeface="+mn-cs"/>
+                </a:rPr>
+                <a:t>Vendor data sources</a:t>
+              </a:r>
+            </a:p>
+          </p:txBody>
+        </p:sp>
+        <p:sp>
+          <p:nvSpPr>
+            <p:cNvPr id="54" name="Arrow: Right 53">
+              <a:extLst>
+                <a:ext uri="{FF2B5EF4-FFF2-40B4-BE49-F238E27FC236}">
+                  <a16:creationId xmlns:a16="http://schemas.microsoft.com/office/drawing/2014/main" id="{0D4F79ED-0C67-4ABB-99B6-79C6998C2819}"/>
+                </a:ext>
+              </a:extLst>
+            </p:cNvPr>
+            <p:cNvSpPr>
+              <a:spLocks noChangeAspect="1"/>
+            </p:cNvSpPr>
+            <p:nvPr/>
+          </p:nvSpPr>
+          <p:spPr>
+            <a:xfrm rot="5400000">
+              <a:off x="3972687" y="1156643"/>
+              <a:ext cx="666517" cy="345792"/>
+            </a:xfrm>
+            <a:prstGeom prst="rightArrow">
+              <a:avLst/>
+            </a:prstGeom>
             <a:solidFill>
-              <a:srgbClr val="094E5D">
-                <a:alpha val="50000"/>
-              </a:srgbClr>
+              <a:srgbClr val="E6E4D9"/>
             </a:solidFill>
-          </a:ln>
-        </p:spPr>
-        <p:style>
-          <a:lnRef idx="1">
-            <a:schemeClr val="accent1"/>
-          </a:lnRef>
-          <a:fillRef idx="0">
-            <a:schemeClr val="accent1"/>
-          </a:fillRef>
-          <a:effectRef idx="0">
-            <a:schemeClr val="accent1"/>
-          </a:effectRef>
-          <a:fontRef idx="minor">
-            <a:schemeClr val="tx1"/>
-          </a:fontRef>
-        </p:style>
-      </p:cxnSp>
-      <p:sp>
-        <p:nvSpPr>
-          <p:cNvPr id="68" name="Diamond 67">
-            <a:extLst>
-              <a:ext uri="{FF2B5EF4-FFF2-40B4-BE49-F238E27FC236}">
-                <a16:creationId xmlns:a16="http://schemas.microsoft.com/office/drawing/2014/main" id="{B65E5226-62D0-40AC-B3C1-B829B2BE58EB}"/>
-              </a:ext>
-            </a:extLst>
-          </p:cNvPr>
-          <p:cNvSpPr>
-            <a:spLocks noChangeAspect="1"/>
-          </p:cNvSpPr>
-          <p:nvPr/>
-        </p:nvSpPr>
-        <p:spPr>
-          <a:xfrm>
-            <a:off x="4989682" y="3367436"/>
-            <a:ext cx="1024814" cy="1083554"/>
-          </a:xfrm>
-          <a:prstGeom prst="diamond">
-            <a:avLst/>
-          </a:prstGeom>
-          <a:solidFill>
-            <a:srgbClr val="094E5D"/>
-          </a:solidFill>
-          <a:ln>
-            <a:noFill/>
-          </a:ln>
-        </p:spPr>
-        <p:style>
-          <a:lnRef idx="2">
-            <a:schemeClr val="accent1">
-              <a:shade val="50000"/>
-            </a:schemeClr>
-          </a:lnRef>
-          <a:fillRef idx="1">
-            <a:schemeClr val="accent1"/>
-          </a:fillRef>
-          <a:effectRef idx="0">
-            <a:schemeClr val="accent1"/>
-          </a:effectRef>
-          <a:fontRef idx="minor">
-            <a:schemeClr val="lt1"/>
-          </a:fontRef>
-        </p:style>
-        <p:txBody>
-          <a:bodyPr rot="0" spcFirstLastPara="0" vertOverflow="overflow" horzOverflow="overflow" vert="horz" wrap="none" lIns="91440" tIns="45720" rIns="91440" bIns="45720" numCol="1" spcCol="0" rtlCol="0" fromWordArt="0" anchor="ctr" anchorCtr="0" forceAA="0" compatLnSpc="1">
-            <a:prstTxWarp prst="textNoShape">
-              <a:avLst/>
-            </a:prstTxWarp>
-            <a:noAutofit/>
-          </a:bodyPr>
-          <a:lstStyle/>
-          <a:p>
-            <a:pPr marL="0" marR="0" lvl="0" indent="0" algn="ctr" defTabSz="914400" rtl="0" eaLnBrk="1" fontAlgn="auto" latinLnBrk="0" hangingPunct="1">
-              <a:lnSpc>
-                <a:spcPct val="100000"/>
-              </a:lnSpc>
-              <a:spcAft>
-                <a:spcPts val="0"/>
-              </a:spcAft>
-              <a:buClrTx/>
-              <a:buSzTx/>
-              <a:buFontTx/>
-              <a:buNone/>
-              <a:tabLst/>
-              <a:defRPr/>
-            </a:pPr>
-            <a:r>
-              <a:rPr lang="en-US" sz="1000" b="1" dirty="0">
-                <a:solidFill>
-                  <a:srgbClr val="FFFFFF"/>
-                </a:solidFill>
-              </a:rPr>
-              <a:t>Asset</a:t>
-            </a:r>
-            <a:endParaRPr kumimoji="0" lang="en-US" sz="1000" b="1" i="0" u="none" strike="noStrike" kern="1200" cap="none" spc="0" normalizeH="0" baseline="0" noProof="0" dirty="0">
-              <a:ln>
-                <a:noFill/>
-              </a:ln>
-              <a:solidFill>
-                <a:srgbClr val="FFFFFF"/>
-              </a:solidFill>
-              <a:effectLst/>
-              <a:uLnTx/>
-              <a:uFillTx/>
-              <a:ea typeface="+mn-ea"/>
-              <a:cs typeface="+mn-cs"/>
-            </a:endParaRPr>
-          </a:p>
-        </p:txBody>
-      </p:sp>
+            <a:ln>
+              <a:noFill/>
+            </a:ln>
+          </p:spPr>
+          <p:style>
+            <a:lnRef idx="2">
+              <a:schemeClr val="accent1">
+                <a:shade val="50000"/>
+              </a:schemeClr>
+            </a:lnRef>
+            <a:fillRef idx="1">
+              <a:schemeClr val="accent1"/>
+            </a:fillRef>
+            <a:effectRef idx="0">
+              <a:schemeClr val="accent1"/>
+            </a:effectRef>
+            <a:fontRef idx="minor">
+              <a:schemeClr val="lt1"/>
+            </a:fontRef>
+          </p:style>
+          <p:txBody>
+            <a:bodyPr rot="0" spcFirstLastPara="0" vertOverflow="overflow" horzOverflow="overflow" vert="horz" wrap="square" lIns="91440" tIns="45720" rIns="91440" bIns="45720" numCol="1" spcCol="0" rtlCol="0" fromWordArt="0" anchor="t" anchorCtr="0" forceAA="0" compatLnSpc="1">
+              <a:prstTxWarp prst="textNoShape">
+                <a:avLst/>
+              </a:prstTxWarp>
+              <a:noAutofit/>
+            </a:bodyPr>
+            <a:lstStyle/>
+            <a:p>
+              <a:pPr algn="ctr">
+                <a:spcBef>
+                  <a:spcPts val="900"/>
+                </a:spcBef>
+              </a:pPr>
+              <a:endParaRPr lang="en-AU" sz="2000" b="1"/>
+            </a:p>
+          </p:txBody>
+        </p:sp>
+      </p:grpSp>
     </p:spTree>
     <p:extLst>
       <p:ext uri="{BB962C8B-B14F-4D97-AF65-F5344CB8AC3E}">
-        <p14:creationId xmlns:p14="http://schemas.microsoft.com/office/powerpoint/2010/main" val="3930031239"/>
+        <p14:creationId xmlns:p14="http://schemas.microsoft.com/office/powerpoint/2010/main" val="4266589469"/>
       </p:ext>
     </p:extLst>
   </p:cSld>
@@ -17820,6 +18440,2700 @@
 </file>
 
 <file path=ppt/slides/slide4.xml><?xml version="1.0" encoding="utf-8"?>
+<p:sld xmlns:a="http://schemas.openxmlformats.org/drawingml/2006/main" xmlns:r="http://schemas.openxmlformats.org/officeDocument/2006/relationships" xmlns:p="http://schemas.openxmlformats.org/presentationml/2006/main">
+  <p:cSld>
+    <p:spTree>
+      <p:nvGrpSpPr>
+        <p:cNvPr id="1" name=""/>
+        <p:cNvGrpSpPr/>
+        <p:nvPr/>
+      </p:nvGrpSpPr>
+      <p:grpSpPr>
+        <a:xfrm>
+          <a:off x="0" y="0"/>
+          <a:ext cx="0" cy="0"/>
+          <a:chOff x="0" y="0"/>
+          <a:chExt cx="0" cy="0"/>
+        </a:xfrm>
+      </p:grpSpPr>
+      <p:sp>
+        <p:nvSpPr>
+          <p:cNvPr id="22" name="Title 1">
+            <a:extLst>
+              <a:ext uri="{FF2B5EF4-FFF2-40B4-BE49-F238E27FC236}">
+                <a16:creationId xmlns:a16="http://schemas.microsoft.com/office/drawing/2014/main" id="{01151683-B0B7-4BB4-97F1-BF80690CBE1B}"/>
+              </a:ext>
+            </a:extLst>
+          </p:cNvPr>
+          <p:cNvSpPr txBox="1">
+            <a:spLocks/>
+          </p:cNvSpPr>
+          <p:nvPr/>
+        </p:nvSpPr>
+        <p:spPr bwMode="gray">
+          <a:xfrm>
+            <a:off x="142796" y="-94575"/>
+            <a:ext cx="8749475" cy="491495"/>
+          </a:xfrm>
+          <a:prstGeom prst="rect">
+            <a:avLst/>
+          </a:prstGeom>
+          <a:noFill/>
+          <a:ln>
+            <a:noFill/>
+          </a:ln>
+        </p:spPr>
+        <p:txBody>
+          <a:bodyPr vert="horz" lIns="68526" tIns="0" rIns="68526" bIns="0" rtlCol="0" anchor="b" anchorCtr="0">
+            <a:noAutofit/>
+          </a:bodyPr>
+          <a:lstStyle>
+            <a:lvl1pPr algn="l" defTabSz="457200" rtl="0" eaLnBrk="1" latinLnBrk="0" hangingPunct="1">
+              <a:lnSpc>
+                <a:spcPct val="85000"/>
+              </a:lnSpc>
+              <a:spcBef>
+                <a:spcPts val="0"/>
+              </a:spcBef>
+              <a:buNone/>
+              <a:defRPr lang="en-US" sz="3200" b="0" kern="1200" dirty="0" smtClean="0">
+                <a:solidFill>
+                  <a:schemeClr val="tx1"/>
+                </a:solidFill>
+                <a:latin typeface="+mj-lt"/>
+                <a:ea typeface="+mj-ea"/>
+                <a:cs typeface="+mj-cs"/>
+              </a:defRPr>
+            </a:lvl1pPr>
+          </a:lstStyle>
+          <a:p>
+            <a:pPr marL="0" marR="0" lvl="0" indent="0" algn="l" defTabSz="342900" rtl="0" eaLnBrk="1" fontAlgn="auto" latinLnBrk="0" hangingPunct="1">
+              <a:lnSpc>
+                <a:spcPct val="85000"/>
+              </a:lnSpc>
+              <a:spcBef>
+                <a:spcPts val="0"/>
+              </a:spcBef>
+              <a:spcAft>
+                <a:spcPts val="0"/>
+              </a:spcAft>
+              <a:buClrTx/>
+              <a:buSzTx/>
+              <a:buFontTx/>
+              <a:buNone/>
+              <a:tabLst/>
+              <a:defRPr/>
+            </a:pPr>
+            <a:r>
+              <a:rPr kumimoji="0" lang="en-US" sz="2400" b="1" i="0" u="none" strike="noStrike" kern="1200" cap="none" spc="0" normalizeH="0" baseline="0" noProof="0" dirty="0">
+                <a:ln>
+                  <a:noFill/>
+                </a:ln>
+                <a:solidFill>
+                  <a:srgbClr val="293E40"/>
+                </a:solidFill>
+                <a:effectLst/>
+                <a:uLnTx/>
+                <a:uFillTx/>
+                <a:latin typeface="+mn-lt"/>
+                <a:ea typeface="MS PGothic" charset="0"/>
+                <a:cs typeface="+mj-cs"/>
+              </a:rPr>
+              <a:t>SAM Services Architecture</a:t>
+            </a:r>
+          </a:p>
+        </p:txBody>
+      </p:sp>
+      <p:grpSp>
+        <p:nvGrpSpPr>
+          <p:cNvPr id="2" name="Group 1">
+            <a:extLst>
+              <a:ext uri="{FF2B5EF4-FFF2-40B4-BE49-F238E27FC236}">
+                <a16:creationId xmlns:a16="http://schemas.microsoft.com/office/drawing/2014/main" id="{A9FA53A8-C81A-4151-BF2D-4505A91F63FF}"/>
+              </a:ext>
+            </a:extLst>
+          </p:cNvPr>
+          <p:cNvGrpSpPr/>
+          <p:nvPr/>
+        </p:nvGrpSpPr>
+        <p:grpSpPr>
+          <a:xfrm>
+            <a:off x="904766" y="1384073"/>
+            <a:ext cx="5068510" cy="2736273"/>
+            <a:chOff x="902799" y="1336963"/>
+            <a:chExt cx="5068510" cy="2736273"/>
+          </a:xfrm>
+        </p:grpSpPr>
+        <p:pic>
+          <p:nvPicPr>
+            <p:cNvPr id="5" name="Picture 4">
+              <a:extLst>
+                <a:ext uri="{FF2B5EF4-FFF2-40B4-BE49-F238E27FC236}">
+                  <a16:creationId xmlns:a16="http://schemas.microsoft.com/office/drawing/2014/main" id="{0CF9297A-0DB8-448F-A77D-ACE86F471BDE}"/>
+                </a:ext>
+              </a:extLst>
+            </p:cNvPr>
+            <p:cNvPicPr>
+              <a:picLocks noChangeAspect="1"/>
+            </p:cNvPicPr>
+            <p:nvPr/>
+          </p:nvPicPr>
+          <p:blipFill>
+            <a:blip r:embed="rId3"/>
+            <a:stretch>
+              <a:fillRect/>
+            </a:stretch>
+          </p:blipFill>
+          <p:spPr>
+            <a:xfrm>
+              <a:off x="1561463" y="1601197"/>
+              <a:ext cx="3960146" cy="2346350"/>
+            </a:xfrm>
+            <a:prstGeom prst="rect">
+              <a:avLst/>
+            </a:prstGeom>
+          </p:spPr>
+        </p:pic>
+        <p:sp>
+          <p:nvSpPr>
+            <p:cNvPr id="4" name="Oval 3">
+              <a:extLst>
+                <a:ext uri="{FF2B5EF4-FFF2-40B4-BE49-F238E27FC236}">
+                  <a16:creationId xmlns:a16="http://schemas.microsoft.com/office/drawing/2014/main" id="{DBD3DC8F-1A51-426C-AF43-9387657BF9E0}"/>
+                </a:ext>
+              </a:extLst>
+            </p:cNvPr>
+            <p:cNvSpPr/>
+            <p:nvPr/>
+          </p:nvSpPr>
+          <p:spPr>
+            <a:xfrm>
+              <a:off x="902799" y="1336963"/>
+              <a:ext cx="5068510" cy="2736273"/>
+            </a:xfrm>
+            <a:prstGeom prst="ellipse">
+              <a:avLst/>
+            </a:prstGeom>
+            <a:solidFill>
+              <a:srgbClr val="C9BFB7">
+                <a:alpha val="10000"/>
+              </a:srgbClr>
+            </a:solidFill>
+            <a:ln>
+              <a:noFill/>
+            </a:ln>
+          </p:spPr>
+          <p:style>
+            <a:lnRef idx="2">
+              <a:schemeClr val="accent1">
+                <a:shade val="50000"/>
+              </a:schemeClr>
+            </a:lnRef>
+            <a:fillRef idx="1">
+              <a:schemeClr val="accent1"/>
+            </a:fillRef>
+            <a:effectRef idx="0">
+              <a:schemeClr val="accent1"/>
+            </a:effectRef>
+            <a:fontRef idx="minor">
+              <a:schemeClr val="lt1"/>
+            </a:fontRef>
+          </p:style>
+          <p:txBody>
+            <a:bodyPr rtlCol="0" anchor="ctr"/>
+            <a:lstStyle/>
+            <a:p>
+              <a:pPr algn="ctr"/>
+              <a:endParaRPr lang="en-AU" dirty="0"/>
+            </a:p>
+          </p:txBody>
+        </p:sp>
+        <p:sp>
+          <p:nvSpPr>
+            <p:cNvPr id="6" name="Rectangle 5">
+              <a:extLst>
+                <a:ext uri="{FF2B5EF4-FFF2-40B4-BE49-F238E27FC236}">
+                  <a16:creationId xmlns:a16="http://schemas.microsoft.com/office/drawing/2014/main" id="{746577F4-5B5C-430B-824E-3971DA5B460D}"/>
+                </a:ext>
+              </a:extLst>
+            </p:cNvPr>
+            <p:cNvSpPr/>
+            <p:nvPr/>
+          </p:nvSpPr>
+          <p:spPr>
+            <a:xfrm>
+              <a:off x="4313451" y="1601197"/>
+              <a:ext cx="1043371" cy="389926"/>
+            </a:xfrm>
+            <a:prstGeom prst="rect">
+              <a:avLst/>
+            </a:prstGeom>
+            <a:noFill/>
+            <a:ln/>
+            <a:effectLst/>
+          </p:spPr>
+          <p:style>
+            <a:lnRef idx="0">
+              <a:schemeClr val="dk1"/>
+            </a:lnRef>
+            <a:fillRef idx="3">
+              <a:schemeClr val="dk1"/>
+            </a:fillRef>
+            <a:effectRef idx="3">
+              <a:schemeClr val="dk1"/>
+            </a:effectRef>
+            <a:fontRef idx="minor">
+              <a:schemeClr val="lt1"/>
+            </a:fontRef>
+          </p:style>
+          <p:txBody>
+            <a:bodyPr rtlCol="0" anchor="ctr"/>
+            <a:lstStyle/>
+            <a:p>
+              <a:pPr marR="0" lvl="0" algn="l" defTabSz="342780" rtl="0" eaLnBrk="1" fontAlgn="auto" latinLnBrk="0" hangingPunct="1">
+                <a:lnSpc>
+                  <a:spcPct val="100000"/>
+                </a:lnSpc>
+                <a:spcBef>
+                  <a:spcPts val="0"/>
+                </a:spcBef>
+                <a:spcAft>
+                  <a:spcPts val="0"/>
+                </a:spcAft>
+                <a:buClrTx/>
+                <a:buSzTx/>
+                <a:tabLst/>
+                <a:defRPr/>
+              </a:pPr>
+              <a:r>
+                <a:rPr kumimoji="0" lang="en-US" sz="1200" b="1" i="0" u="none" strike="noStrike" kern="1200" cap="none" spc="0" normalizeH="0" baseline="0" noProof="0" dirty="0">
+                  <a:ln>
+                    <a:noFill/>
+                  </a:ln>
+                  <a:solidFill>
+                    <a:schemeClr val="accent1"/>
+                  </a:solidFill>
+                  <a:effectLst/>
+                  <a:uLnTx/>
+                  <a:uFillTx/>
+                  <a:ea typeface="+mn-ea"/>
+                  <a:cs typeface="+mn-cs"/>
+                </a:rPr>
+                <a:t>SAM Systems</a:t>
+              </a:r>
+            </a:p>
+          </p:txBody>
+        </p:sp>
+      </p:grpSp>
+      <p:grpSp>
+        <p:nvGrpSpPr>
+          <p:cNvPr id="3" name="Group 2">
+            <a:extLst>
+              <a:ext uri="{FF2B5EF4-FFF2-40B4-BE49-F238E27FC236}">
+                <a16:creationId xmlns:a16="http://schemas.microsoft.com/office/drawing/2014/main" id="{7D77ACA4-5F3A-4119-BFEB-EDC660F7ABB1}"/>
+              </a:ext>
+            </a:extLst>
+          </p:cNvPr>
+          <p:cNvGrpSpPr/>
+          <p:nvPr/>
+        </p:nvGrpSpPr>
+        <p:grpSpPr>
+          <a:xfrm>
+            <a:off x="81978" y="3435916"/>
+            <a:ext cx="1294256" cy="896386"/>
+            <a:chOff x="330613" y="3576939"/>
+            <a:chExt cx="1294256" cy="896386"/>
+          </a:xfrm>
+        </p:grpSpPr>
+        <p:sp>
+          <p:nvSpPr>
+            <p:cNvPr id="7" name="Oval 6">
+              <a:extLst>
+                <a:ext uri="{FF2B5EF4-FFF2-40B4-BE49-F238E27FC236}">
+                  <a16:creationId xmlns:a16="http://schemas.microsoft.com/office/drawing/2014/main" id="{09DCFDA4-1F4C-44CB-BF6A-50C4D834F973}"/>
+                </a:ext>
+              </a:extLst>
+            </p:cNvPr>
+            <p:cNvSpPr/>
+            <p:nvPr/>
+          </p:nvSpPr>
+          <p:spPr>
+            <a:xfrm>
+              <a:off x="330613" y="3576939"/>
+              <a:ext cx="1294256" cy="896386"/>
+            </a:xfrm>
+            <a:prstGeom prst="ellipse">
+              <a:avLst/>
+            </a:prstGeom>
+            <a:solidFill>
+              <a:srgbClr val="C9BFB7">
+                <a:alpha val="10000"/>
+              </a:srgbClr>
+            </a:solidFill>
+            <a:ln>
+              <a:noFill/>
+            </a:ln>
+          </p:spPr>
+          <p:style>
+            <a:lnRef idx="2">
+              <a:schemeClr val="accent1">
+                <a:shade val="50000"/>
+              </a:schemeClr>
+            </a:lnRef>
+            <a:fillRef idx="1">
+              <a:schemeClr val="accent1"/>
+            </a:fillRef>
+            <a:effectRef idx="0">
+              <a:schemeClr val="accent1"/>
+            </a:effectRef>
+            <a:fontRef idx="minor">
+              <a:schemeClr val="lt1"/>
+            </a:fontRef>
+          </p:style>
+          <p:txBody>
+            <a:bodyPr rtlCol="0" anchor="ctr"/>
+            <a:lstStyle/>
+            <a:p>
+              <a:pPr algn="ctr"/>
+              <a:endParaRPr lang="en-AU" dirty="0"/>
+            </a:p>
+          </p:txBody>
+        </p:sp>
+        <p:sp>
+          <p:nvSpPr>
+            <p:cNvPr id="8" name="Rectangle 7">
+              <a:extLst>
+                <a:ext uri="{FF2B5EF4-FFF2-40B4-BE49-F238E27FC236}">
+                  <a16:creationId xmlns:a16="http://schemas.microsoft.com/office/drawing/2014/main" id="{2AB46548-3458-4D02-AD74-9452610FD861}"/>
+                </a:ext>
+              </a:extLst>
+            </p:cNvPr>
+            <p:cNvSpPr/>
+            <p:nvPr/>
+          </p:nvSpPr>
+          <p:spPr>
+            <a:xfrm>
+              <a:off x="453767" y="3839163"/>
+              <a:ext cx="1107696" cy="417983"/>
+            </a:xfrm>
+            <a:prstGeom prst="rect">
+              <a:avLst/>
+            </a:prstGeom>
+            <a:noFill/>
+            <a:ln/>
+            <a:effectLst/>
+          </p:spPr>
+          <p:style>
+            <a:lnRef idx="0">
+              <a:schemeClr val="dk1"/>
+            </a:lnRef>
+            <a:fillRef idx="3">
+              <a:schemeClr val="dk1"/>
+            </a:fillRef>
+            <a:effectRef idx="3">
+              <a:schemeClr val="dk1"/>
+            </a:effectRef>
+            <a:fontRef idx="minor">
+              <a:schemeClr val="lt1"/>
+            </a:fontRef>
+          </p:style>
+          <p:txBody>
+            <a:bodyPr rtlCol="0" anchor="ctr"/>
+            <a:lstStyle/>
+            <a:p>
+              <a:pPr marR="0" lvl="0" algn="l" defTabSz="342780" rtl="0" eaLnBrk="1" fontAlgn="auto" latinLnBrk="0" hangingPunct="1">
+                <a:lnSpc>
+                  <a:spcPct val="100000"/>
+                </a:lnSpc>
+                <a:spcBef>
+                  <a:spcPts val="0"/>
+                </a:spcBef>
+                <a:spcAft>
+                  <a:spcPts val="0"/>
+                </a:spcAft>
+                <a:buClrTx/>
+                <a:buSzTx/>
+                <a:tabLst/>
+                <a:defRPr/>
+              </a:pPr>
+              <a:r>
+                <a:rPr kumimoji="0" lang="en-US" sz="1200" b="1" i="0" u="none" strike="noStrike" kern="1200" cap="none" spc="0" normalizeH="0" baseline="0" noProof="0" dirty="0">
+                  <a:ln>
+                    <a:noFill/>
+                  </a:ln>
+                  <a:solidFill>
+                    <a:srgbClr val="094E5D"/>
+                  </a:solidFill>
+                  <a:effectLst/>
+                  <a:uLnTx/>
+                  <a:uFillTx/>
+                  <a:ea typeface="+mn-ea"/>
+                  <a:cs typeface="+mn-cs"/>
+                </a:rPr>
+                <a:t>EUC Network &amp; Systems</a:t>
+              </a:r>
+            </a:p>
+          </p:txBody>
+        </p:sp>
+      </p:grpSp>
+      <p:grpSp>
+        <p:nvGrpSpPr>
+          <p:cNvPr id="11" name="Group 10">
+            <a:extLst>
+              <a:ext uri="{FF2B5EF4-FFF2-40B4-BE49-F238E27FC236}">
+                <a16:creationId xmlns:a16="http://schemas.microsoft.com/office/drawing/2014/main" id="{D4A07E71-91DC-4076-89D2-1CB806204E64}"/>
+              </a:ext>
+            </a:extLst>
+          </p:cNvPr>
+          <p:cNvGrpSpPr/>
+          <p:nvPr/>
+        </p:nvGrpSpPr>
+        <p:grpSpPr>
+          <a:xfrm>
+            <a:off x="1357764" y="4101058"/>
+            <a:ext cx="1294256" cy="896386"/>
+            <a:chOff x="330613" y="3576939"/>
+            <a:chExt cx="1294256" cy="896386"/>
+          </a:xfrm>
+        </p:grpSpPr>
+        <p:sp>
+          <p:nvSpPr>
+            <p:cNvPr id="12" name="Oval 11">
+              <a:extLst>
+                <a:ext uri="{FF2B5EF4-FFF2-40B4-BE49-F238E27FC236}">
+                  <a16:creationId xmlns:a16="http://schemas.microsoft.com/office/drawing/2014/main" id="{C1FA5B34-DA79-4C01-9F7A-FDFB20E73C04}"/>
+                </a:ext>
+              </a:extLst>
+            </p:cNvPr>
+            <p:cNvSpPr/>
+            <p:nvPr/>
+          </p:nvSpPr>
+          <p:spPr>
+            <a:xfrm>
+              <a:off x="330613" y="3576939"/>
+              <a:ext cx="1294256" cy="896386"/>
+            </a:xfrm>
+            <a:prstGeom prst="ellipse">
+              <a:avLst/>
+            </a:prstGeom>
+            <a:solidFill>
+              <a:srgbClr val="C9BFB7">
+                <a:alpha val="10000"/>
+              </a:srgbClr>
+            </a:solidFill>
+            <a:ln>
+              <a:noFill/>
+            </a:ln>
+          </p:spPr>
+          <p:style>
+            <a:lnRef idx="2">
+              <a:schemeClr val="accent1">
+                <a:shade val="50000"/>
+              </a:schemeClr>
+            </a:lnRef>
+            <a:fillRef idx="1">
+              <a:schemeClr val="accent1"/>
+            </a:fillRef>
+            <a:effectRef idx="0">
+              <a:schemeClr val="accent1"/>
+            </a:effectRef>
+            <a:fontRef idx="minor">
+              <a:schemeClr val="lt1"/>
+            </a:fontRef>
+          </p:style>
+          <p:txBody>
+            <a:bodyPr rtlCol="0" anchor="ctr"/>
+            <a:lstStyle/>
+            <a:p>
+              <a:pPr algn="ctr"/>
+              <a:endParaRPr lang="en-AU" dirty="0"/>
+            </a:p>
+          </p:txBody>
+        </p:sp>
+        <p:sp>
+          <p:nvSpPr>
+            <p:cNvPr id="13" name="Rectangle 12">
+              <a:extLst>
+                <a:ext uri="{FF2B5EF4-FFF2-40B4-BE49-F238E27FC236}">
+                  <a16:creationId xmlns:a16="http://schemas.microsoft.com/office/drawing/2014/main" id="{91B666E6-DA46-4667-B0B7-79EF4451784D}"/>
+                </a:ext>
+              </a:extLst>
+            </p:cNvPr>
+            <p:cNvSpPr/>
+            <p:nvPr/>
+          </p:nvSpPr>
+          <p:spPr>
+            <a:xfrm>
+              <a:off x="453767" y="3839163"/>
+              <a:ext cx="1107696" cy="417983"/>
+            </a:xfrm>
+            <a:prstGeom prst="rect">
+              <a:avLst/>
+            </a:prstGeom>
+            <a:noFill/>
+            <a:ln/>
+            <a:effectLst/>
+          </p:spPr>
+          <p:style>
+            <a:lnRef idx="0">
+              <a:schemeClr val="dk1"/>
+            </a:lnRef>
+            <a:fillRef idx="3">
+              <a:schemeClr val="dk1"/>
+            </a:fillRef>
+            <a:effectRef idx="3">
+              <a:schemeClr val="dk1"/>
+            </a:effectRef>
+            <a:fontRef idx="minor">
+              <a:schemeClr val="lt1"/>
+            </a:fontRef>
+          </p:style>
+          <p:txBody>
+            <a:bodyPr rtlCol="0" anchor="ctr"/>
+            <a:lstStyle/>
+            <a:p>
+              <a:pPr marR="0" lvl="0" algn="l" defTabSz="342780" rtl="0" eaLnBrk="1" fontAlgn="auto" latinLnBrk="0" hangingPunct="1">
+                <a:lnSpc>
+                  <a:spcPct val="100000"/>
+                </a:lnSpc>
+                <a:spcBef>
+                  <a:spcPts val="0"/>
+                </a:spcBef>
+                <a:spcAft>
+                  <a:spcPts val="0"/>
+                </a:spcAft>
+                <a:buClrTx/>
+                <a:buSzTx/>
+                <a:tabLst/>
+                <a:defRPr/>
+              </a:pPr>
+              <a:r>
+                <a:rPr kumimoji="0" lang="en-US" sz="1200" b="1" i="0" u="none" strike="noStrike" kern="1200" cap="none" spc="0" normalizeH="0" baseline="0" noProof="0" dirty="0">
+                  <a:ln>
+                    <a:noFill/>
+                  </a:ln>
+                  <a:solidFill>
+                    <a:srgbClr val="094E5D"/>
+                  </a:solidFill>
+                  <a:effectLst/>
+                  <a:uLnTx/>
+                  <a:uFillTx/>
+                  <a:ea typeface="+mn-ea"/>
+                  <a:cs typeface="+mn-cs"/>
+                </a:rPr>
+                <a:t>Data Centre Network &amp; Systems</a:t>
+              </a:r>
+            </a:p>
+          </p:txBody>
+        </p:sp>
+      </p:grpSp>
+      <p:grpSp>
+        <p:nvGrpSpPr>
+          <p:cNvPr id="10" name="Group 9">
+            <a:extLst>
+              <a:ext uri="{FF2B5EF4-FFF2-40B4-BE49-F238E27FC236}">
+                <a16:creationId xmlns:a16="http://schemas.microsoft.com/office/drawing/2014/main" id="{A99C1DAF-CFCE-4C0A-A6B4-B0BCECCE16CD}"/>
+              </a:ext>
+            </a:extLst>
+          </p:cNvPr>
+          <p:cNvGrpSpPr/>
+          <p:nvPr/>
+        </p:nvGrpSpPr>
+        <p:grpSpPr>
+          <a:xfrm>
+            <a:off x="56330" y="1259391"/>
+            <a:ext cx="1299646" cy="896386"/>
+            <a:chOff x="4444567" y="520901"/>
+            <a:chExt cx="1299646" cy="896386"/>
+          </a:xfrm>
+        </p:grpSpPr>
+        <p:sp>
+          <p:nvSpPr>
+            <p:cNvPr id="15" name="Oval 14">
+              <a:extLst>
+                <a:ext uri="{FF2B5EF4-FFF2-40B4-BE49-F238E27FC236}">
+                  <a16:creationId xmlns:a16="http://schemas.microsoft.com/office/drawing/2014/main" id="{6B4973B0-4FB9-45B4-BDD2-1475550BE5CD}"/>
+                </a:ext>
+              </a:extLst>
+            </p:cNvPr>
+            <p:cNvSpPr/>
+            <p:nvPr/>
+          </p:nvSpPr>
+          <p:spPr>
+            <a:xfrm>
+              <a:off x="4444567" y="520901"/>
+              <a:ext cx="1294256" cy="896386"/>
+            </a:xfrm>
+            <a:prstGeom prst="ellipse">
+              <a:avLst/>
+            </a:prstGeom>
+            <a:solidFill>
+              <a:srgbClr val="C9BFB7">
+                <a:alpha val="10000"/>
+              </a:srgbClr>
+            </a:solidFill>
+            <a:ln>
+              <a:noFill/>
+            </a:ln>
+          </p:spPr>
+          <p:style>
+            <a:lnRef idx="2">
+              <a:schemeClr val="accent1">
+                <a:shade val="50000"/>
+              </a:schemeClr>
+            </a:lnRef>
+            <a:fillRef idx="1">
+              <a:schemeClr val="accent1"/>
+            </a:fillRef>
+            <a:effectRef idx="0">
+              <a:schemeClr val="accent1"/>
+            </a:effectRef>
+            <a:fontRef idx="minor">
+              <a:schemeClr val="lt1"/>
+            </a:fontRef>
+          </p:style>
+          <p:txBody>
+            <a:bodyPr rtlCol="0" anchor="ctr"/>
+            <a:lstStyle/>
+            <a:p>
+              <a:pPr algn="ctr"/>
+              <a:endParaRPr lang="en-AU" dirty="0"/>
+            </a:p>
+          </p:txBody>
+        </p:sp>
+        <p:sp>
+          <p:nvSpPr>
+            <p:cNvPr id="16" name="Rectangle 15">
+              <a:extLst>
+                <a:ext uri="{FF2B5EF4-FFF2-40B4-BE49-F238E27FC236}">
+                  <a16:creationId xmlns:a16="http://schemas.microsoft.com/office/drawing/2014/main" id="{3442B01C-44EF-4C3F-B609-734DFAA0986E}"/>
+                </a:ext>
+              </a:extLst>
+            </p:cNvPr>
+            <p:cNvSpPr/>
+            <p:nvPr/>
+          </p:nvSpPr>
+          <p:spPr>
+            <a:xfrm>
+              <a:off x="4636517" y="730501"/>
+              <a:ext cx="1107696" cy="417983"/>
+            </a:xfrm>
+            <a:prstGeom prst="rect">
+              <a:avLst/>
+            </a:prstGeom>
+            <a:noFill/>
+            <a:ln/>
+            <a:effectLst/>
+          </p:spPr>
+          <p:style>
+            <a:lnRef idx="0">
+              <a:schemeClr val="dk1"/>
+            </a:lnRef>
+            <a:fillRef idx="3">
+              <a:schemeClr val="dk1"/>
+            </a:fillRef>
+            <a:effectRef idx="3">
+              <a:schemeClr val="dk1"/>
+            </a:effectRef>
+            <a:fontRef idx="minor">
+              <a:schemeClr val="lt1"/>
+            </a:fontRef>
+          </p:style>
+          <p:txBody>
+            <a:bodyPr rtlCol="0" anchor="ctr"/>
+            <a:lstStyle/>
+            <a:p>
+              <a:pPr marR="0" lvl="0" algn="l" defTabSz="342780" rtl="0" eaLnBrk="1" fontAlgn="auto" latinLnBrk="0" hangingPunct="1">
+                <a:lnSpc>
+                  <a:spcPct val="100000"/>
+                </a:lnSpc>
+                <a:spcBef>
+                  <a:spcPts val="0"/>
+                </a:spcBef>
+                <a:spcAft>
+                  <a:spcPts val="0"/>
+                </a:spcAft>
+                <a:buClrTx/>
+                <a:buSzTx/>
+                <a:tabLst/>
+                <a:defRPr/>
+              </a:pPr>
+              <a:r>
+                <a:rPr kumimoji="0" lang="en-US" sz="1200" b="1" i="0" u="none" strike="noStrike" kern="1200" cap="none" spc="0" normalizeH="0" baseline="0" noProof="0" dirty="0">
+                  <a:ln>
+                    <a:noFill/>
+                  </a:ln>
+                  <a:solidFill>
+                    <a:srgbClr val="094E5D"/>
+                  </a:solidFill>
+                  <a:effectLst/>
+                  <a:uLnTx/>
+                  <a:uFillTx/>
+                  <a:ea typeface="+mn-ea"/>
+                  <a:cs typeface="+mn-cs"/>
+                </a:rPr>
+                <a:t>HR &amp;  Procurement Systems</a:t>
+              </a:r>
+            </a:p>
+          </p:txBody>
+        </p:sp>
+      </p:grpSp>
+      <p:grpSp>
+        <p:nvGrpSpPr>
+          <p:cNvPr id="18" name="Group 17">
+            <a:extLst>
+              <a:ext uri="{FF2B5EF4-FFF2-40B4-BE49-F238E27FC236}">
+                <a16:creationId xmlns:a16="http://schemas.microsoft.com/office/drawing/2014/main" id="{1677E1D9-E3DE-4164-B2AA-DBBC727D3DD0}"/>
+              </a:ext>
+            </a:extLst>
+          </p:cNvPr>
+          <p:cNvGrpSpPr/>
+          <p:nvPr/>
+        </p:nvGrpSpPr>
+        <p:grpSpPr>
+          <a:xfrm>
+            <a:off x="1355282" y="533819"/>
+            <a:ext cx="1299646" cy="896386"/>
+            <a:chOff x="4444567" y="520901"/>
+            <a:chExt cx="1299646" cy="896386"/>
+          </a:xfrm>
+        </p:grpSpPr>
+        <p:sp>
+          <p:nvSpPr>
+            <p:cNvPr id="19" name="Oval 18">
+              <a:extLst>
+                <a:ext uri="{FF2B5EF4-FFF2-40B4-BE49-F238E27FC236}">
+                  <a16:creationId xmlns:a16="http://schemas.microsoft.com/office/drawing/2014/main" id="{0F6A1AD7-FC33-4C41-9AD3-2A9A04B88F5F}"/>
+                </a:ext>
+              </a:extLst>
+            </p:cNvPr>
+            <p:cNvSpPr/>
+            <p:nvPr/>
+          </p:nvSpPr>
+          <p:spPr>
+            <a:xfrm>
+              <a:off x="4444567" y="520901"/>
+              <a:ext cx="1294256" cy="896386"/>
+            </a:xfrm>
+            <a:prstGeom prst="ellipse">
+              <a:avLst/>
+            </a:prstGeom>
+            <a:solidFill>
+              <a:srgbClr val="C9BFB7">
+                <a:alpha val="10000"/>
+              </a:srgbClr>
+            </a:solidFill>
+            <a:ln>
+              <a:noFill/>
+            </a:ln>
+          </p:spPr>
+          <p:style>
+            <a:lnRef idx="2">
+              <a:schemeClr val="accent1">
+                <a:shade val="50000"/>
+              </a:schemeClr>
+            </a:lnRef>
+            <a:fillRef idx="1">
+              <a:schemeClr val="accent1"/>
+            </a:fillRef>
+            <a:effectRef idx="0">
+              <a:schemeClr val="accent1"/>
+            </a:effectRef>
+            <a:fontRef idx="minor">
+              <a:schemeClr val="lt1"/>
+            </a:fontRef>
+          </p:style>
+          <p:txBody>
+            <a:bodyPr rtlCol="0" anchor="ctr"/>
+            <a:lstStyle/>
+            <a:p>
+              <a:pPr algn="ctr"/>
+              <a:endParaRPr lang="en-AU" dirty="0"/>
+            </a:p>
+          </p:txBody>
+        </p:sp>
+        <p:sp>
+          <p:nvSpPr>
+            <p:cNvPr id="20" name="Rectangle 19">
+              <a:extLst>
+                <a:ext uri="{FF2B5EF4-FFF2-40B4-BE49-F238E27FC236}">
+                  <a16:creationId xmlns:a16="http://schemas.microsoft.com/office/drawing/2014/main" id="{94388E7E-7B17-4B58-9CD6-592C7FE84F1B}"/>
+                </a:ext>
+              </a:extLst>
+            </p:cNvPr>
+            <p:cNvSpPr/>
+            <p:nvPr/>
+          </p:nvSpPr>
+          <p:spPr>
+            <a:xfrm>
+              <a:off x="4636517" y="730501"/>
+              <a:ext cx="1107696" cy="417983"/>
+            </a:xfrm>
+            <a:prstGeom prst="rect">
+              <a:avLst/>
+            </a:prstGeom>
+            <a:noFill/>
+            <a:ln/>
+            <a:effectLst/>
+          </p:spPr>
+          <p:style>
+            <a:lnRef idx="0">
+              <a:schemeClr val="dk1"/>
+            </a:lnRef>
+            <a:fillRef idx="3">
+              <a:schemeClr val="dk1"/>
+            </a:fillRef>
+            <a:effectRef idx="3">
+              <a:schemeClr val="dk1"/>
+            </a:effectRef>
+            <a:fontRef idx="minor">
+              <a:schemeClr val="lt1"/>
+            </a:fontRef>
+          </p:style>
+          <p:txBody>
+            <a:bodyPr rtlCol="0" anchor="ctr"/>
+            <a:lstStyle/>
+            <a:p>
+              <a:pPr marR="0" lvl="0" algn="l" defTabSz="342780" rtl="0" eaLnBrk="1" fontAlgn="auto" latinLnBrk="0" hangingPunct="1">
+                <a:lnSpc>
+                  <a:spcPct val="100000"/>
+                </a:lnSpc>
+                <a:spcBef>
+                  <a:spcPts val="0"/>
+                </a:spcBef>
+                <a:spcAft>
+                  <a:spcPts val="0"/>
+                </a:spcAft>
+                <a:buClrTx/>
+                <a:buSzTx/>
+                <a:tabLst/>
+                <a:defRPr/>
+              </a:pPr>
+              <a:r>
+                <a:rPr kumimoji="0" lang="en-US" sz="1200" b="1" i="0" u="none" strike="noStrike" kern="1200" cap="none" spc="0" normalizeH="0" baseline="0" noProof="0" dirty="0">
+                  <a:ln>
+                    <a:noFill/>
+                  </a:ln>
+                  <a:solidFill>
+                    <a:srgbClr val="094E5D"/>
+                  </a:solidFill>
+                  <a:effectLst/>
+                  <a:uLnTx/>
+                  <a:uFillTx/>
+                  <a:ea typeface="+mn-ea"/>
+                  <a:cs typeface="+mn-cs"/>
+                </a:rPr>
+                <a:t>CMDB &amp; Service Mgmt Systems</a:t>
+              </a:r>
+            </a:p>
+          </p:txBody>
+        </p:sp>
+      </p:grpSp>
+      <p:sp>
+        <p:nvSpPr>
+          <p:cNvPr id="17" name="Arrow: Right 16">
+            <a:extLst>
+              <a:ext uri="{FF2B5EF4-FFF2-40B4-BE49-F238E27FC236}">
+                <a16:creationId xmlns:a16="http://schemas.microsoft.com/office/drawing/2014/main" id="{E0516CAC-79DF-4411-8526-5B9DDB12D076}"/>
+              </a:ext>
+            </a:extLst>
+          </p:cNvPr>
+          <p:cNvSpPr/>
+          <p:nvPr/>
+        </p:nvSpPr>
+        <p:spPr>
+          <a:xfrm rot="4035451">
+            <a:off x="2037982" y="1396192"/>
+            <a:ext cx="182520" cy="172015"/>
+          </a:xfrm>
+          <a:prstGeom prst="rightArrow">
+            <a:avLst/>
+          </a:prstGeom>
+          <a:solidFill>
+            <a:schemeClr val="accent6">
+              <a:lumMod val="90000"/>
+              <a:lumOff val="10000"/>
+            </a:schemeClr>
+          </a:solidFill>
+          <a:ln>
+            <a:solidFill>
+              <a:schemeClr val="tx2"/>
+            </a:solidFill>
+          </a:ln>
+        </p:spPr>
+        <p:style>
+          <a:lnRef idx="2">
+            <a:schemeClr val="accent1">
+              <a:shade val="50000"/>
+            </a:schemeClr>
+          </a:lnRef>
+          <a:fillRef idx="1">
+            <a:schemeClr val="accent1"/>
+          </a:fillRef>
+          <a:effectRef idx="0">
+            <a:schemeClr val="accent1"/>
+          </a:effectRef>
+          <a:fontRef idx="minor">
+            <a:schemeClr val="lt1"/>
+          </a:fontRef>
+        </p:style>
+        <p:txBody>
+          <a:bodyPr rtlCol="0" anchor="ctr"/>
+          <a:lstStyle/>
+          <a:p>
+            <a:pPr algn="ctr"/>
+            <a:endParaRPr lang="en-AU"/>
+          </a:p>
+        </p:txBody>
+      </p:sp>
+      <p:sp>
+        <p:nvSpPr>
+          <p:cNvPr id="26" name="Arrow: Right 25">
+            <a:extLst>
+              <a:ext uri="{FF2B5EF4-FFF2-40B4-BE49-F238E27FC236}">
+                <a16:creationId xmlns:a16="http://schemas.microsoft.com/office/drawing/2014/main" id="{8D0E57D5-5527-411B-88A3-49BDCD78338F}"/>
+              </a:ext>
+            </a:extLst>
+          </p:cNvPr>
+          <p:cNvSpPr/>
+          <p:nvPr/>
+        </p:nvSpPr>
+        <p:spPr>
+          <a:xfrm rot="14907253">
+            <a:off x="2240885" y="1299010"/>
+            <a:ext cx="182520" cy="172015"/>
+          </a:xfrm>
+          <a:prstGeom prst="rightArrow">
+            <a:avLst/>
+          </a:prstGeom>
+          <a:solidFill>
+            <a:schemeClr val="accent6">
+              <a:lumMod val="90000"/>
+              <a:lumOff val="10000"/>
+            </a:schemeClr>
+          </a:solidFill>
+          <a:ln>
+            <a:solidFill>
+              <a:schemeClr val="tx2"/>
+            </a:solidFill>
+          </a:ln>
+        </p:spPr>
+        <p:style>
+          <a:lnRef idx="2">
+            <a:schemeClr val="accent1">
+              <a:shade val="50000"/>
+            </a:schemeClr>
+          </a:lnRef>
+          <a:fillRef idx="1">
+            <a:schemeClr val="accent1"/>
+          </a:fillRef>
+          <a:effectRef idx="0">
+            <a:schemeClr val="accent1"/>
+          </a:effectRef>
+          <a:fontRef idx="minor">
+            <a:schemeClr val="lt1"/>
+          </a:fontRef>
+        </p:style>
+        <p:txBody>
+          <a:bodyPr rtlCol="0" anchor="ctr"/>
+          <a:lstStyle/>
+          <a:p>
+            <a:pPr algn="ctr"/>
+            <a:endParaRPr lang="en-AU"/>
+          </a:p>
+        </p:txBody>
+      </p:sp>
+      <p:sp>
+        <p:nvSpPr>
+          <p:cNvPr id="27" name="Arrow: Right 26">
+            <a:extLst>
+              <a:ext uri="{FF2B5EF4-FFF2-40B4-BE49-F238E27FC236}">
+                <a16:creationId xmlns:a16="http://schemas.microsoft.com/office/drawing/2014/main" id="{8E869D07-840F-4D2B-B9B9-EE7A0F4BF118}"/>
+              </a:ext>
+            </a:extLst>
+          </p:cNvPr>
+          <p:cNvSpPr/>
+          <p:nvPr/>
+        </p:nvSpPr>
+        <p:spPr>
+          <a:xfrm rot="2187836">
+            <a:off x="1180906" y="1880079"/>
+            <a:ext cx="182520" cy="172015"/>
+          </a:xfrm>
+          <a:prstGeom prst="rightArrow">
+            <a:avLst/>
+          </a:prstGeom>
+          <a:solidFill>
+            <a:schemeClr val="accent6">
+              <a:lumMod val="90000"/>
+              <a:lumOff val="10000"/>
+            </a:schemeClr>
+          </a:solidFill>
+          <a:ln>
+            <a:solidFill>
+              <a:schemeClr val="tx2"/>
+            </a:solidFill>
+          </a:ln>
+        </p:spPr>
+        <p:style>
+          <a:lnRef idx="2">
+            <a:schemeClr val="accent1">
+              <a:shade val="50000"/>
+            </a:schemeClr>
+          </a:lnRef>
+          <a:fillRef idx="1">
+            <a:schemeClr val="accent1"/>
+          </a:fillRef>
+          <a:effectRef idx="0">
+            <a:schemeClr val="accent1"/>
+          </a:effectRef>
+          <a:fontRef idx="minor">
+            <a:schemeClr val="lt1"/>
+          </a:fontRef>
+        </p:style>
+        <p:txBody>
+          <a:bodyPr rtlCol="0" anchor="ctr"/>
+          <a:lstStyle/>
+          <a:p>
+            <a:pPr algn="ctr"/>
+            <a:endParaRPr lang="en-AU"/>
+          </a:p>
+        </p:txBody>
+      </p:sp>
+      <p:sp>
+        <p:nvSpPr>
+          <p:cNvPr id="28" name="Arrow: Right 27">
+            <a:extLst>
+              <a:ext uri="{FF2B5EF4-FFF2-40B4-BE49-F238E27FC236}">
+                <a16:creationId xmlns:a16="http://schemas.microsoft.com/office/drawing/2014/main" id="{67095364-5062-4064-A230-C0411929965F}"/>
+              </a:ext>
+            </a:extLst>
+          </p:cNvPr>
+          <p:cNvSpPr/>
+          <p:nvPr/>
+        </p:nvSpPr>
+        <p:spPr>
+          <a:xfrm rot="19623800">
+            <a:off x="1184279" y="3445507"/>
+            <a:ext cx="182520" cy="172015"/>
+          </a:xfrm>
+          <a:prstGeom prst="rightArrow">
+            <a:avLst/>
+          </a:prstGeom>
+          <a:solidFill>
+            <a:schemeClr val="accent6">
+              <a:lumMod val="90000"/>
+              <a:lumOff val="10000"/>
+            </a:schemeClr>
+          </a:solidFill>
+          <a:ln>
+            <a:solidFill>
+              <a:schemeClr val="tx2"/>
+            </a:solidFill>
+          </a:ln>
+        </p:spPr>
+        <p:style>
+          <a:lnRef idx="2">
+            <a:schemeClr val="accent1">
+              <a:shade val="50000"/>
+            </a:schemeClr>
+          </a:lnRef>
+          <a:fillRef idx="1">
+            <a:schemeClr val="accent1"/>
+          </a:fillRef>
+          <a:effectRef idx="0">
+            <a:schemeClr val="accent1"/>
+          </a:effectRef>
+          <a:fontRef idx="minor">
+            <a:schemeClr val="lt1"/>
+          </a:fontRef>
+        </p:style>
+        <p:txBody>
+          <a:bodyPr rtlCol="0" anchor="ctr"/>
+          <a:lstStyle/>
+          <a:p>
+            <a:pPr algn="ctr"/>
+            <a:endParaRPr lang="en-AU"/>
+          </a:p>
+        </p:txBody>
+      </p:sp>
+      <p:sp>
+        <p:nvSpPr>
+          <p:cNvPr id="29" name="Arrow: Right 28">
+            <a:extLst>
+              <a:ext uri="{FF2B5EF4-FFF2-40B4-BE49-F238E27FC236}">
+                <a16:creationId xmlns:a16="http://schemas.microsoft.com/office/drawing/2014/main" id="{CBF52466-2B09-44AB-AC86-1B2764F853B1}"/>
+              </a:ext>
+            </a:extLst>
+          </p:cNvPr>
+          <p:cNvSpPr/>
+          <p:nvPr/>
+        </p:nvSpPr>
+        <p:spPr>
+          <a:xfrm rot="16200000">
+            <a:off x="3433769" y="4022787"/>
+            <a:ext cx="182520" cy="172015"/>
+          </a:xfrm>
+          <a:prstGeom prst="rightArrow">
+            <a:avLst/>
+          </a:prstGeom>
+          <a:solidFill>
+            <a:schemeClr val="accent6">
+              <a:lumMod val="90000"/>
+              <a:lumOff val="10000"/>
+            </a:schemeClr>
+          </a:solidFill>
+          <a:ln>
+            <a:solidFill>
+              <a:schemeClr val="tx2"/>
+            </a:solidFill>
+          </a:ln>
+        </p:spPr>
+        <p:style>
+          <a:lnRef idx="2">
+            <a:schemeClr val="accent1">
+              <a:shade val="50000"/>
+            </a:schemeClr>
+          </a:lnRef>
+          <a:fillRef idx="1">
+            <a:schemeClr val="accent1"/>
+          </a:fillRef>
+          <a:effectRef idx="0">
+            <a:schemeClr val="accent1"/>
+          </a:effectRef>
+          <a:fontRef idx="minor">
+            <a:schemeClr val="lt1"/>
+          </a:fontRef>
+        </p:style>
+        <p:txBody>
+          <a:bodyPr rtlCol="0" anchor="ctr"/>
+          <a:lstStyle/>
+          <a:p>
+            <a:pPr algn="ctr"/>
+            <a:endParaRPr lang="en-AU"/>
+          </a:p>
+        </p:txBody>
+      </p:sp>
+      <p:grpSp>
+        <p:nvGrpSpPr>
+          <p:cNvPr id="30" name="Group 29">
+            <a:extLst>
+              <a:ext uri="{FF2B5EF4-FFF2-40B4-BE49-F238E27FC236}">
+                <a16:creationId xmlns:a16="http://schemas.microsoft.com/office/drawing/2014/main" id="{DC1CAE74-48F7-44BC-9CEE-866F1A54366B}"/>
+              </a:ext>
+            </a:extLst>
+          </p:cNvPr>
+          <p:cNvGrpSpPr/>
+          <p:nvPr/>
+        </p:nvGrpSpPr>
+        <p:grpSpPr>
+          <a:xfrm>
+            <a:off x="2848027" y="4211781"/>
+            <a:ext cx="1294256" cy="896386"/>
+            <a:chOff x="330613" y="3576939"/>
+            <a:chExt cx="1294256" cy="896386"/>
+          </a:xfrm>
+        </p:grpSpPr>
+        <p:sp>
+          <p:nvSpPr>
+            <p:cNvPr id="31" name="Oval 30">
+              <a:extLst>
+                <a:ext uri="{FF2B5EF4-FFF2-40B4-BE49-F238E27FC236}">
+                  <a16:creationId xmlns:a16="http://schemas.microsoft.com/office/drawing/2014/main" id="{37459E38-0CD9-463F-8A68-272BAFB6F6C6}"/>
+                </a:ext>
+              </a:extLst>
+            </p:cNvPr>
+            <p:cNvSpPr/>
+            <p:nvPr/>
+          </p:nvSpPr>
+          <p:spPr>
+            <a:xfrm>
+              <a:off x="330613" y="3576939"/>
+              <a:ext cx="1294256" cy="896386"/>
+            </a:xfrm>
+            <a:prstGeom prst="ellipse">
+              <a:avLst/>
+            </a:prstGeom>
+            <a:solidFill>
+              <a:srgbClr val="C9BFB7">
+                <a:alpha val="10000"/>
+              </a:srgbClr>
+            </a:solidFill>
+            <a:ln>
+              <a:noFill/>
+            </a:ln>
+          </p:spPr>
+          <p:style>
+            <a:lnRef idx="2">
+              <a:schemeClr val="accent1">
+                <a:shade val="50000"/>
+              </a:schemeClr>
+            </a:lnRef>
+            <a:fillRef idx="1">
+              <a:schemeClr val="accent1"/>
+            </a:fillRef>
+            <a:effectRef idx="0">
+              <a:schemeClr val="accent1"/>
+            </a:effectRef>
+            <a:fontRef idx="minor">
+              <a:schemeClr val="lt1"/>
+            </a:fontRef>
+          </p:style>
+          <p:txBody>
+            <a:bodyPr rtlCol="0" anchor="ctr"/>
+            <a:lstStyle/>
+            <a:p>
+              <a:pPr algn="ctr"/>
+              <a:endParaRPr lang="en-AU" dirty="0"/>
+            </a:p>
+          </p:txBody>
+        </p:sp>
+        <p:sp>
+          <p:nvSpPr>
+            <p:cNvPr id="32" name="Rectangle 31">
+              <a:extLst>
+                <a:ext uri="{FF2B5EF4-FFF2-40B4-BE49-F238E27FC236}">
+                  <a16:creationId xmlns:a16="http://schemas.microsoft.com/office/drawing/2014/main" id="{E157AD22-3B3A-4EF1-BB31-BFFAA99EDE06}"/>
+                </a:ext>
+              </a:extLst>
+            </p:cNvPr>
+            <p:cNvSpPr/>
+            <p:nvPr/>
+          </p:nvSpPr>
+          <p:spPr>
+            <a:xfrm>
+              <a:off x="453767" y="3839163"/>
+              <a:ext cx="1171102" cy="417983"/>
+            </a:xfrm>
+            <a:prstGeom prst="rect">
+              <a:avLst/>
+            </a:prstGeom>
+            <a:noFill/>
+            <a:ln/>
+            <a:effectLst/>
+          </p:spPr>
+          <p:style>
+            <a:lnRef idx="0">
+              <a:schemeClr val="dk1"/>
+            </a:lnRef>
+            <a:fillRef idx="3">
+              <a:schemeClr val="dk1"/>
+            </a:fillRef>
+            <a:effectRef idx="3">
+              <a:schemeClr val="dk1"/>
+            </a:effectRef>
+            <a:fontRef idx="minor">
+              <a:schemeClr val="lt1"/>
+            </a:fontRef>
+          </p:style>
+          <p:txBody>
+            <a:bodyPr rtlCol="0" anchor="ctr"/>
+            <a:lstStyle/>
+            <a:p>
+              <a:pPr marR="0" lvl="0" algn="l" defTabSz="342780" rtl="0" eaLnBrk="1" fontAlgn="auto" latinLnBrk="0" hangingPunct="1">
+                <a:lnSpc>
+                  <a:spcPct val="100000"/>
+                </a:lnSpc>
+                <a:spcBef>
+                  <a:spcPts val="0"/>
+                </a:spcBef>
+                <a:spcAft>
+                  <a:spcPts val="0"/>
+                </a:spcAft>
+                <a:buClrTx/>
+                <a:buSzTx/>
+                <a:tabLst/>
+                <a:defRPr/>
+              </a:pPr>
+              <a:r>
+                <a:rPr kumimoji="0" lang="en-US" sz="1200" b="1" i="0" u="none" strike="noStrike" kern="1200" cap="none" spc="0" normalizeH="0" baseline="0" noProof="0" dirty="0">
+                  <a:ln>
+                    <a:noFill/>
+                  </a:ln>
+                  <a:solidFill>
+                    <a:srgbClr val="094E5D"/>
+                  </a:solidFill>
+                  <a:effectLst/>
+                  <a:uLnTx/>
+                  <a:uFillTx/>
+                  <a:ea typeface="+mn-ea"/>
+                  <a:cs typeface="+mn-cs"/>
+                </a:rPr>
+                <a:t>Cloud SaaS &amp; Iaa</a:t>
+              </a:r>
+              <a:r>
+                <a:rPr lang="en-US" sz="1200" b="1" dirty="0">
+                  <a:solidFill>
+                    <a:srgbClr val="094E5D"/>
+                  </a:solidFill>
+                </a:rPr>
+                <a:t>S</a:t>
+              </a:r>
+              <a:r>
+                <a:rPr kumimoji="0" lang="en-US" sz="1200" b="1" i="0" u="none" strike="noStrike" kern="1200" cap="none" spc="0" normalizeH="0" baseline="0" noProof="0" dirty="0">
+                  <a:ln>
+                    <a:noFill/>
+                  </a:ln>
+                  <a:solidFill>
+                    <a:srgbClr val="094E5D"/>
+                  </a:solidFill>
+                  <a:effectLst/>
+                  <a:uLnTx/>
+                  <a:uFillTx/>
+                  <a:ea typeface="+mn-ea"/>
+                  <a:cs typeface="+mn-cs"/>
+                </a:rPr>
+                <a:t> Networks &amp; Systems</a:t>
+              </a:r>
+            </a:p>
+          </p:txBody>
+        </p:sp>
+      </p:grpSp>
+      <p:sp>
+        <p:nvSpPr>
+          <p:cNvPr id="33" name="Arrow: Right 32">
+            <a:extLst>
+              <a:ext uri="{FF2B5EF4-FFF2-40B4-BE49-F238E27FC236}">
+                <a16:creationId xmlns:a16="http://schemas.microsoft.com/office/drawing/2014/main" id="{430D760F-5F8C-49CE-8385-F5468D5F0A52}"/>
+              </a:ext>
+            </a:extLst>
+          </p:cNvPr>
+          <p:cNvSpPr/>
+          <p:nvPr/>
+        </p:nvSpPr>
+        <p:spPr>
+          <a:xfrm rot="18380295">
+            <a:off x="2227667" y="3952497"/>
+            <a:ext cx="182520" cy="172015"/>
+          </a:xfrm>
+          <a:prstGeom prst="rightArrow">
+            <a:avLst/>
+          </a:prstGeom>
+          <a:solidFill>
+            <a:schemeClr val="accent6">
+              <a:lumMod val="90000"/>
+              <a:lumOff val="10000"/>
+            </a:schemeClr>
+          </a:solidFill>
+          <a:ln>
+            <a:solidFill>
+              <a:schemeClr val="tx2"/>
+            </a:solidFill>
+          </a:ln>
+        </p:spPr>
+        <p:style>
+          <a:lnRef idx="2">
+            <a:schemeClr val="accent1">
+              <a:shade val="50000"/>
+            </a:schemeClr>
+          </a:lnRef>
+          <a:fillRef idx="1">
+            <a:schemeClr val="accent1"/>
+          </a:fillRef>
+          <a:effectRef idx="0">
+            <a:schemeClr val="accent1"/>
+          </a:effectRef>
+          <a:fontRef idx="minor">
+            <a:schemeClr val="lt1"/>
+          </a:fontRef>
+        </p:style>
+        <p:txBody>
+          <a:bodyPr rtlCol="0" anchor="ctr"/>
+          <a:lstStyle/>
+          <a:p>
+            <a:pPr algn="ctr"/>
+            <a:endParaRPr lang="en-AU"/>
+          </a:p>
+        </p:txBody>
+      </p:sp>
+      <p:grpSp>
+        <p:nvGrpSpPr>
+          <p:cNvPr id="35" name="Group 34">
+            <a:extLst>
+              <a:ext uri="{FF2B5EF4-FFF2-40B4-BE49-F238E27FC236}">
+                <a16:creationId xmlns:a16="http://schemas.microsoft.com/office/drawing/2014/main" id="{0C5BA981-B7B8-4A18-9B96-8F3026F704BD}"/>
+              </a:ext>
+            </a:extLst>
+          </p:cNvPr>
+          <p:cNvGrpSpPr/>
+          <p:nvPr/>
+        </p:nvGrpSpPr>
+        <p:grpSpPr>
+          <a:xfrm>
+            <a:off x="4656545" y="3952213"/>
+            <a:ext cx="1365399" cy="896386"/>
+            <a:chOff x="4378814" y="589005"/>
+            <a:chExt cx="1365399" cy="896386"/>
+          </a:xfrm>
+        </p:grpSpPr>
+        <p:sp>
+          <p:nvSpPr>
+            <p:cNvPr id="36" name="Oval 35">
+              <a:extLst>
+                <a:ext uri="{FF2B5EF4-FFF2-40B4-BE49-F238E27FC236}">
+                  <a16:creationId xmlns:a16="http://schemas.microsoft.com/office/drawing/2014/main" id="{E15871FC-3CBC-42A4-B377-B5CC9F5BC231}"/>
+                </a:ext>
+              </a:extLst>
+            </p:cNvPr>
+            <p:cNvSpPr/>
+            <p:nvPr/>
+          </p:nvSpPr>
+          <p:spPr>
+            <a:xfrm>
+              <a:off x="4378814" y="589005"/>
+              <a:ext cx="1294256" cy="896386"/>
+            </a:xfrm>
+            <a:prstGeom prst="ellipse">
+              <a:avLst/>
+            </a:prstGeom>
+            <a:solidFill>
+              <a:srgbClr val="C9BFB7">
+                <a:alpha val="10000"/>
+              </a:srgbClr>
+            </a:solidFill>
+            <a:ln>
+              <a:noFill/>
+            </a:ln>
+          </p:spPr>
+          <p:style>
+            <a:lnRef idx="2">
+              <a:schemeClr val="accent1">
+                <a:shade val="50000"/>
+              </a:schemeClr>
+            </a:lnRef>
+            <a:fillRef idx="1">
+              <a:schemeClr val="accent1"/>
+            </a:fillRef>
+            <a:effectRef idx="0">
+              <a:schemeClr val="accent1"/>
+            </a:effectRef>
+            <a:fontRef idx="minor">
+              <a:schemeClr val="lt1"/>
+            </a:fontRef>
+          </p:style>
+          <p:txBody>
+            <a:bodyPr rtlCol="0" anchor="ctr"/>
+            <a:lstStyle/>
+            <a:p>
+              <a:pPr algn="ctr"/>
+              <a:endParaRPr lang="en-AU" dirty="0"/>
+            </a:p>
+          </p:txBody>
+        </p:sp>
+        <p:sp>
+          <p:nvSpPr>
+            <p:cNvPr id="37" name="Rectangle 36">
+              <a:extLst>
+                <a:ext uri="{FF2B5EF4-FFF2-40B4-BE49-F238E27FC236}">
+                  <a16:creationId xmlns:a16="http://schemas.microsoft.com/office/drawing/2014/main" id="{1CDA8478-CB22-44CF-BFD8-F36F83B76BF6}"/>
+                </a:ext>
+              </a:extLst>
+            </p:cNvPr>
+            <p:cNvSpPr/>
+            <p:nvPr/>
+          </p:nvSpPr>
+          <p:spPr>
+            <a:xfrm>
+              <a:off x="4636517" y="730501"/>
+              <a:ext cx="1107696" cy="417983"/>
+            </a:xfrm>
+            <a:prstGeom prst="rect">
+              <a:avLst/>
+            </a:prstGeom>
+            <a:noFill/>
+            <a:ln/>
+            <a:effectLst/>
+          </p:spPr>
+          <p:style>
+            <a:lnRef idx="0">
+              <a:schemeClr val="dk1"/>
+            </a:lnRef>
+            <a:fillRef idx="3">
+              <a:schemeClr val="dk1"/>
+            </a:fillRef>
+            <a:effectRef idx="3">
+              <a:schemeClr val="dk1"/>
+            </a:effectRef>
+            <a:fontRef idx="minor">
+              <a:schemeClr val="lt1"/>
+            </a:fontRef>
+          </p:style>
+          <p:txBody>
+            <a:bodyPr rtlCol="0" anchor="ctr"/>
+            <a:lstStyle/>
+            <a:p>
+              <a:pPr marR="0" lvl="0" algn="l" defTabSz="342780" rtl="0" eaLnBrk="1" fontAlgn="auto" latinLnBrk="0" hangingPunct="1">
+                <a:lnSpc>
+                  <a:spcPct val="100000"/>
+                </a:lnSpc>
+                <a:spcBef>
+                  <a:spcPts val="0"/>
+                </a:spcBef>
+                <a:spcAft>
+                  <a:spcPts val="0"/>
+                </a:spcAft>
+                <a:buClrTx/>
+                <a:buSzTx/>
+                <a:tabLst/>
+                <a:defRPr/>
+              </a:pPr>
+              <a:r>
+                <a:rPr kumimoji="0" lang="en-US" sz="1200" b="1" i="0" u="none" strike="noStrike" kern="1200" cap="none" spc="0" normalizeH="0" baseline="0" noProof="0" dirty="0">
+                  <a:ln>
+                    <a:noFill/>
+                  </a:ln>
+                  <a:solidFill>
+                    <a:srgbClr val="094E5D"/>
+                  </a:solidFill>
+                  <a:effectLst/>
+                  <a:uLnTx/>
+                  <a:uFillTx/>
+                  <a:ea typeface="+mn-ea"/>
+                  <a:cs typeface="+mn-cs"/>
+                </a:rPr>
+                <a:t>Software Deployment Systems</a:t>
+              </a:r>
+            </a:p>
+          </p:txBody>
+        </p:sp>
+      </p:grpSp>
+      <p:grpSp>
+        <p:nvGrpSpPr>
+          <p:cNvPr id="38" name="Group 37">
+            <a:extLst>
+              <a:ext uri="{FF2B5EF4-FFF2-40B4-BE49-F238E27FC236}">
+                <a16:creationId xmlns:a16="http://schemas.microsoft.com/office/drawing/2014/main" id="{A0BFE294-C69C-4F56-B00F-DB0545AD782C}"/>
+              </a:ext>
+            </a:extLst>
+          </p:cNvPr>
+          <p:cNvGrpSpPr/>
+          <p:nvPr/>
+        </p:nvGrpSpPr>
+        <p:grpSpPr>
+          <a:xfrm>
+            <a:off x="5813636" y="3147797"/>
+            <a:ext cx="1299646" cy="896386"/>
+            <a:chOff x="4444567" y="520901"/>
+            <a:chExt cx="1299646" cy="896386"/>
+          </a:xfrm>
+        </p:grpSpPr>
+        <p:sp>
+          <p:nvSpPr>
+            <p:cNvPr id="39" name="Oval 38">
+              <a:extLst>
+                <a:ext uri="{FF2B5EF4-FFF2-40B4-BE49-F238E27FC236}">
+                  <a16:creationId xmlns:a16="http://schemas.microsoft.com/office/drawing/2014/main" id="{35BB33EC-54D0-457A-B8D9-EF67BF9DA015}"/>
+                </a:ext>
+              </a:extLst>
+            </p:cNvPr>
+            <p:cNvSpPr/>
+            <p:nvPr/>
+          </p:nvSpPr>
+          <p:spPr>
+            <a:xfrm>
+              <a:off x="4444567" y="520901"/>
+              <a:ext cx="1294256" cy="896386"/>
+            </a:xfrm>
+            <a:prstGeom prst="ellipse">
+              <a:avLst/>
+            </a:prstGeom>
+            <a:solidFill>
+              <a:srgbClr val="C9BFB7">
+                <a:alpha val="10000"/>
+              </a:srgbClr>
+            </a:solidFill>
+            <a:ln>
+              <a:noFill/>
+            </a:ln>
+          </p:spPr>
+          <p:style>
+            <a:lnRef idx="2">
+              <a:schemeClr val="accent1">
+                <a:shade val="50000"/>
+              </a:schemeClr>
+            </a:lnRef>
+            <a:fillRef idx="1">
+              <a:schemeClr val="accent1"/>
+            </a:fillRef>
+            <a:effectRef idx="0">
+              <a:schemeClr val="accent1"/>
+            </a:effectRef>
+            <a:fontRef idx="minor">
+              <a:schemeClr val="lt1"/>
+            </a:fontRef>
+          </p:style>
+          <p:txBody>
+            <a:bodyPr rtlCol="0" anchor="ctr"/>
+            <a:lstStyle/>
+            <a:p>
+              <a:pPr algn="ctr"/>
+              <a:endParaRPr lang="en-AU" dirty="0"/>
+            </a:p>
+          </p:txBody>
+        </p:sp>
+        <p:sp>
+          <p:nvSpPr>
+            <p:cNvPr id="40" name="Rectangle 39">
+              <a:extLst>
+                <a:ext uri="{FF2B5EF4-FFF2-40B4-BE49-F238E27FC236}">
+                  <a16:creationId xmlns:a16="http://schemas.microsoft.com/office/drawing/2014/main" id="{31277FF1-5C51-45B1-8D8C-FF8E87ECF3D0}"/>
+                </a:ext>
+              </a:extLst>
+            </p:cNvPr>
+            <p:cNvSpPr/>
+            <p:nvPr/>
+          </p:nvSpPr>
+          <p:spPr>
+            <a:xfrm>
+              <a:off x="4636517" y="730501"/>
+              <a:ext cx="1107696" cy="417983"/>
+            </a:xfrm>
+            <a:prstGeom prst="rect">
+              <a:avLst/>
+            </a:prstGeom>
+            <a:noFill/>
+            <a:ln/>
+            <a:effectLst/>
+          </p:spPr>
+          <p:style>
+            <a:lnRef idx="0">
+              <a:schemeClr val="dk1"/>
+            </a:lnRef>
+            <a:fillRef idx="3">
+              <a:schemeClr val="dk1"/>
+            </a:fillRef>
+            <a:effectRef idx="3">
+              <a:schemeClr val="dk1"/>
+            </a:effectRef>
+            <a:fontRef idx="minor">
+              <a:schemeClr val="lt1"/>
+            </a:fontRef>
+          </p:style>
+          <p:txBody>
+            <a:bodyPr rtlCol="0" anchor="ctr"/>
+            <a:lstStyle/>
+            <a:p>
+              <a:pPr marR="0" lvl="0" algn="l" defTabSz="342780" rtl="0" eaLnBrk="1" fontAlgn="auto" latinLnBrk="0" hangingPunct="1">
+                <a:lnSpc>
+                  <a:spcPct val="100000"/>
+                </a:lnSpc>
+                <a:spcBef>
+                  <a:spcPts val="0"/>
+                </a:spcBef>
+                <a:spcAft>
+                  <a:spcPts val="0"/>
+                </a:spcAft>
+                <a:buClrTx/>
+                <a:buSzTx/>
+                <a:tabLst/>
+                <a:defRPr/>
+              </a:pPr>
+              <a:r>
+                <a:rPr kumimoji="0" lang="en-US" sz="1200" b="1" i="0" u="none" strike="noStrike" kern="1200" cap="none" spc="0" normalizeH="0" baseline="0" noProof="0" dirty="0">
+                  <a:ln>
+                    <a:noFill/>
+                  </a:ln>
+                  <a:solidFill>
+                    <a:srgbClr val="094E5D"/>
+                  </a:solidFill>
+                  <a:effectLst/>
+                  <a:uLnTx/>
+                  <a:uFillTx/>
+                  <a:ea typeface="+mn-ea"/>
+                  <a:cs typeface="+mn-cs"/>
+                </a:rPr>
+                <a:t>Software Request System</a:t>
+              </a:r>
+            </a:p>
+          </p:txBody>
+        </p:sp>
+      </p:grpSp>
+      <p:sp>
+        <p:nvSpPr>
+          <p:cNvPr id="41" name="Arrow: Right 40">
+            <a:extLst>
+              <a:ext uri="{FF2B5EF4-FFF2-40B4-BE49-F238E27FC236}">
+                <a16:creationId xmlns:a16="http://schemas.microsoft.com/office/drawing/2014/main" id="{F624927C-AEF8-4291-B734-FD84C852A04F}"/>
+              </a:ext>
+            </a:extLst>
+          </p:cNvPr>
+          <p:cNvSpPr/>
+          <p:nvPr/>
+        </p:nvSpPr>
+        <p:spPr>
+          <a:xfrm rot="14151971">
+            <a:off x="4872418" y="3804103"/>
+            <a:ext cx="182520" cy="172015"/>
+          </a:xfrm>
+          <a:prstGeom prst="rightArrow">
+            <a:avLst/>
+          </a:prstGeom>
+          <a:solidFill>
+            <a:schemeClr val="accent6">
+              <a:lumMod val="90000"/>
+              <a:lumOff val="10000"/>
+            </a:schemeClr>
+          </a:solidFill>
+          <a:ln>
+            <a:solidFill>
+              <a:schemeClr val="tx2"/>
+            </a:solidFill>
+          </a:ln>
+        </p:spPr>
+        <p:style>
+          <a:lnRef idx="2">
+            <a:schemeClr val="accent1">
+              <a:shade val="50000"/>
+            </a:schemeClr>
+          </a:lnRef>
+          <a:fillRef idx="1">
+            <a:schemeClr val="accent1"/>
+          </a:fillRef>
+          <a:effectRef idx="0">
+            <a:schemeClr val="accent1"/>
+          </a:effectRef>
+          <a:fontRef idx="minor">
+            <a:schemeClr val="lt1"/>
+          </a:fontRef>
+        </p:style>
+        <p:txBody>
+          <a:bodyPr rtlCol="0" anchor="ctr"/>
+          <a:lstStyle/>
+          <a:p>
+            <a:pPr algn="ctr"/>
+            <a:endParaRPr lang="en-AU"/>
+          </a:p>
+        </p:txBody>
+      </p:sp>
+      <p:sp>
+        <p:nvSpPr>
+          <p:cNvPr id="42" name="Arrow: Right 41">
+            <a:extLst>
+              <a:ext uri="{FF2B5EF4-FFF2-40B4-BE49-F238E27FC236}">
+                <a16:creationId xmlns:a16="http://schemas.microsoft.com/office/drawing/2014/main" id="{2E960210-8607-47E7-A940-3374C40664DD}"/>
+              </a:ext>
+            </a:extLst>
+          </p:cNvPr>
+          <p:cNvSpPr/>
+          <p:nvPr/>
+        </p:nvSpPr>
+        <p:spPr>
+          <a:xfrm rot="8240028">
+            <a:off x="5838608" y="3907824"/>
+            <a:ext cx="182520" cy="172015"/>
+          </a:xfrm>
+          <a:prstGeom prst="rightArrow">
+            <a:avLst/>
+          </a:prstGeom>
+          <a:solidFill>
+            <a:schemeClr val="accent6">
+              <a:lumMod val="90000"/>
+              <a:lumOff val="10000"/>
+            </a:schemeClr>
+          </a:solidFill>
+          <a:ln>
+            <a:solidFill>
+              <a:schemeClr val="tx2"/>
+            </a:solidFill>
+          </a:ln>
+        </p:spPr>
+        <p:style>
+          <a:lnRef idx="2">
+            <a:schemeClr val="accent1">
+              <a:shade val="50000"/>
+            </a:schemeClr>
+          </a:lnRef>
+          <a:fillRef idx="1">
+            <a:schemeClr val="accent1"/>
+          </a:fillRef>
+          <a:effectRef idx="0">
+            <a:schemeClr val="accent1"/>
+          </a:effectRef>
+          <a:fontRef idx="minor">
+            <a:schemeClr val="lt1"/>
+          </a:fontRef>
+        </p:style>
+        <p:txBody>
+          <a:bodyPr rtlCol="0" anchor="ctr"/>
+          <a:lstStyle/>
+          <a:p>
+            <a:pPr algn="ctr"/>
+            <a:endParaRPr lang="en-AU"/>
+          </a:p>
+        </p:txBody>
+      </p:sp>
+      <p:sp>
+        <p:nvSpPr>
+          <p:cNvPr id="43" name="Arrow: Right 42">
+            <a:extLst>
+              <a:ext uri="{FF2B5EF4-FFF2-40B4-BE49-F238E27FC236}">
+                <a16:creationId xmlns:a16="http://schemas.microsoft.com/office/drawing/2014/main" id="{9E1B3DE3-F00A-4FE3-92ED-8CD39A9E2408}"/>
+              </a:ext>
+            </a:extLst>
+          </p:cNvPr>
+          <p:cNvSpPr/>
+          <p:nvPr/>
+        </p:nvSpPr>
+        <p:spPr>
+          <a:xfrm rot="1760394">
+            <a:off x="5674727" y="3360689"/>
+            <a:ext cx="182520" cy="172015"/>
+          </a:xfrm>
+          <a:prstGeom prst="rightArrow">
+            <a:avLst/>
+          </a:prstGeom>
+          <a:solidFill>
+            <a:schemeClr val="accent6">
+              <a:lumMod val="90000"/>
+              <a:lumOff val="10000"/>
+            </a:schemeClr>
+          </a:solidFill>
+          <a:ln>
+            <a:solidFill>
+              <a:schemeClr val="tx2"/>
+            </a:solidFill>
+          </a:ln>
+        </p:spPr>
+        <p:style>
+          <a:lnRef idx="2">
+            <a:schemeClr val="accent1">
+              <a:shade val="50000"/>
+            </a:schemeClr>
+          </a:lnRef>
+          <a:fillRef idx="1">
+            <a:schemeClr val="accent1"/>
+          </a:fillRef>
+          <a:effectRef idx="0">
+            <a:schemeClr val="accent1"/>
+          </a:effectRef>
+          <a:fontRef idx="minor">
+            <a:schemeClr val="lt1"/>
+          </a:fontRef>
+        </p:style>
+        <p:txBody>
+          <a:bodyPr rtlCol="0" anchor="ctr"/>
+          <a:lstStyle/>
+          <a:p>
+            <a:pPr algn="ctr"/>
+            <a:endParaRPr lang="en-AU"/>
+          </a:p>
+        </p:txBody>
+      </p:sp>
+      <p:sp>
+        <p:nvSpPr>
+          <p:cNvPr id="44" name="Arrow: Right 43">
+            <a:extLst>
+              <a:ext uri="{FF2B5EF4-FFF2-40B4-BE49-F238E27FC236}">
+                <a16:creationId xmlns:a16="http://schemas.microsoft.com/office/drawing/2014/main" id="{81B10558-BCBB-4572-B59C-FC73C2B22B59}"/>
+              </a:ext>
+            </a:extLst>
+          </p:cNvPr>
+          <p:cNvSpPr/>
+          <p:nvPr/>
+        </p:nvSpPr>
+        <p:spPr>
+          <a:xfrm rot="12632634">
+            <a:off x="5762404" y="3191187"/>
+            <a:ext cx="182520" cy="172015"/>
+          </a:xfrm>
+          <a:prstGeom prst="rightArrow">
+            <a:avLst/>
+          </a:prstGeom>
+          <a:solidFill>
+            <a:schemeClr val="accent6">
+              <a:lumMod val="90000"/>
+              <a:lumOff val="10000"/>
+            </a:schemeClr>
+          </a:solidFill>
+          <a:ln>
+            <a:solidFill>
+              <a:schemeClr val="tx2"/>
+            </a:solidFill>
+          </a:ln>
+        </p:spPr>
+        <p:style>
+          <a:lnRef idx="2">
+            <a:schemeClr val="accent1">
+              <a:shade val="50000"/>
+            </a:schemeClr>
+          </a:lnRef>
+          <a:fillRef idx="1">
+            <a:schemeClr val="accent1"/>
+          </a:fillRef>
+          <a:effectRef idx="0">
+            <a:schemeClr val="accent1"/>
+          </a:effectRef>
+          <a:fontRef idx="minor">
+            <a:schemeClr val="lt1"/>
+          </a:fontRef>
+        </p:style>
+        <p:txBody>
+          <a:bodyPr rtlCol="0" anchor="ctr"/>
+          <a:lstStyle/>
+          <a:p>
+            <a:pPr algn="ctr"/>
+            <a:endParaRPr lang="en-AU"/>
+          </a:p>
+        </p:txBody>
+      </p:sp>
+      <p:pic>
+        <p:nvPicPr>
+          <p:cNvPr id="45" name="Picture 44" descr="A picture containing drawing&#10;&#10;Description automatically generated">
+            <a:extLst>
+              <a:ext uri="{FF2B5EF4-FFF2-40B4-BE49-F238E27FC236}">
+                <a16:creationId xmlns:a16="http://schemas.microsoft.com/office/drawing/2014/main" id="{66DB99D9-986A-44A6-9536-C11B8FA6CE2C}"/>
+              </a:ext>
+            </a:extLst>
+          </p:cNvPr>
+          <p:cNvPicPr>
+            <a:picLocks noChangeAspect="1"/>
+          </p:cNvPicPr>
+          <p:nvPr/>
+        </p:nvPicPr>
+        <p:blipFill rotWithShape="1">
+          <a:blip r:embed="rId4">
+            <a:extLst>
+              <a:ext uri="{28A0092B-C50C-407E-A947-70E740481C1C}">
+                <a14:useLocalDpi xmlns:a14="http://schemas.microsoft.com/office/drawing/2010/main" val="0"/>
+              </a:ext>
+            </a:extLst>
+          </a:blip>
+          <a:srcRect r="67582" b="55177"/>
+          <a:stretch/>
+        </p:blipFill>
+        <p:spPr>
+          <a:xfrm>
+            <a:off x="4975509" y="687360"/>
+            <a:ext cx="790478" cy="849611"/>
+          </a:xfrm>
+          <a:prstGeom prst="rect">
+            <a:avLst/>
+          </a:prstGeom>
+        </p:spPr>
+      </p:pic>
+      <p:pic>
+        <p:nvPicPr>
+          <p:cNvPr id="47" name="Picture 46" descr="A picture containing drawing&#10;&#10;Description automatically generated">
+            <a:extLst>
+              <a:ext uri="{FF2B5EF4-FFF2-40B4-BE49-F238E27FC236}">
+                <a16:creationId xmlns:a16="http://schemas.microsoft.com/office/drawing/2014/main" id="{4FE8C58B-52AC-42A5-A25B-54A3DA4C6E41}"/>
+              </a:ext>
+            </a:extLst>
+          </p:cNvPr>
+          <p:cNvPicPr>
+            <a:picLocks noChangeAspect="1"/>
+          </p:cNvPicPr>
+          <p:nvPr/>
+        </p:nvPicPr>
+        <p:blipFill rotWithShape="1">
+          <a:blip r:embed="rId4">
+            <a:extLst>
+              <a:ext uri="{28A0092B-C50C-407E-A947-70E740481C1C}">
+                <a14:useLocalDpi xmlns:a14="http://schemas.microsoft.com/office/drawing/2010/main" val="0"/>
+              </a:ext>
+            </a:extLst>
+          </a:blip>
+          <a:srcRect l="69684" b="55177"/>
+          <a:stretch/>
+        </p:blipFill>
+        <p:spPr>
+          <a:xfrm>
+            <a:off x="6216166" y="1955360"/>
+            <a:ext cx="739237" cy="849611"/>
+          </a:xfrm>
+          <a:prstGeom prst="rect">
+            <a:avLst/>
+          </a:prstGeom>
+        </p:spPr>
+      </p:pic>
+      <p:pic>
+        <p:nvPicPr>
+          <p:cNvPr id="49" name="Picture 48" descr="A picture containing drawing&#10;&#10;Description automatically generated">
+            <a:extLst>
+              <a:ext uri="{FF2B5EF4-FFF2-40B4-BE49-F238E27FC236}">
+                <a16:creationId xmlns:a16="http://schemas.microsoft.com/office/drawing/2014/main" id="{B2E39395-E680-43F8-8C77-2CCC1B98BCBC}"/>
+              </a:ext>
+            </a:extLst>
+          </p:cNvPr>
+          <p:cNvPicPr>
+            <a:picLocks noChangeAspect="1"/>
+          </p:cNvPicPr>
+          <p:nvPr/>
+        </p:nvPicPr>
+        <p:blipFill rotWithShape="1">
+          <a:blip r:embed="rId4">
+            <a:extLst>
+              <a:ext uri="{28A0092B-C50C-407E-A947-70E740481C1C}">
+                <a14:useLocalDpi xmlns:a14="http://schemas.microsoft.com/office/drawing/2010/main" val="0"/>
+              </a:ext>
+            </a:extLst>
+          </a:blip>
+          <a:srcRect l="60617" t="52710" r="-3576" b="-3072"/>
+          <a:stretch/>
+        </p:blipFill>
+        <p:spPr>
+          <a:xfrm>
+            <a:off x="6996050" y="3653318"/>
+            <a:ext cx="1047504" cy="954591"/>
+          </a:xfrm>
+          <a:prstGeom prst="rect">
+            <a:avLst/>
+          </a:prstGeom>
+        </p:spPr>
+      </p:pic>
+      <p:sp>
+        <p:nvSpPr>
+          <p:cNvPr id="50" name="Arrow: Right 49">
+            <a:extLst>
+              <a:ext uri="{FF2B5EF4-FFF2-40B4-BE49-F238E27FC236}">
+                <a16:creationId xmlns:a16="http://schemas.microsoft.com/office/drawing/2014/main" id="{BB105998-C8CD-465F-9228-AF82BC749A72}"/>
+              </a:ext>
+            </a:extLst>
+          </p:cNvPr>
+          <p:cNvSpPr/>
+          <p:nvPr/>
+        </p:nvSpPr>
+        <p:spPr>
+          <a:xfrm rot="12737760">
+            <a:off x="7050057" y="3804425"/>
+            <a:ext cx="182520" cy="172015"/>
+          </a:xfrm>
+          <a:prstGeom prst="rightArrow">
+            <a:avLst/>
+          </a:prstGeom>
+          <a:solidFill>
+            <a:schemeClr val="accent6">
+              <a:lumMod val="90000"/>
+              <a:lumOff val="10000"/>
+            </a:schemeClr>
+          </a:solidFill>
+          <a:ln>
+            <a:solidFill>
+              <a:schemeClr val="tx2"/>
+            </a:solidFill>
+          </a:ln>
+        </p:spPr>
+        <p:style>
+          <a:lnRef idx="2">
+            <a:schemeClr val="accent1">
+              <a:shade val="50000"/>
+            </a:schemeClr>
+          </a:lnRef>
+          <a:fillRef idx="1">
+            <a:schemeClr val="accent1"/>
+          </a:fillRef>
+          <a:effectRef idx="0">
+            <a:schemeClr val="accent1"/>
+          </a:effectRef>
+          <a:fontRef idx="minor">
+            <a:schemeClr val="lt1"/>
+          </a:fontRef>
+        </p:style>
+        <p:txBody>
+          <a:bodyPr rtlCol="0" anchor="ctr"/>
+          <a:lstStyle/>
+          <a:p>
+            <a:pPr algn="ctr"/>
+            <a:endParaRPr lang="en-AU"/>
+          </a:p>
+        </p:txBody>
+      </p:sp>
+      <p:sp>
+        <p:nvSpPr>
+          <p:cNvPr id="51" name="Arrow: Right 50">
+            <a:extLst>
+              <a:ext uri="{FF2B5EF4-FFF2-40B4-BE49-F238E27FC236}">
+                <a16:creationId xmlns:a16="http://schemas.microsoft.com/office/drawing/2014/main" id="{7A218FF4-0DE3-436B-AAF7-3E2F3D1C96D1}"/>
+              </a:ext>
+            </a:extLst>
+          </p:cNvPr>
+          <p:cNvSpPr/>
+          <p:nvPr/>
+        </p:nvSpPr>
+        <p:spPr>
+          <a:xfrm rot="8987963">
+            <a:off x="5881324" y="2345133"/>
+            <a:ext cx="182520" cy="172015"/>
+          </a:xfrm>
+          <a:prstGeom prst="rightArrow">
+            <a:avLst/>
+          </a:prstGeom>
+          <a:solidFill>
+            <a:schemeClr val="accent6">
+              <a:lumMod val="90000"/>
+              <a:lumOff val="10000"/>
+            </a:schemeClr>
+          </a:solidFill>
+          <a:ln>
+            <a:solidFill>
+              <a:schemeClr val="tx2"/>
+            </a:solidFill>
+          </a:ln>
+        </p:spPr>
+        <p:style>
+          <a:lnRef idx="2">
+            <a:schemeClr val="accent1">
+              <a:shade val="50000"/>
+            </a:schemeClr>
+          </a:lnRef>
+          <a:fillRef idx="1">
+            <a:schemeClr val="accent1"/>
+          </a:fillRef>
+          <a:effectRef idx="0">
+            <a:schemeClr val="accent1"/>
+          </a:effectRef>
+          <a:fontRef idx="minor">
+            <a:schemeClr val="lt1"/>
+          </a:fontRef>
+        </p:style>
+        <p:txBody>
+          <a:bodyPr rtlCol="0" anchor="ctr"/>
+          <a:lstStyle/>
+          <a:p>
+            <a:pPr algn="ctr"/>
+            <a:endParaRPr lang="en-AU"/>
+          </a:p>
+        </p:txBody>
+      </p:sp>
+      <p:sp>
+        <p:nvSpPr>
+          <p:cNvPr id="52" name="Arrow: Right 51">
+            <a:extLst>
+              <a:ext uri="{FF2B5EF4-FFF2-40B4-BE49-F238E27FC236}">
+                <a16:creationId xmlns:a16="http://schemas.microsoft.com/office/drawing/2014/main" id="{14AB7ACE-5D2A-4338-A897-B146185DA4F3}"/>
+              </a:ext>
+            </a:extLst>
+          </p:cNvPr>
+          <p:cNvSpPr/>
+          <p:nvPr/>
+        </p:nvSpPr>
+        <p:spPr>
+          <a:xfrm rot="19873466">
+            <a:off x="6023301" y="2489213"/>
+            <a:ext cx="182520" cy="172015"/>
+          </a:xfrm>
+          <a:prstGeom prst="rightArrow">
+            <a:avLst/>
+          </a:prstGeom>
+          <a:solidFill>
+            <a:schemeClr val="accent6">
+              <a:lumMod val="90000"/>
+              <a:lumOff val="10000"/>
+            </a:schemeClr>
+          </a:solidFill>
+          <a:ln>
+            <a:solidFill>
+              <a:schemeClr val="tx2"/>
+            </a:solidFill>
+          </a:ln>
+        </p:spPr>
+        <p:style>
+          <a:lnRef idx="2">
+            <a:schemeClr val="accent1">
+              <a:shade val="50000"/>
+            </a:schemeClr>
+          </a:lnRef>
+          <a:fillRef idx="1">
+            <a:schemeClr val="accent1"/>
+          </a:fillRef>
+          <a:effectRef idx="0">
+            <a:schemeClr val="accent1"/>
+          </a:effectRef>
+          <a:fontRef idx="minor">
+            <a:schemeClr val="lt1"/>
+          </a:fontRef>
+        </p:style>
+        <p:txBody>
+          <a:bodyPr rtlCol="0" anchor="ctr"/>
+          <a:lstStyle/>
+          <a:p>
+            <a:pPr algn="ctr"/>
+            <a:endParaRPr lang="en-AU"/>
+          </a:p>
+        </p:txBody>
+      </p:sp>
+      <p:sp>
+        <p:nvSpPr>
+          <p:cNvPr id="53" name="Arrow: Right 52">
+            <a:extLst>
+              <a:ext uri="{FF2B5EF4-FFF2-40B4-BE49-F238E27FC236}">
+                <a16:creationId xmlns:a16="http://schemas.microsoft.com/office/drawing/2014/main" id="{CB2F09F2-99F0-4790-B375-A6ED4463A181}"/>
+              </a:ext>
+            </a:extLst>
+          </p:cNvPr>
+          <p:cNvSpPr/>
+          <p:nvPr/>
+        </p:nvSpPr>
+        <p:spPr>
+          <a:xfrm rot="16464042">
+            <a:off x="6560931" y="2890577"/>
+            <a:ext cx="182520" cy="172015"/>
+          </a:xfrm>
+          <a:prstGeom prst="rightArrow">
+            <a:avLst/>
+          </a:prstGeom>
+          <a:solidFill>
+            <a:schemeClr val="accent6">
+              <a:lumMod val="90000"/>
+              <a:lumOff val="10000"/>
+            </a:schemeClr>
+          </a:solidFill>
+          <a:ln>
+            <a:solidFill>
+              <a:schemeClr val="tx2"/>
+            </a:solidFill>
+          </a:ln>
+        </p:spPr>
+        <p:style>
+          <a:lnRef idx="2">
+            <a:schemeClr val="accent1">
+              <a:shade val="50000"/>
+            </a:schemeClr>
+          </a:lnRef>
+          <a:fillRef idx="1">
+            <a:schemeClr val="accent1"/>
+          </a:fillRef>
+          <a:effectRef idx="0">
+            <a:schemeClr val="accent1"/>
+          </a:effectRef>
+          <a:fontRef idx="minor">
+            <a:schemeClr val="lt1"/>
+          </a:fontRef>
+        </p:style>
+        <p:txBody>
+          <a:bodyPr rtlCol="0" anchor="ctr"/>
+          <a:lstStyle/>
+          <a:p>
+            <a:pPr algn="ctr"/>
+            <a:endParaRPr lang="en-AU"/>
+          </a:p>
+        </p:txBody>
+      </p:sp>
+      <p:sp>
+        <p:nvSpPr>
+          <p:cNvPr id="54" name="Arrow: Right 53">
+            <a:extLst>
+              <a:ext uri="{FF2B5EF4-FFF2-40B4-BE49-F238E27FC236}">
+                <a16:creationId xmlns:a16="http://schemas.microsoft.com/office/drawing/2014/main" id="{EAC05CC8-9EDB-445A-95FD-0B99C0D41805}"/>
+              </a:ext>
+            </a:extLst>
+          </p:cNvPr>
+          <p:cNvSpPr/>
+          <p:nvPr/>
+        </p:nvSpPr>
+        <p:spPr>
+          <a:xfrm rot="5768984">
+            <a:off x="6315503" y="2868439"/>
+            <a:ext cx="182520" cy="172015"/>
+          </a:xfrm>
+          <a:prstGeom prst="rightArrow">
+            <a:avLst/>
+          </a:prstGeom>
+          <a:solidFill>
+            <a:schemeClr val="accent6">
+              <a:lumMod val="90000"/>
+              <a:lumOff val="10000"/>
+            </a:schemeClr>
+          </a:solidFill>
+          <a:ln>
+            <a:solidFill>
+              <a:schemeClr val="tx2"/>
+            </a:solidFill>
+          </a:ln>
+        </p:spPr>
+        <p:style>
+          <a:lnRef idx="2">
+            <a:schemeClr val="accent1">
+              <a:shade val="50000"/>
+            </a:schemeClr>
+          </a:lnRef>
+          <a:fillRef idx="1">
+            <a:schemeClr val="accent1"/>
+          </a:fillRef>
+          <a:effectRef idx="0">
+            <a:schemeClr val="accent1"/>
+          </a:effectRef>
+          <a:fontRef idx="minor">
+            <a:schemeClr val="lt1"/>
+          </a:fontRef>
+        </p:style>
+        <p:txBody>
+          <a:bodyPr rtlCol="0" anchor="ctr"/>
+          <a:lstStyle/>
+          <a:p>
+            <a:pPr algn="ctr"/>
+            <a:endParaRPr lang="en-AU"/>
+          </a:p>
+        </p:txBody>
+      </p:sp>
+      <p:sp>
+        <p:nvSpPr>
+          <p:cNvPr id="55" name="Arrow: Right 54">
+            <a:extLst>
+              <a:ext uri="{FF2B5EF4-FFF2-40B4-BE49-F238E27FC236}">
+                <a16:creationId xmlns:a16="http://schemas.microsoft.com/office/drawing/2014/main" id="{83EBC9AF-D70E-495F-8218-592852655157}"/>
+              </a:ext>
+            </a:extLst>
+          </p:cNvPr>
+          <p:cNvSpPr/>
+          <p:nvPr/>
+        </p:nvSpPr>
+        <p:spPr>
+          <a:xfrm rot="8025613">
+            <a:off x="4822987" y="1368650"/>
+            <a:ext cx="182520" cy="172015"/>
+          </a:xfrm>
+          <a:prstGeom prst="rightArrow">
+            <a:avLst/>
+          </a:prstGeom>
+          <a:solidFill>
+            <a:schemeClr val="accent6">
+              <a:lumMod val="90000"/>
+              <a:lumOff val="10000"/>
+            </a:schemeClr>
+          </a:solidFill>
+          <a:ln>
+            <a:solidFill>
+              <a:schemeClr val="tx2"/>
+            </a:solidFill>
+          </a:ln>
+        </p:spPr>
+        <p:style>
+          <a:lnRef idx="2">
+            <a:schemeClr val="accent1">
+              <a:shade val="50000"/>
+            </a:schemeClr>
+          </a:lnRef>
+          <a:fillRef idx="1">
+            <a:schemeClr val="accent1"/>
+          </a:fillRef>
+          <a:effectRef idx="0">
+            <a:schemeClr val="accent1"/>
+          </a:effectRef>
+          <a:fontRef idx="minor">
+            <a:schemeClr val="lt1"/>
+          </a:fontRef>
+        </p:style>
+        <p:txBody>
+          <a:bodyPr rtlCol="0" anchor="ctr"/>
+          <a:lstStyle/>
+          <a:p>
+            <a:pPr algn="ctr"/>
+            <a:endParaRPr lang="en-AU"/>
+          </a:p>
+        </p:txBody>
+      </p:sp>
+      <p:sp>
+        <p:nvSpPr>
+          <p:cNvPr id="56" name="Arrow: Right 55">
+            <a:extLst>
+              <a:ext uri="{FF2B5EF4-FFF2-40B4-BE49-F238E27FC236}">
+                <a16:creationId xmlns:a16="http://schemas.microsoft.com/office/drawing/2014/main" id="{DE60FDA2-1FE5-4366-AF43-DDD9CFC56700}"/>
+              </a:ext>
+            </a:extLst>
+          </p:cNvPr>
+          <p:cNvSpPr/>
+          <p:nvPr/>
+        </p:nvSpPr>
+        <p:spPr>
+          <a:xfrm rot="18638612">
+            <a:off x="4994819" y="1466766"/>
+            <a:ext cx="182520" cy="172015"/>
+          </a:xfrm>
+          <a:prstGeom prst="rightArrow">
+            <a:avLst/>
+          </a:prstGeom>
+          <a:solidFill>
+            <a:schemeClr val="accent6">
+              <a:lumMod val="90000"/>
+              <a:lumOff val="10000"/>
+            </a:schemeClr>
+          </a:solidFill>
+          <a:ln>
+            <a:solidFill>
+              <a:schemeClr val="tx2"/>
+            </a:solidFill>
+          </a:ln>
+        </p:spPr>
+        <p:style>
+          <a:lnRef idx="2">
+            <a:schemeClr val="accent1">
+              <a:shade val="50000"/>
+            </a:schemeClr>
+          </a:lnRef>
+          <a:fillRef idx="1">
+            <a:schemeClr val="accent1"/>
+          </a:fillRef>
+          <a:effectRef idx="0">
+            <a:schemeClr val="accent1"/>
+          </a:effectRef>
+          <a:fontRef idx="minor">
+            <a:schemeClr val="lt1"/>
+          </a:fontRef>
+        </p:style>
+        <p:txBody>
+          <a:bodyPr rtlCol="0" anchor="ctr"/>
+          <a:lstStyle/>
+          <a:p>
+            <a:pPr algn="ctr"/>
+            <a:endParaRPr lang="en-AU"/>
+          </a:p>
+        </p:txBody>
+      </p:sp>
+      <p:sp>
+        <p:nvSpPr>
+          <p:cNvPr id="57" name="Rectangle 56">
+            <a:extLst>
+              <a:ext uri="{FF2B5EF4-FFF2-40B4-BE49-F238E27FC236}">
+                <a16:creationId xmlns:a16="http://schemas.microsoft.com/office/drawing/2014/main" id="{C97802B4-1A12-4CC1-A8D1-26E67200092C}"/>
+              </a:ext>
+            </a:extLst>
+          </p:cNvPr>
+          <p:cNvSpPr/>
+          <p:nvPr/>
+        </p:nvSpPr>
+        <p:spPr>
+          <a:xfrm>
+            <a:off x="6710564" y="1693985"/>
+            <a:ext cx="1285779" cy="588995"/>
+          </a:xfrm>
+          <a:prstGeom prst="rect">
+            <a:avLst/>
+          </a:prstGeom>
+          <a:noFill/>
+          <a:ln/>
+          <a:effectLst/>
+        </p:spPr>
+        <p:style>
+          <a:lnRef idx="0">
+            <a:schemeClr val="dk1"/>
+          </a:lnRef>
+          <a:fillRef idx="3">
+            <a:schemeClr val="dk1"/>
+          </a:fillRef>
+          <a:effectRef idx="3">
+            <a:schemeClr val="dk1"/>
+          </a:effectRef>
+          <a:fontRef idx="minor">
+            <a:schemeClr val="lt1"/>
+          </a:fontRef>
+        </p:style>
+        <p:txBody>
+          <a:bodyPr rtlCol="0" anchor="ctr"/>
+          <a:lstStyle/>
+          <a:p>
+            <a:pPr marR="0" lvl="0" algn="l" defTabSz="342780" rtl="0" eaLnBrk="1" fontAlgn="auto" latinLnBrk="0" hangingPunct="1">
+              <a:lnSpc>
+                <a:spcPct val="100000"/>
+              </a:lnSpc>
+              <a:spcBef>
+                <a:spcPts val="0"/>
+              </a:spcBef>
+              <a:spcAft>
+                <a:spcPts val="0"/>
+              </a:spcAft>
+              <a:buClrTx/>
+              <a:buSzTx/>
+              <a:tabLst/>
+              <a:defRPr/>
+            </a:pPr>
+            <a:r>
+              <a:rPr kumimoji="0" lang="en-US" sz="1200" b="1" i="0" u="none" strike="noStrike" kern="1200" cap="none" spc="0" normalizeH="0" baseline="0" noProof="0" dirty="0">
+                <a:ln>
+                  <a:noFill/>
+                </a:ln>
+                <a:solidFill>
+                  <a:schemeClr val="accent1"/>
+                </a:solidFill>
+                <a:effectLst/>
+                <a:uLnTx/>
+                <a:uFillTx/>
+                <a:ea typeface="+mn-ea"/>
+                <a:cs typeface="+mn-cs"/>
+              </a:rPr>
+              <a:t>SAM Managed Service Administrators</a:t>
+            </a:r>
+          </a:p>
+        </p:txBody>
+      </p:sp>
+      <p:sp>
+        <p:nvSpPr>
+          <p:cNvPr id="58" name="Rectangle 57">
+            <a:extLst>
+              <a:ext uri="{FF2B5EF4-FFF2-40B4-BE49-F238E27FC236}">
+                <a16:creationId xmlns:a16="http://schemas.microsoft.com/office/drawing/2014/main" id="{43B037BB-4751-48D6-9F93-9BC3E3F37B57}"/>
+              </a:ext>
+            </a:extLst>
+          </p:cNvPr>
+          <p:cNvSpPr/>
+          <p:nvPr/>
+        </p:nvSpPr>
+        <p:spPr>
+          <a:xfrm>
+            <a:off x="5593064" y="691070"/>
+            <a:ext cx="1285779" cy="417983"/>
+          </a:xfrm>
+          <a:prstGeom prst="rect">
+            <a:avLst/>
+          </a:prstGeom>
+          <a:noFill/>
+          <a:ln/>
+          <a:effectLst/>
+        </p:spPr>
+        <p:style>
+          <a:lnRef idx="0">
+            <a:schemeClr val="dk1"/>
+          </a:lnRef>
+          <a:fillRef idx="3">
+            <a:schemeClr val="dk1"/>
+          </a:fillRef>
+          <a:effectRef idx="3">
+            <a:schemeClr val="dk1"/>
+          </a:effectRef>
+          <a:fontRef idx="minor">
+            <a:schemeClr val="lt1"/>
+          </a:fontRef>
+        </p:style>
+        <p:txBody>
+          <a:bodyPr rtlCol="0" anchor="ctr"/>
+          <a:lstStyle/>
+          <a:p>
+            <a:pPr marR="0" lvl="0" algn="l" defTabSz="342780" rtl="0" eaLnBrk="1" fontAlgn="auto" latinLnBrk="0" hangingPunct="1">
+              <a:lnSpc>
+                <a:spcPct val="100000"/>
+              </a:lnSpc>
+              <a:spcBef>
+                <a:spcPts val="0"/>
+              </a:spcBef>
+              <a:spcAft>
+                <a:spcPts val="0"/>
+              </a:spcAft>
+              <a:buClrTx/>
+              <a:buSzTx/>
+              <a:tabLst/>
+              <a:defRPr/>
+            </a:pPr>
+            <a:r>
+              <a:rPr kumimoji="0" lang="en-US" sz="1200" b="1" i="0" u="none" strike="noStrike" kern="1200" cap="none" spc="0" normalizeH="0" baseline="0" noProof="0" dirty="0">
+                <a:ln>
+                  <a:noFill/>
+                </a:ln>
+                <a:solidFill>
+                  <a:schemeClr val="accent1"/>
+                </a:solidFill>
+                <a:effectLst/>
+                <a:uLnTx/>
+                <a:uFillTx/>
+                <a:ea typeface="+mn-ea"/>
+                <a:cs typeface="+mn-cs"/>
+              </a:rPr>
+              <a:t>SAM Users</a:t>
+            </a:r>
+          </a:p>
+        </p:txBody>
+      </p:sp>
+      <p:sp>
+        <p:nvSpPr>
+          <p:cNvPr id="59" name="Rectangle 58">
+            <a:extLst>
+              <a:ext uri="{FF2B5EF4-FFF2-40B4-BE49-F238E27FC236}">
+                <a16:creationId xmlns:a16="http://schemas.microsoft.com/office/drawing/2014/main" id="{60602E5E-6A94-48F9-BE18-663AD8850F68}"/>
+              </a:ext>
+            </a:extLst>
+          </p:cNvPr>
+          <p:cNvSpPr/>
+          <p:nvPr/>
+        </p:nvSpPr>
+        <p:spPr>
+          <a:xfrm>
+            <a:off x="6669547" y="4508947"/>
+            <a:ext cx="1285779" cy="417983"/>
+          </a:xfrm>
+          <a:prstGeom prst="rect">
+            <a:avLst/>
+          </a:prstGeom>
+          <a:noFill/>
+          <a:ln/>
+          <a:effectLst/>
+        </p:spPr>
+        <p:style>
+          <a:lnRef idx="0">
+            <a:schemeClr val="dk1"/>
+          </a:lnRef>
+          <a:fillRef idx="3">
+            <a:schemeClr val="dk1"/>
+          </a:fillRef>
+          <a:effectRef idx="3">
+            <a:schemeClr val="dk1"/>
+          </a:effectRef>
+          <a:fontRef idx="minor">
+            <a:schemeClr val="lt1"/>
+          </a:fontRef>
+        </p:style>
+        <p:txBody>
+          <a:bodyPr rtlCol="0" anchor="ctr"/>
+          <a:lstStyle/>
+          <a:p>
+            <a:pPr marR="0" lvl="0" algn="l" defTabSz="342780" rtl="0" eaLnBrk="1" fontAlgn="auto" latinLnBrk="0" hangingPunct="1">
+              <a:lnSpc>
+                <a:spcPct val="100000"/>
+              </a:lnSpc>
+              <a:spcBef>
+                <a:spcPts val="0"/>
+              </a:spcBef>
+              <a:spcAft>
+                <a:spcPts val="0"/>
+              </a:spcAft>
+              <a:buClrTx/>
+              <a:buSzTx/>
+              <a:tabLst/>
+              <a:defRPr/>
+            </a:pPr>
+            <a:r>
+              <a:rPr kumimoji="0" lang="en-US" sz="1200" b="1" i="0" u="none" strike="noStrike" kern="1200" cap="none" spc="0" normalizeH="0" baseline="0" noProof="0" dirty="0">
+                <a:ln>
+                  <a:noFill/>
+                </a:ln>
+                <a:solidFill>
+                  <a:schemeClr val="accent5"/>
+                </a:solidFill>
+                <a:effectLst/>
+                <a:uLnTx/>
+                <a:uFillTx/>
+                <a:ea typeface="+mn-ea"/>
+                <a:cs typeface="+mn-cs"/>
+              </a:rPr>
+              <a:t>EUC Users</a:t>
+            </a:r>
+          </a:p>
+        </p:txBody>
+      </p:sp>
+    </p:spTree>
+    <p:extLst>
+      <p:ext uri="{BB962C8B-B14F-4D97-AF65-F5344CB8AC3E}">
+        <p14:creationId xmlns:p14="http://schemas.microsoft.com/office/powerpoint/2010/main" val="2504039863"/>
+      </p:ext>
+    </p:extLst>
+  </p:cSld>
+  <p:clrMapOvr>
+    <a:masterClrMapping/>
+  </p:clrMapOvr>
+  <mc:AlternateContent xmlns:mc="http://schemas.openxmlformats.org/markup-compatibility/2006" xmlns:p14="http://schemas.microsoft.com/office/powerpoint/2010/main">
+    <mc:Choice Requires="p14">
+      <p:transition p14:dur="10">
+        <p:fade/>
+      </p:transition>
+    </mc:Choice>
+    <mc:Fallback xmlns="">
+      <p:transition>
+        <p:fade/>
+      </p:transition>
+    </mc:Fallback>
+  </mc:AlternateContent>
+</p:sld>
+</file>
+
+<file path=ppt/slides/slide5.xml><?xml version="1.0" encoding="utf-8"?>
 <p:sld xmlns:a="http://schemas.openxmlformats.org/drawingml/2006/main" xmlns:r="http://schemas.openxmlformats.org/officeDocument/2006/relationships" xmlns:p="http://schemas.openxmlformats.org/presentationml/2006/main">
   <p:cSld>
     <p:spTree>
@@ -22084,7 +25398,7 @@
 </p:sld>
 </file>
 
-<file path=ppt/slides/slide5.xml><?xml version="1.0" encoding="utf-8"?>
+<file path=ppt/slides/slide6.xml><?xml version="1.0" encoding="utf-8"?>
 <p:sld xmlns:a="http://schemas.openxmlformats.org/drawingml/2006/main" xmlns:r="http://schemas.openxmlformats.org/officeDocument/2006/relationships" xmlns:p="http://schemas.openxmlformats.org/presentationml/2006/main">
   <p:cSld>
     <p:spTree>
@@ -26073,7 +29387,7 @@
 </p:sld>
 </file>
 
-<file path=ppt/slides/slide6.xml><?xml version="1.0" encoding="utf-8"?>
+<file path=ppt/slides/slide7.xml><?xml version="1.0" encoding="utf-8"?>
 <p:sld xmlns:a="http://schemas.openxmlformats.org/drawingml/2006/main" xmlns:r="http://schemas.openxmlformats.org/officeDocument/2006/relationships" xmlns:p="http://schemas.openxmlformats.org/presentationml/2006/main">
   <p:cSld>
     <p:spTree>
@@ -29631,7 +32945,7 @@
 </p:sld>
 </file>
 
-<file path=ppt/slides/slide7.xml><?xml version="1.0" encoding="utf-8"?>
+<file path=ppt/slides/slide8.xml><?xml version="1.0" encoding="utf-8"?>
 <p:sld xmlns:a="http://schemas.openxmlformats.org/drawingml/2006/main" xmlns:r="http://schemas.openxmlformats.org/officeDocument/2006/relationships" xmlns:p="http://schemas.openxmlformats.org/presentationml/2006/main">
   <p:cSld>
     <p:spTree>
@@ -32309,7 +35623,7 @@
 </p:sld>
 </file>
 
-<file path=ppt/slides/slide8.xml><?xml version="1.0" encoding="utf-8"?>
+<file path=ppt/slides/slide9.xml><?xml version="1.0" encoding="utf-8"?>
 <p:sld xmlns:a="http://schemas.openxmlformats.org/drawingml/2006/main" xmlns:r="http://schemas.openxmlformats.org/officeDocument/2006/relationships" xmlns:p="http://schemas.openxmlformats.org/presentationml/2006/main">
   <p:cSld>
     <p:spTree>
@@ -34797,196 +38111,6 @@
 </p:sld>
 </file>
 
-<file path=ppt/slides/slide9.xml><?xml version="1.0" encoding="utf-8"?>
-<p:sld xmlns:a="http://schemas.openxmlformats.org/drawingml/2006/main" xmlns:r="http://schemas.openxmlformats.org/officeDocument/2006/relationships" xmlns:p="http://schemas.openxmlformats.org/presentationml/2006/main">
-  <p:cSld>
-    <p:spTree>
-      <p:nvGrpSpPr>
-        <p:cNvPr id="1" name=""/>
-        <p:cNvGrpSpPr/>
-        <p:nvPr/>
-      </p:nvGrpSpPr>
-      <p:grpSpPr>
-        <a:xfrm>
-          <a:off x="0" y="0"/>
-          <a:ext cx="0" cy="0"/>
-          <a:chOff x="0" y="0"/>
-          <a:chExt cx="0" cy="0"/>
-        </a:xfrm>
-      </p:grpSpPr>
-      <p:sp>
-        <p:nvSpPr>
-          <p:cNvPr id="2" name="Title 1"/>
-          <p:cNvSpPr>
-            <a:spLocks noGrp="1"/>
-          </p:cNvSpPr>
-          <p:nvPr>
-            <p:ph type="title"/>
-          </p:nvPr>
-        </p:nvSpPr>
-        <p:spPr>
-          <a:xfrm>
-            <a:off x="538716" y="82067"/>
-            <a:ext cx="6991583" cy="491400"/>
-          </a:xfrm>
-        </p:spPr>
-        <p:txBody>
-          <a:bodyPr>
-            <a:normAutofit/>
-          </a:bodyPr>
-          <a:lstStyle/>
-          <a:p>
-            <a:pPr algn="l"/>
-            <a:r>
-              <a:rPr lang="en-US" sz="2700" dirty="0"/>
-              <a:t>FNMS – On Premises Component Architecture</a:t>
-            </a:r>
-            <a:endParaRPr lang="en-GB" sz="2700" dirty="0"/>
-          </a:p>
-        </p:txBody>
-      </p:sp>
-      <p:sp>
-        <p:nvSpPr>
-          <p:cNvPr id="96" name="Title 1">
-            <a:extLst>
-              <a:ext uri="{FF2B5EF4-FFF2-40B4-BE49-F238E27FC236}">
-                <a16:creationId xmlns:a16="http://schemas.microsoft.com/office/drawing/2014/main" id="{724B0FFE-7379-4B5A-BBE8-699849FB9A21}"/>
-              </a:ext>
-            </a:extLst>
-          </p:cNvPr>
-          <p:cNvSpPr txBox="1">
-            <a:spLocks/>
-          </p:cNvSpPr>
-          <p:nvPr/>
-        </p:nvSpPr>
-        <p:spPr>
-          <a:xfrm>
-            <a:off x="0" y="0"/>
-            <a:ext cx="0" cy="0"/>
-          </a:xfrm>
-        </p:spPr>
-        <p:txBody>
-          <a:bodyPr>
-            <a:normAutofit fontScale="25000" lnSpcReduction="20000"/>
-          </a:bodyPr>
-          <a:lstStyle>
-            <a:lvl1pPr algn="ctr" defTabSz="914400" rtl="0" eaLnBrk="1" latinLnBrk="0" hangingPunct="1">
-              <a:spcBef>
-                <a:spcPct val="0"/>
-              </a:spcBef>
-              <a:buNone/>
-              <a:defRPr sz="4400" kern="1200">
-                <a:solidFill>
-                  <a:schemeClr val="tx1"/>
-                </a:solidFill>
-                <a:latin typeface="+mj-lt"/>
-                <a:ea typeface="+mj-ea"/>
-                <a:cs typeface="+mj-cs"/>
-              </a:defRPr>
-            </a:lvl1pPr>
-          </a:lstStyle>
-          <a:p>
-            <a:r>
-              <a:rPr lang="en-US"/>
-              <a:t>Business Process, Data &amp; Tools Integration</a:t>
-            </a:r>
-            <a:endParaRPr lang="en-US" dirty="0"/>
-          </a:p>
-        </p:txBody>
-      </p:sp>
-      <p:sp>
-        <p:nvSpPr>
-          <p:cNvPr id="70" name="Title 1">
-            <a:extLst>
-              <a:ext uri="{FF2B5EF4-FFF2-40B4-BE49-F238E27FC236}">
-                <a16:creationId xmlns:a16="http://schemas.microsoft.com/office/drawing/2014/main" id="{A50381F3-B77D-4F8D-A346-795FD3D4D8EE}"/>
-              </a:ext>
-            </a:extLst>
-          </p:cNvPr>
-          <p:cNvSpPr txBox="1">
-            <a:spLocks/>
-          </p:cNvSpPr>
-          <p:nvPr/>
-        </p:nvSpPr>
-        <p:spPr>
-          <a:xfrm>
-            <a:off x="0" y="0"/>
-            <a:ext cx="0" cy="0"/>
-          </a:xfrm>
-        </p:spPr>
-        <p:txBody>
-          <a:bodyPr/>
-          <a:lstStyle>
-            <a:lvl1pPr algn="ctr" defTabSz="914400" rtl="0" eaLnBrk="1" latinLnBrk="0" hangingPunct="1">
-              <a:spcBef>
-                <a:spcPct val="0"/>
-              </a:spcBef>
-              <a:buNone/>
-              <a:defRPr sz="4400" kern="1200">
-                <a:solidFill>
-                  <a:schemeClr val="tx1"/>
-                </a:solidFill>
-                <a:latin typeface="+mj-lt"/>
-                <a:ea typeface="+mj-ea"/>
-                <a:cs typeface="+mj-cs"/>
-              </a:defRPr>
-            </a:lvl1pPr>
-          </a:lstStyle>
-          <a:p>
-            <a:pPr algn="l"/>
-            <a:r>
-              <a:rPr lang="en-US"/>
-              <a:t>Data and Where it Resides in FNMS UI</a:t>
-            </a:r>
-            <a:endParaRPr lang="en-US" dirty="0"/>
-          </a:p>
-        </p:txBody>
-      </p:sp>
-      <p:pic>
-        <p:nvPicPr>
-          <p:cNvPr id="28" name="Content Placeholder 2">
-            <a:extLst>
-              <a:ext uri="{FF2B5EF4-FFF2-40B4-BE49-F238E27FC236}">
-                <a16:creationId xmlns:a16="http://schemas.microsoft.com/office/drawing/2014/main" id="{FE11179C-9AF5-47F6-BD6E-50495C8C5ECB}"/>
-              </a:ext>
-            </a:extLst>
-          </p:cNvPr>
-          <p:cNvPicPr>
-            <a:picLocks noGrp="1" noChangeAspect="1"/>
-          </p:cNvPicPr>
-          <p:nvPr>
-            <p:ph idx="1"/>
-          </p:nvPr>
-        </p:nvPicPr>
-        <p:blipFill>
-          <a:blip r:embed="rId3"/>
-          <a:stretch>
-            <a:fillRect/>
-          </a:stretch>
-        </p:blipFill>
-        <p:spPr>
-          <a:xfrm>
-            <a:off x="1466881" y="989661"/>
-            <a:ext cx="6616258" cy="3685352"/>
-          </a:xfrm>
-          <a:prstGeom prst="rect">
-            <a:avLst/>
-          </a:prstGeom>
-        </p:spPr>
-      </p:pic>
-    </p:spTree>
-    <p:extLst>
-      <p:ext uri="{BB962C8B-B14F-4D97-AF65-F5344CB8AC3E}">
-        <p14:creationId xmlns:p14="http://schemas.microsoft.com/office/powerpoint/2010/main" val="2400066353"/>
-      </p:ext>
-    </p:extLst>
-  </p:cSld>
-  <p:clrMapOvr>
-    <a:masterClrMapping/>
-  </p:clrMapOvr>
-</p:sld>
-</file>
-
 <file path=ppt/tags/tag1.xml><?xml version="1.0" encoding="utf-8"?>
 <p:tagLst xmlns:a="http://schemas.openxmlformats.org/drawingml/2006/main" xmlns:r="http://schemas.openxmlformats.org/officeDocument/2006/relationships" xmlns:p="http://schemas.openxmlformats.org/presentationml/2006/main">
   <p:tag name="THINKCELLSHAPEDONOTDELETE" val="thinkcellActiveDocDoNotDelete"/>
@@ -36003,20 +39127,20 @@
 </file>
 
 <file path=customXml/item1.xml><?xml version="1.0" encoding="utf-8"?>
+<p:properties xmlns:p="http://schemas.microsoft.com/office/2006/metadata/properties" xmlns:xsi="http://www.w3.org/2001/XMLSchema-instance" xmlns:pc="http://schemas.microsoft.com/office/infopath/2007/PartnerControls">
+  <documentManagement>
+    <Resource_x0020_Type xmlns="75278f2c-ff30-4944-bcce-058989a3d697">PPT</Resource_x0020_Type>
+  </documentManagement>
+</p:properties>
+</file>
+
+<file path=customXml/item2.xml><?xml version="1.0" encoding="utf-8"?>
 <?mso-contentType ?>
 <FormTemplates xmlns="http://schemas.microsoft.com/sharepoint/v3/contenttype/forms">
   <Display>DocumentLibraryForm</Display>
   <Edit>DocumentLibraryForm</Edit>
   <New>DocumentLibraryForm</New>
 </FormTemplates>
-</file>
-
-<file path=customXml/item2.xml><?xml version="1.0" encoding="utf-8"?>
-<p:properties xmlns:p="http://schemas.microsoft.com/office/2006/metadata/properties" xmlns:xsi="http://www.w3.org/2001/XMLSchema-instance" xmlns:pc="http://schemas.microsoft.com/office/infopath/2007/PartnerControls">
-  <documentManagement>
-    <Resource_x0020_Type xmlns="75278f2c-ff30-4944-bcce-058989a3d697">PPT</Resource_x0020_Type>
-  </documentManagement>
-</p:properties>
 </file>
 
 <file path=customXml/item3.xml><?xml version="1.0" encoding="utf-8"?>
@@ -36243,19 +39367,19 @@
 </file>
 
 <file path=customXml/itemProps1.xml><?xml version="1.0" encoding="utf-8"?>
-<ds:datastoreItem xmlns:ds="http://schemas.openxmlformats.org/officeDocument/2006/customXml" ds:itemID="{ACD77467-82CD-4A38-86B4-67DB5C20C4B3}">
+<ds:datastoreItem xmlns:ds="http://schemas.openxmlformats.org/officeDocument/2006/customXml" ds:itemID="{531533AE-4B32-4665-9C79-BE55A8856BB6}">
   <ds:schemaRefs>
-    <ds:schemaRef ds:uri="http://schemas.microsoft.com/sharepoint/v3/contenttype/forms"/>
+    <ds:schemaRef ds:uri="http://schemas.microsoft.com/office/2006/metadata/properties"/>
+    <ds:schemaRef ds:uri="http://schemas.microsoft.com/office/infopath/2007/PartnerControls"/>
+    <ds:schemaRef ds:uri="75278f2c-ff30-4944-bcce-058989a3d697"/>
   </ds:schemaRefs>
 </ds:datastoreItem>
 </file>
 
 <file path=customXml/itemProps2.xml><?xml version="1.0" encoding="utf-8"?>
-<ds:datastoreItem xmlns:ds="http://schemas.openxmlformats.org/officeDocument/2006/customXml" ds:itemID="{531533AE-4B32-4665-9C79-BE55A8856BB6}">
+<ds:datastoreItem xmlns:ds="http://schemas.openxmlformats.org/officeDocument/2006/customXml" ds:itemID="{ACD77467-82CD-4A38-86B4-67DB5C20C4B3}">
   <ds:schemaRefs>
-    <ds:schemaRef ds:uri="http://schemas.microsoft.com/office/2006/metadata/properties"/>
-    <ds:schemaRef ds:uri="http://schemas.microsoft.com/office/infopath/2007/PartnerControls"/>
-    <ds:schemaRef ds:uri="75278f2c-ff30-4944-bcce-058989a3d697"/>
+    <ds:schemaRef ds:uri="http://schemas.microsoft.com/sharepoint/v3/contenttype/forms"/>
   </ds:schemaRefs>
 </ds:datastoreItem>
 </file>
